--- a/nhsdc_reference.pptx
+++ b/nhsdc_reference.pptx
@@ -5,14 +5,60 @@
     <p:sldMasterId id="2147493455" r:id="rId4"/>
   </p:sldMasterIdLst>
   <p:notesMasterIdLst>
-    <p:notesMasterId r:id="rId7"/>
+    <p:notesMasterId r:id="rId53"/>
   </p:notesMasterIdLst>
   <p:handoutMasterIdLst>
-    <p:handoutMasterId r:id="rId8"/>
+    <p:handoutMasterId r:id="rId54"/>
   </p:handoutMasterIdLst>
   <p:sldIdLst>
     <p:sldId id="256" r:id="rId5"/>
-    <p:sldId id="257" r:id="rId6"/>
+    <p:sldId id="258" r:id="rId6"/>
+    <p:sldId id="259" r:id="rId7"/>
+    <p:sldId id="260" r:id="rId8"/>
+    <p:sldId id="261" r:id="rId9"/>
+    <p:sldId id="262" r:id="rId10"/>
+    <p:sldId id="263" r:id="rId11"/>
+    <p:sldId id="264" r:id="rId12"/>
+    <p:sldId id="265" r:id="rId13"/>
+    <p:sldId id="266" r:id="rId14"/>
+    <p:sldId id="267" r:id="rId15"/>
+    <p:sldId id="268" r:id="rId16"/>
+    <p:sldId id="269" r:id="rId17"/>
+    <p:sldId id="270" r:id="rId18"/>
+    <p:sldId id="271" r:id="rId19"/>
+    <p:sldId id="272" r:id="rId20"/>
+    <p:sldId id="273" r:id="rId21"/>
+    <p:sldId id="274" r:id="rId22"/>
+    <p:sldId id="275" r:id="rId23"/>
+    <p:sldId id="276" r:id="rId24"/>
+    <p:sldId id="277" r:id="rId25"/>
+    <p:sldId id="278" r:id="rId26"/>
+    <p:sldId id="279" r:id="rId27"/>
+    <p:sldId id="280" r:id="rId28"/>
+    <p:sldId id="257" r:id="rId29"/>
+    <p:sldId id="281" r:id="rId30"/>
+    <p:sldId id="282" r:id="rId31"/>
+    <p:sldId id="283" r:id="rId32"/>
+    <p:sldId id="284" r:id="rId33"/>
+    <p:sldId id="285" r:id="rId34"/>
+    <p:sldId id="286" r:id="rId35"/>
+    <p:sldId id="287" r:id="rId36"/>
+    <p:sldId id="288" r:id="rId37"/>
+    <p:sldId id="289" r:id="rId38"/>
+    <p:sldId id="290" r:id="rId39"/>
+    <p:sldId id="291" r:id="rId40"/>
+    <p:sldId id="292" r:id="rId41"/>
+    <p:sldId id="293" r:id="rId42"/>
+    <p:sldId id="294" r:id="rId43"/>
+    <p:sldId id="295" r:id="rId44"/>
+    <p:sldId id="296" r:id="rId45"/>
+    <p:sldId id="297" r:id="rId46"/>
+    <p:sldId id="298" r:id="rId47"/>
+    <p:sldId id="299" r:id="rId48"/>
+    <p:sldId id="300" r:id="rId49"/>
+    <p:sldId id="301" r:id="rId50"/>
+    <p:sldId id="302" r:id="rId51"/>
+    <p:sldId id="303" r:id="rId52"/>
   </p:sldIdLst>
   <p:sldSz cx="9144000" cy="5143500" type="screen16x9"/>
   <p:notesSz cx="6858000" cy="9144000"/>
@@ -111,6 +157,22 @@
       </a:defRPr>
     </a:lvl9pPr>
   </p:defaultTextStyle>
+  <p:extLst>
+    <p:ext uri="{EFAFB233-063F-42B5-8137-9DF3F51BA10A}">
+      <p15:sldGuideLst xmlns:p15="http://schemas.microsoft.com/office/powerpoint/2012/main">
+        <p15:guide id="1" orient="horz" pos="1620">
+          <p15:clr>
+            <a:srgbClr val="A4A3A4"/>
+          </p15:clr>
+        </p15:guide>
+        <p15:guide id="2" pos="2880">
+          <p15:clr>
+            <a:srgbClr val="A4A3A4"/>
+          </p15:clr>
+        </p15:guide>
+      </p15:sldGuideLst>
+    </p:ext>
+  </p:extLst>
 </p:presentation>
 </file>
 
@@ -196,7 +258,7 @@
           <a:p>
             <a:fld id="{98785B88-5A74-8146-B62B-724301130AAD}" type="datetimeFigureOut">
               <a:rPr lang="en-US" smtClean="0"/>
-              <a:t>6/10/19</a:t>
+              <a:t>8/30/2019</a:t>
             </a:fld>
             <a:endParaRPr lang="en-US"/>
           </a:p>
@@ -362,7 +424,7 @@
           <a:p>
             <a:fld id="{D46AA611-57C1-EC4F-96BA-FD6DCC6DD98E}" type="datetimeFigureOut">
               <a:rPr lang="en-US" smtClean="0"/>
-              <a:t>6/10/19</a:t>
+              <a:t>8/30/2019</a:t>
             </a:fld>
             <a:endParaRPr lang="en-US"/>
           </a:p>
@@ -426,38 +488,37 @@
           <a:p>
             <a:pPr lvl="0"/>
             <a:r>
-              <a:rPr lang="en-US" smtClean="0"/>
+              <a:rPr lang="en-US"/>
               <a:t>Click to edit Master text styles</a:t>
             </a:r>
           </a:p>
           <a:p>
             <a:pPr lvl="1"/>
             <a:r>
-              <a:rPr lang="en-US" smtClean="0"/>
+              <a:rPr lang="en-US"/>
               <a:t>Second level</a:t>
             </a:r>
           </a:p>
           <a:p>
             <a:pPr lvl="2"/>
             <a:r>
-              <a:rPr lang="en-US" smtClean="0"/>
+              <a:rPr lang="en-US"/>
               <a:t>Third level</a:t>
             </a:r>
           </a:p>
           <a:p>
             <a:pPr lvl="3"/>
             <a:r>
-              <a:rPr lang="en-US" smtClean="0"/>
+              <a:rPr lang="en-US"/>
               <a:t>Fourth level</a:t>
             </a:r>
           </a:p>
           <a:p>
             <a:pPr lvl="4"/>
             <a:r>
-              <a:rPr lang="en-US" smtClean="0"/>
+              <a:rPr lang="en-US"/>
               <a:t>Fifth level</a:t>
             </a:r>
-            <a:endParaRPr lang="en-US"/>
           </a:p>
         </p:txBody>
       </p:sp>
@@ -631,6 +692,1042 @@
 </p:notesMaster>
 </file>
 
+<file path=ppt/notesSlides/notesSlide1.xml><?xml version="1.0" encoding="utf-8"?>
+<p:notes xmlns:a="http://schemas.openxmlformats.org/drawingml/2006/main" xmlns:r="http://schemas.openxmlformats.org/officeDocument/2006/relationships" xmlns:p="http://schemas.openxmlformats.org/presentationml/2006/main">
+  <p:cSld>
+    <p:spTree>
+      <p:nvGrpSpPr>
+        <p:cNvPr id="1" name=""/>
+        <p:cNvGrpSpPr/>
+        <p:nvPr/>
+      </p:nvGrpSpPr>
+      <p:grpSpPr>
+        <a:xfrm>
+          <a:off x="0" y="0"/>
+          <a:ext cx="0" cy="0"/>
+          <a:chOff x="0" y="0"/>
+          <a:chExt cx="0" cy="0"/>
+        </a:xfrm>
+      </p:grpSpPr>
+      <p:sp>
+        <p:nvSpPr>
+          <p:cNvPr id="2" name="Slide Image Placeholder 1"/>
+          <p:cNvSpPr>
+            <a:spLocks noGrp="1" noRot="1" noChangeAspect="1"/>
+          </p:cNvSpPr>
+          <p:nvPr>
+            <p:ph type="sldImg"/>
+          </p:nvPr>
+        </p:nvSpPr>
+        <p:spPr/>
+      </p:sp>
+      <p:sp>
+        <p:nvSpPr>
+          <p:cNvPr id="3" name="Notes Placeholder 2"/>
+          <p:cNvSpPr>
+            <a:spLocks noGrp="1"/>
+          </p:cNvSpPr>
+          <p:nvPr>
+            <p:ph type="body" idx="1"/>
+          </p:nvPr>
+        </p:nvSpPr>
+        <p:spPr/>
+        <p:txBody>
+          <a:bodyPr/>
+          <a:lstStyle/>
+          <a:p>
+            <a:pPr marL="0" lvl="0" indent="0">
+              <a:buNone/>
+            </a:pPr>
+            <a:r>
+              <a:t>raw data = unfiltered unformatted data straight from your HMIS that you (the data analyst) cannot alter from within the system.</a:t>
+            </a:r>
+          </a:p>
+        </p:txBody>
+      </p:sp>
+      <p:sp>
+        <p:nvSpPr>
+          <p:cNvPr id="4" name="Slide Number Placeholder 3"/>
+          <p:cNvSpPr>
+            <a:spLocks noGrp="1"/>
+          </p:cNvSpPr>
+          <p:nvPr>
+            <p:ph type="sldNum" sz="quarter" idx="10"/>
+          </p:nvPr>
+        </p:nvSpPr>
+        <p:spPr/>
+        <p:txBody>
+          <a:bodyPr/>
+          <a:lstStyle/>
+          <a:p>
+            <a:fld id="{18BDFEC3-8487-43E8-A154-7C12CBC1FFF2}" type="slidenum">
+              <a:rPr lang="en-US"/>
+              <a:t>5</a:t>
+            </a:fld>
+            <a:endParaRPr lang="en-US"/>
+          </a:p>
+        </p:txBody>
+      </p:sp>
+    </p:spTree>
+  </p:cSld>
+  <p:clrMapOvr>
+    <a:masterClrMapping/>
+  </p:clrMapOvr>
+</p:notes>
+</file>
+
+<file path=ppt/notesSlides/notesSlide10.xml><?xml version="1.0" encoding="utf-8"?>
+<p:notes xmlns:a="http://schemas.openxmlformats.org/drawingml/2006/main" xmlns:r="http://schemas.openxmlformats.org/officeDocument/2006/relationships" xmlns:p="http://schemas.openxmlformats.org/presentationml/2006/main">
+  <p:cSld>
+    <p:spTree>
+      <p:nvGrpSpPr>
+        <p:cNvPr id="1" name=""/>
+        <p:cNvGrpSpPr/>
+        <p:nvPr/>
+      </p:nvGrpSpPr>
+      <p:grpSpPr>
+        <a:xfrm>
+          <a:off x="0" y="0"/>
+          <a:ext cx="0" cy="0"/>
+          <a:chOff x="0" y="0"/>
+          <a:chExt cx="0" cy="0"/>
+        </a:xfrm>
+      </p:grpSpPr>
+      <p:sp>
+        <p:nvSpPr>
+          <p:cNvPr id="2" name="Slide Image Placeholder 1"/>
+          <p:cNvSpPr>
+            <a:spLocks noGrp="1" noRot="1" noChangeAspect="1"/>
+          </p:cNvSpPr>
+          <p:nvPr>
+            <p:ph type="sldImg"/>
+          </p:nvPr>
+        </p:nvSpPr>
+        <p:spPr/>
+      </p:sp>
+      <p:sp>
+        <p:nvSpPr>
+          <p:cNvPr id="3" name="Notes Placeholder 2"/>
+          <p:cNvSpPr>
+            <a:spLocks noGrp="1"/>
+          </p:cNvSpPr>
+          <p:nvPr>
+            <p:ph type="body" idx="1"/>
+          </p:nvPr>
+        </p:nvSpPr>
+        <p:spPr/>
+        <p:txBody>
+          <a:bodyPr/>
+          <a:lstStyle/>
+          <a:p>
+            <a:pPr marL="0" lvl="0" indent="0">
+              <a:buNone/>
+            </a:pPr>
+            <a:r>
+              <a:t>should be about 15 minutes. the plan is to open a fresh .Rmd file in R Studio, point out the structure of it, run it, make some quick edits to make it look better, rerun to see changes.</a:t>
+            </a:r>
+          </a:p>
+        </p:txBody>
+      </p:sp>
+      <p:sp>
+        <p:nvSpPr>
+          <p:cNvPr id="4" name="Slide Number Placeholder 3"/>
+          <p:cNvSpPr>
+            <a:spLocks noGrp="1"/>
+          </p:cNvSpPr>
+          <p:nvPr>
+            <p:ph type="sldNum" sz="quarter" idx="10"/>
+          </p:nvPr>
+        </p:nvSpPr>
+        <p:spPr/>
+        <p:txBody>
+          <a:bodyPr/>
+          <a:lstStyle/>
+          <a:p>
+            <a:fld id="{18BDFEC3-8487-43E8-A154-7C12CBC1FFF2}" type="slidenum">
+              <a:rPr lang="en-US"/>
+              <a:t>40</a:t>
+            </a:fld>
+            <a:endParaRPr lang="en-US"/>
+          </a:p>
+        </p:txBody>
+      </p:sp>
+    </p:spTree>
+  </p:cSld>
+  <p:clrMapOvr>
+    <a:masterClrMapping/>
+  </p:clrMapOvr>
+</p:notes>
+</file>
+
+<file path=ppt/notesSlides/notesSlide11.xml><?xml version="1.0" encoding="utf-8"?>
+<p:notes xmlns:a="http://schemas.openxmlformats.org/drawingml/2006/main" xmlns:r="http://schemas.openxmlformats.org/officeDocument/2006/relationships" xmlns:p="http://schemas.openxmlformats.org/presentationml/2006/main">
+  <p:cSld>
+    <p:spTree>
+      <p:nvGrpSpPr>
+        <p:cNvPr id="1" name=""/>
+        <p:cNvGrpSpPr/>
+        <p:nvPr/>
+      </p:nvGrpSpPr>
+      <p:grpSpPr>
+        <a:xfrm>
+          <a:off x="0" y="0"/>
+          <a:ext cx="0" cy="0"/>
+          <a:chOff x="0" y="0"/>
+          <a:chExt cx="0" cy="0"/>
+        </a:xfrm>
+      </p:grpSpPr>
+      <p:sp>
+        <p:nvSpPr>
+          <p:cNvPr id="2" name="Slide Image Placeholder 1"/>
+          <p:cNvSpPr>
+            <a:spLocks noGrp="1" noRot="1" noChangeAspect="1"/>
+          </p:cNvSpPr>
+          <p:nvPr>
+            <p:ph type="sldImg"/>
+          </p:nvPr>
+        </p:nvSpPr>
+        <p:spPr/>
+      </p:sp>
+      <p:sp>
+        <p:nvSpPr>
+          <p:cNvPr id="3" name="Notes Placeholder 2"/>
+          <p:cNvSpPr>
+            <a:spLocks noGrp="1"/>
+          </p:cNvSpPr>
+          <p:nvPr>
+            <p:ph type="body" idx="1"/>
+          </p:nvPr>
+        </p:nvSpPr>
+        <p:spPr/>
+        <p:txBody>
+          <a:bodyPr/>
+          <a:lstStyle/>
+          <a:p>
+            <a:pPr marL="0" lvl="0" indent="0">
+              <a:buNone/>
+            </a:pPr>
+            <a:r>
+              <a:t>(We should welcome this kind of interest and be prepared to respond with integrity.)</a:t>
+            </a:r>
+          </a:p>
+        </p:txBody>
+      </p:sp>
+      <p:sp>
+        <p:nvSpPr>
+          <p:cNvPr id="4" name="Slide Number Placeholder 3"/>
+          <p:cNvSpPr>
+            <a:spLocks noGrp="1"/>
+          </p:cNvSpPr>
+          <p:nvPr>
+            <p:ph type="sldNum" sz="quarter" idx="10"/>
+          </p:nvPr>
+        </p:nvSpPr>
+        <p:spPr/>
+        <p:txBody>
+          <a:bodyPr/>
+          <a:lstStyle/>
+          <a:p>
+            <a:fld id="{18BDFEC3-8487-43E8-A154-7C12CBC1FFF2}" type="slidenum">
+              <a:rPr lang="en-US"/>
+              <a:t>41</a:t>
+            </a:fld>
+            <a:endParaRPr lang="en-US"/>
+          </a:p>
+        </p:txBody>
+      </p:sp>
+    </p:spTree>
+  </p:cSld>
+  <p:clrMapOvr>
+    <a:masterClrMapping/>
+  </p:clrMapOvr>
+</p:notes>
+</file>
+
+<file path=ppt/notesSlides/notesSlide12.xml><?xml version="1.0" encoding="utf-8"?>
+<p:notes xmlns:a="http://schemas.openxmlformats.org/drawingml/2006/main" xmlns:r="http://schemas.openxmlformats.org/officeDocument/2006/relationships" xmlns:p="http://schemas.openxmlformats.org/presentationml/2006/main">
+  <p:cSld>
+    <p:spTree>
+      <p:nvGrpSpPr>
+        <p:cNvPr id="1" name=""/>
+        <p:cNvGrpSpPr/>
+        <p:nvPr/>
+      </p:nvGrpSpPr>
+      <p:grpSpPr>
+        <a:xfrm>
+          <a:off x="0" y="0"/>
+          <a:ext cx="0" cy="0"/>
+          <a:chOff x="0" y="0"/>
+          <a:chExt cx="0" cy="0"/>
+        </a:xfrm>
+      </p:grpSpPr>
+      <p:sp>
+        <p:nvSpPr>
+          <p:cNvPr id="2" name="Slide Image Placeholder 1"/>
+          <p:cNvSpPr>
+            <a:spLocks noGrp="1" noRot="1" noChangeAspect="1"/>
+          </p:cNvSpPr>
+          <p:nvPr>
+            <p:ph type="sldImg"/>
+          </p:nvPr>
+        </p:nvSpPr>
+        <p:spPr/>
+      </p:sp>
+      <p:sp>
+        <p:nvSpPr>
+          <p:cNvPr id="3" name="Notes Placeholder 2"/>
+          <p:cNvSpPr>
+            <a:spLocks noGrp="1"/>
+          </p:cNvSpPr>
+          <p:nvPr>
+            <p:ph type="body" idx="1"/>
+          </p:nvPr>
+        </p:nvSpPr>
+        <p:spPr/>
+        <p:txBody>
+          <a:bodyPr/>
+          <a:lstStyle/>
+          <a:p>
+            <a:pPr marL="0" lvl="0" indent="0">
+              <a:buNone/>
+            </a:pPr>
+            <a:r>
+              <a:t>What does a programmer look like? Can programmers ALSO be good at people?</a:t>
+            </a:r>
+          </a:p>
+          <a:p>
+            <a:pPr marL="0" lvl="0" indent="0">
+              <a:buNone/>
+            </a:pPr>
+            <a:endParaRPr/>
+          </a:p>
+          <a:p>
+            <a:pPr marL="0" lvl="0" indent="0">
+              <a:buNone/>
+            </a:pPr>
+            <a:r>
+              <a:t>You are most likely, in SOME way, already programming. It might look different, but all the concepts are there. You know your data. You know how you want to see it.</a:t>
+            </a:r>
+          </a:p>
+        </p:txBody>
+      </p:sp>
+      <p:sp>
+        <p:nvSpPr>
+          <p:cNvPr id="4" name="Slide Number Placeholder 3"/>
+          <p:cNvSpPr>
+            <a:spLocks noGrp="1"/>
+          </p:cNvSpPr>
+          <p:nvPr>
+            <p:ph type="sldNum" sz="quarter" idx="10"/>
+          </p:nvPr>
+        </p:nvSpPr>
+        <p:spPr/>
+        <p:txBody>
+          <a:bodyPr/>
+          <a:lstStyle/>
+          <a:p>
+            <a:fld id="{18BDFEC3-8487-43E8-A154-7C12CBC1FFF2}" type="slidenum">
+              <a:rPr lang="en-US"/>
+              <a:t>42</a:t>
+            </a:fld>
+            <a:endParaRPr lang="en-US"/>
+          </a:p>
+        </p:txBody>
+      </p:sp>
+    </p:spTree>
+  </p:cSld>
+  <p:clrMapOvr>
+    <a:masterClrMapping/>
+  </p:clrMapOvr>
+</p:notes>
+</file>
+
+<file path=ppt/notesSlides/notesSlide2.xml><?xml version="1.0" encoding="utf-8"?>
+<p:notes xmlns:a="http://schemas.openxmlformats.org/drawingml/2006/main" xmlns:r="http://schemas.openxmlformats.org/officeDocument/2006/relationships" xmlns:p="http://schemas.openxmlformats.org/presentationml/2006/main">
+  <p:cSld>
+    <p:spTree>
+      <p:nvGrpSpPr>
+        <p:cNvPr id="1" name=""/>
+        <p:cNvGrpSpPr/>
+        <p:nvPr/>
+      </p:nvGrpSpPr>
+      <p:grpSpPr>
+        <a:xfrm>
+          <a:off x="0" y="0"/>
+          <a:ext cx="0" cy="0"/>
+          <a:chOff x="0" y="0"/>
+          <a:chExt cx="0" cy="0"/>
+        </a:xfrm>
+      </p:grpSpPr>
+      <p:sp>
+        <p:nvSpPr>
+          <p:cNvPr id="2" name="Slide Image Placeholder 1"/>
+          <p:cNvSpPr>
+            <a:spLocks noGrp="1" noRot="1" noChangeAspect="1"/>
+          </p:cNvSpPr>
+          <p:nvPr>
+            <p:ph type="sldImg"/>
+          </p:nvPr>
+        </p:nvSpPr>
+        <p:spPr/>
+      </p:sp>
+      <p:sp>
+        <p:nvSpPr>
+          <p:cNvPr id="3" name="Notes Placeholder 2"/>
+          <p:cNvSpPr>
+            <a:spLocks noGrp="1"/>
+          </p:cNvSpPr>
+          <p:nvPr>
+            <p:ph type="body" idx="1"/>
+          </p:nvPr>
+        </p:nvSpPr>
+        <p:spPr/>
+        <p:txBody>
+          <a:bodyPr/>
+          <a:lstStyle/>
+          <a:p>
+            <a:pPr marL="0" lvl="0" indent="0">
+              <a:buNone/>
+            </a:pPr>
+            <a:r>
+              <a:t>talk about it in general, we can’t get to 100% go through the four icons version control: Word -&gt; Track Changes, Google docs -&gt; versioning, git -&gt; steep learning curve but worth it</a:t>
+            </a:r>
+          </a:p>
+        </p:txBody>
+      </p:sp>
+      <p:sp>
+        <p:nvSpPr>
+          <p:cNvPr id="4" name="Slide Number Placeholder 3"/>
+          <p:cNvSpPr>
+            <a:spLocks noGrp="1"/>
+          </p:cNvSpPr>
+          <p:nvPr>
+            <p:ph type="sldNum" sz="quarter" idx="10"/>
+          </p:nvPr>
+        </p:nvSpPr>
+        <p:spPr/>
+        <p:txBody>
+          <a:bodyPr/>
+          <a:lstStyle/>
+          <a:p>
+            <a:fld id="{18BDFEC3-8487-43E8-A154-7C12CBC1FFF2}" type="slidenum">
+              <a:rPr lang="en-US"/>
+              <a:t>9</a:t>
+            </a:fld>
+            <a:endParaRPr lang="en-US"/>
+          </a:p>
+        </p:txBody>
+      </p:sp>
+    </p:spTree>
+  </p:cSld>
+  <p:clrMapOvr>
+    <a:masterClrMapping/>
+  </p:clrMapOvr>
+</p:notes>
+</file>
+
+<file path=ppt/notesSlides/notesSlide3.xml><?xml version="1.0" encoding="utf-8"?>
+<p:notes xmlns:a="http://schemas.openxmlformats.org/drawingml/2006/main" xmlns:r="http://schemas.openxmlformats.org/officeDocument/2006/relationships" xmlns:p="http://schemas.openxmlformats.org/presentationml/2006/main">
+  <p:cSld>
+    <p:spTree>
+      <p:nvGrpSpPr>
+        <p:cNvPr id="1" name=""/>
+        <p:cNvGrpSpPr/>
+        <p:nvPr/>
+      </p:nvGrpSpPr>
+      <p:grpSpPr>
+        <a:xfrm>
+          <a:off x="0" y="0"/>
+          <a:ext cx="0" cy="0"/>
+          <a:chOff x="0" y="0"/>
+          <a:chExt cx="0" cy="0"/>
+        </a:xfrm>
+      </p:grpSpPr>
+      <p:sp>
+        <p:nvSpPr>
+          <p:cNvPr id="2" name="Slide Image Placeholder 1"/>
+          <p:cNvSpPr>
+            <a:spLocks noGrp="1" noRot="1" noChangeAspect="1"/>
+          </p:cNvSpPr>
+          <p:nvPr>
+            <p:ph type="sldImg"/>
+          </p:nvPr>
+        </p:nvSpPr>
+        <p:spPr/>
+      </p:sp>
+      <p:sp>
+        <p:nvSpPr>
+          <p:cNvPr id="3" name="Notes Placeholder 2"/>
+          <p:cNvSpPr>
+            <a:spLocks noGrp="1"/>
+          </p:cNvSpPr>
+          <p:nvPr>
+            <p:ph type="body" idx="1"/>
+          </p:nvPr>
+        </p:nvSpPr>
+        <p:spPr/>
+        <p:txBody>
+          <a:bodyPr/>
+          <a:lstStyle/>
+          <a:p>
+            <a:pPr marL="0" lvl="0" indent="0">
+              <a:buNone/>
+            </a:pPr>
+            <a:r>
+              <a:t>The HUD CSV Export specs are great documentation of your data source. Also you can’t edit the export from within HMIS (also good!).</a:t>
+            </a:r>
+          </a:p>
+        </p:txBody>
+      </p:sp>
+      <p:sp>
+        <p:nvSpPr>
+          <p:cNvPr id="4" name="Slide Number Placeholder 3"/>
+          <p:cNvSpPr>
+            <a:spLocks noGrp="1"/>
+          </p:cNvSpPr>
+          <p:nvPr>
+            <p:ph type="sldNum" sz="quarter" idx="10"/>
+          </p:nvPr>
+        </p:nvSpPr>
+        <p:spPr/>
+        <p:txBody>
+          <a:bodyPr/>
+          <a:lstStyle/>
+          <a:p>
+            <a:fld id="{18BDFEC3-8487-43E8-A154-7C12CBC1FFF2}" type="slidenum">
+              <a:rPr lang="en-US"/>
+              <a:t>10</a:t>
+            </a:fld>
+            <a:endParaRPr lang="en-US"/>
+          </a:p>
+        </p:txBody>
+      </p:sp>
+    </p:spTree>
+  </p:cSld>
+  <p:clrMapOvr>
+    <a:masterClrMapping/>
+  </p:clrMapOvr>
+</p:notes>
+</file>
+
+<file path=ppt/notesSlides/notesSlide4.xml><?xml version="1.0" encoding="utf-8"?>
+<p:notes xmlns:a="http://schemas.openxmlformats.org/drawingml/2006/main" xmlns:r="http://schemas.openxmlformats.org/officeDocument/2006/relationships" xmlns:p="http://schemas.openxmlformats.org/presentationml/2006/main">
+  <p:cSld>
+    <p:spTree>
+      <p:nvGrpSpPr>
+        <p:cNvPr id="1" name=""/>
+        <p:cNvGrpSpPr/>
+        <p:nvPr/>
+      </p:nvGrpSpPr>
+      <p:grpSpPr>
+        <a:xfrm>
+          <a:off x="0" y="0"/>
+          <a:ext cx="0" cy="0"/>
+          <a:chOff x="0" y="0"/>
+          <a:chExt cx="0" cy="0"/>
+        </a:xfrm>
+      </p:grpSpPr>
+      <p:sp>
+        <p:nvSpPr>
+          <p:cNvPr id="2" name="Slide Image Placeholder 1"/>
+          <p:cNvSpPr>
+            <a:spLocks noGrp="1" noRot="1" noChangeAspect="1"/>
+          </p:cNvSpPr>
+          <p:nvPr>
+            <p:ph type="sldImg"/>
+          </p:nvPr>
+        </p:nvSpPr>
+        <p:spPr/>
+      </p:sp>
+      <p:sp>
+        <p:nvSpPr>
+          <p:cNvPr id="3" name="Notes Placeholder 2"/>
+          <p:cNvSpPr>
+            <a:spLocks noGrp="1"/>
+          </p:cNvSpPr>
+          <p:nvPr>
+            <p:ph type="body" idx="1"/>
+          </p:nvPr>
+        </p:nvSpPr>
+        <p:spPr/>
+        <p:txBody>
+          <a:bodyPr/>
+          <a:lstStyle/>
+          <a:p>
+            <a:pPr marL="0" lvl="0" indent="0">
+              <a:buNone/>
+            </a:pPr>
+            <a:r>
+              <a:t>should be about 15 minutes. the plan is to open a fresh .Rmd file in R Studio, point out the structure of it, run it, make some quick edits to make it look better, rerun to see changes.</a:t>
+            </a:r>
+          </a:p>
+        </p:txBody>
+      </p:sp>
+      <p:sp>
+        <p:nvSpPr>
+          <p:cNvPr id="4" name="Slide Number Placeholder 3"/>
+          <p:cNvSpPr>
+            <a:spLocks noGrp="1"/>
+          </p:cNvSpPr>
+          <p:nvPr>
+            <p:ph type="sldNum" sz="quarter" idx="10"/>
+          </p:nvPr>
+        </p:nvSpPr>
+        <p:spPr/>
+        <p:txBody>
+          <a:bodyPr/>
+          <a:lstStyle/>
+          <a:p>
+            <a:fld id="{18BDFEC3-8487-43E8-A154-7C12CBC1FFF2}" type="slidenum">
+              <a:rPr lang="en-US"/>
+              <a:t>16</a:t>
+            </a:fld>
+            <a:endParaRPr lang="en-US"/>
+          </a:p>
+        </p:txBody>
+      </p:sp>
+    </p:spTree>
+  </p:cSld>
+  <p:clrMapOvr>
+    <a:masterClrMapping/>
+  </p:clrMapOvr>
+</p:notes>
+</file>
+
+<file path=ppt/notesSlides/notesSlide5.xml><?xml version="1.0" encoding="utf-8"?>
+<p:notes xmlns:a="http://schemas.openxmlformats.org/drawingml/2006/main" xmlns:r="http://schemas.openxmlformats.org/officeDocument/2006/relationships" xmlns:p="http://schemas.openxmlformats.org/presentationml/2006/main">
+  <p:cSld>
+    <p:spTree>
+      <p:nvGrpSpPr>
+        <p:cNvPr id="1" name=""/>
+        <p:cNvGrpSpPr/>
+        <p:nvPr/>
+      </p:nvGrpSpPr>
+      <p:grpSpPr>
+        <a:xfrm>
+          <a:off x="0" y="0"/>
+          <a:ext cx="0" cy="0"/>
+          <a:chOff x="0" y="0"/>
+          <a:chExt cx="0" cy="0"/>
+        </a:xfrm>
+      </p:grpSpPr>
+      <p:sp>
+        <p:nvSpPr>
+          <p:cNvPr id="2" name="Slide Image Placeholder 1"/>
+          <p:cNvSpPr>
+            <a:spLocks noGrp="1" noRot="1" noChangeAspect="1"/>
+          </p:cNvSpPr>
+          <p:nvPr>
+            <p:ph type="sldImg"/>
+          </p:nvPr>
+        </p:nvSpPr>
+        <p:spPr/>
+      </p:sp>
+      <p:sp>
+        <p:nvSpPr>
+          <p:cNvPr id="3" name="Notes Placeholder 2"/>
+          <p:cNvSpPr>
+            <a:spLocks noGrp="1"/>
+          </p:cNvSpPr>
+          <p:nvPr>
+            <p:ph type="body" idx="1"/>
+          </p:nvPr>
+        </p:nvSpPr>
+        <p:spPr/>
+        <p:txBody>
+          <a:bodyPr/>
+          <a:lstStyle/>
+          <a:p>
+            <a:pPr marL="0" lvl="0" indent="0">
+              <a:buNone/>
+            </a:pPr>
+            <a:r>
+              <a:t>(We should welcome this kind of interest and be prepared to respond with integrity.)</a:t>
+            </a:r>
+          </a:p>
+        </p:txBody>
+      </p:sp>
+      <p:sp>
+        <p:nvSpPr>
+          <p:cNvPr id="4" name="Slide Number Placeholder 3"/>
+          <p:cNvSpPr>
+            <a:spLocks noGrp="1"/>
+          </p:cNvSpPr>
+          <p:nvPr>
+            <p:ph type="sldNum" sz="quarter" idx="10"/>
+          </p:nvPr>
+        </p:nvSpPr>
+        <p:spPr/>
+        <p:txBody>
+          <a:bodyPr/>
+          <a:lstStyle/>
+          <a:p>
+            <a:fld id="{18BDFEC3-8487-43E8-A154-7C12CBC1FFF2}" type="slidenum">
+              <a:rPr lang="en-US"/>
+              <a:t>17</a:t>
+            </a:fld>
+            <a:endParaRPr lang="en-US"/>
+          </a:p>
+        </p:txBody>
+      </p:sp>
+    </p:spTree>
+  </p:cSld>
+  <p:clrMapOvr>
+    <a:masterClrMapping/>
+  </p:clrMapOvr>
+</p:notes>
+</file>
+
+<file path=ppt/notesSlides/notesSlide6.xml><?xml version="1.0" encoding="utf-8"?>
+<p:notes xmlns:a="http://schemas.openxmlformats.org/drawingml/2006/main" xmlns:r="http://schemas.openxmlformats.org/officeDocument/2006/relationships" xmlns:p="http://schemas.openxmlformats.org/presentationml/2006/main">
+  <p:cSld>
+    <p:spTree>
+      <p:nvGrpSpPr>
+        <p:cNvPr id="1" name=""/>
+        <p:cNvGrpSpPr/>
+        <p:nvPr/>
+      </p:nvGrpSpPr>
+      <p:grpSpPr>
+        <a:xfrm>
+          <a:off x="0" y="0"/>
+          <a:ext cx="0" cy="0"/>
+          <a:chOff x="0" y="0"/>
+          <a:chExt cx="0" cy="0"/>
+        </a:xfrm>
+      </p:grpSpPr>
+      <p:sp>
+        <p:nvSpPr>
+          <p:cNvPr id="2" name="Slide Image Placeholder 1"/>
+          <p:cNvSpPr>
+            <a:spLocks noGrp="1" noRot="1" noChangeAspect="1"/>
+          </p:cNvSpPr>
+          <p:nvPr>
+            <p:ph type="sldImg"/>
+          </p:nvPr>
+        </p:nvSpPr>
+        <p:spPr/>
+      </p:sp>
+      <p:sp>
+        <p:nvSpPr>
+          <p:cNvPr id="3" name="Notes Placeholder 2"/>
+          <p:cNvSpPr>
+            <a:spLocks noGrp="1"/>
+          </p:cNvSpPr>
+          <p:nvPr>
+            <p:ph type="body" idx="1"/>
+          </p:nvPr>
+        </p:nvSpPr>
+        <p:spPr/>
+        <p:txBody>
+          <a:bodyPr/>
+          <a:lstStyle/>
+          <a:p>
+            <a:pPr marL="0" lvl="0" indent="0">
+              <a:buNone/>
+            </a:pPr>
+            <a:r>
+              <a:t>What does a programmer look like? Can programmers ALSO be good at people?</a:t>
+            </a:r>
+          </a:p>
+          <a:p>
+            <a:pPr marL="0" lvl="0" indent="0">
+              <a:buNone/>
+            </a:pPr>
+            <a:endParaRPr/>
+          </a:p>
+          <a:p>
+            <a:pPr marL="0" lvl="0" indent="0">
+              <a:buNone/>
+            </a:pPr>
+            <a:r>
+              <a:t>You are most likely, in SOME way, already programming. It might look different, but all the concepts are there. You know your data. You know how you want to see it.</a:t>
+            </a:r>
+          </a:p>
+        </p:txBody>
+      </p:sp>
+      <p:sp>
+        <p:nvSpPr>
+          <p:cNvPr id="4" name="Slide Number Placeholder 3"/>
+          <p:cNvSpPr>
+            <a:spLocks noGrp="1"/>
+          </p:cNvSpPr>
+          <p:nvPr>
+            <p:ph type="sldNum" sz="quarter" idx="10"/>
+          </p:nvPr>
+        </p:nvSpPr>
+        <p:spPr/>
+        <p:txBody>
+          <a:bodyPr/>
+          <a:lstStyle/>
+          <a:p>
+            <a:fld id="{18BDFEC3-8487-43E8-A154-7C12CBC1FFF2}" type="slidenum">
+              <a:rPr lang="en-US"/>
+              <a:t>18</a:t>
+            </a:fld>
+            <a:endParaRPr lang="en-US"/>
+          </a:p>
+        </p:txBody>
+      </p:sp>
+    </p:spTree>
+  </p:cSld>
+  <p:clrMapOvr>
+    <a:masterClrMapping/>
+  </p:clrMapOvr>
+</p:notes>
+</file>
+
+<file path=ppt/notesSlides/notesSlide7.xml><?xml version="1.0" encoding="utf-8"?>
+<p:notes xmlns:a="http://schemas.openxmlformats.org/drawingml/2006/main" xmlns:r="http://schemas.openxmlformats.org/officeDocument/2006/relationships" xmlns:p="http://schemas.openxmlformats.org/presentationml/2006/main">
+  <p:cSld>
+    <p:spTree>
+      <p:nvGrpSpPr>
+        <p:cNvPr id="1" name=""/>
+        <p:cNvGrpSpPr/>
+        <p:nvPr/>
+      </p:nvGrpSpPr>
+      <p:grpSpPr>
+        <a:xfrm>
+          <a:off x="0" y="0"/>
+          <a:ext cx="0" cy="0"/>
+          <a:chOff x="0" y="0"/>
+          <a:chExt cx="0" cy="0"/>
+        </a:xfrm>
+      </p:grpSpPr>
+      <p:sp>
+        <p:nvSpPr>
+          <p:cNvPr id="2" name="Slide Image Placeholder 1"/>
+          <p:cNvSpPr>
+            <a:spLocks noGrp="1" noRot="1" noChangeAspect="1"/>
+          </p:cNvSpPr>
+          <p:nvPr>
+            <p:ph type="sldImg"/>
+          </p:nvPr>
+        </p:nvSpPr>
+        <p:spPr/>
+      </p:sp>
+      <p:sp>
+        <p:nvSpPr>
+          <p:cNvPr id="3" name="Notes Placeholder 2"/>
+          <p:cNvSpPr>
+            <a:spLocks noGrp="1"/>
+          </p:cNvSpPr>
+          <p:nvPr>
+            <p:ph type="body" idx="1"/>
+          </p:nvPr>
+        </p:nvSpPr>
+        <p:spPr/>
+        <p:txBody>
+          <a:bodyPr/>
+          <a:lstStyle/>
+          <a:p>
+            <a:pPr marL="0" lvl="0" indent="0">
+              <a:buNone/>
+            </a:pPr>
+            <a:r>
+              <a:t>raw data = unfiltered unformatted data straight from your HMIS that you (the data analyst) cannot alter from within the system.</a:t>
+            </a:r>
+          </a:p>
+        </p:txBody>
+      </p:sp>
+      <p:sp>
+        <p:nvSpPr>
+          <p:cNvPr id="4" name="Slide Number Placeholder 3"/>
+          <p:cNvSpPr>
+            <a:spLocks noGrp="1"/>
+          </p:cNvSpPr>
+          <p:nvPr>
+            <p:ph type="sldNum" sz="quarter" idx="10"/>
+          </p:nvPr>
+        </p:nvSpPr>
+        <p:spPr/>
+        <p:txBody>
+          <a:bodyPr/>
+          <a:lstStyle/>
+          <a:p>
+            <a:fld id="{18BDFEC3-8487-43E8-A154-7C12CBC1FFF2}" type="slidenum">
+              <a:rPr lang="en-US"/>
+              <a:t>29</a:t>
+            </a:fld>
+            <a:endParaRPr lang="en-US"/>
+          </a:p>
+        </p:txBody>
+      </p:sp>
+    </p:spTree>
+  </p:cSld>
+  <p:clrMapOvr>
+    <a:masterClrMapping/>
+  </p:clrMapOvr>
+</p:notes>
+</file>
+
+<file path=ppt/notesSlides/notesSlide8.xml><?xml version="1.0" encoding="utf-8"?>
+<p:notes xmlns:a="http://schemas.openxmlformats.org/drawingml/2006/main" xmlns:r="http://schemas.openxmlformats.org/officeDocument/2006/relationships" xmlns:p="http://schemas.openxmlformats.org/presentationml/2006/main">
+  <p:cSld>
+    <p:spTree>
+      <p:nvGrpSpPr>
+        <p:cNvPr id="1" name=""/>
+        <p:cNvGrpSpPr/>
+        <p:nvPr/>
+      </p:nvGrpSpPr>
+      <p:grpSpPr>
+        <a:xfrm>
+          <a:off x="0" y="0"/>
+          <a:ext cx="0" cy="0"/>
+          <a:chOff x="0" y="0"/>
+          <a:chExt cx="0" cy="0"/>
+        </a:xfrm>
+      </p:grpSpPr>
+      <p:sp>
+        <p:nvSpPr>
+          <p:cNvPr id="2" name="Slide Image Placeholder 1"/>
+          <p:cNvSpPr>
+            <a:spLocks noGrp="1" noRot="1" noChangeAspect="1"/>
+          </p:cNvSpPr>
+          <p:nvPr>
+            <p:ph type="sldImg"/>
+          </p:nvPr>
+        </p:nvSpPr>
+        <p:spPr/>
+      </p:sp>
+      <p:sp>
+        <p:nvSpPr>
+          <p:cNvPr id="3" name="Notes Placeholder 2"/>
+          <p:cNvSpPr>
+            <a:spLocks noGrp="1"/>
+          </p:cNvSpPr>
+          <p:nvPr>
+            <p:ph type="body" idx="1"/>
+          </p:nvPr>
+        </p:nvSpPr>
+        <p:spPr/>
+        <p:txBody>
+          <a:bodyPr/>
+          <a:lstStyle/>
+          <a:p>
+            <a:pPr marL="0" lvl="0" indent="0">
+              <a:buNone/>
+            </a:pPr>
+            <a:r>
+              <a:t>talk about it in general, we can’t get to 100% go through the four icons version control: Word -&gt; Track Changes, Google docs -&gt; versioning, git -&gt; steep learning curve but worth it</a:t>
+            </a:r>
+          </a:p>
+        </p:txBody>
+      </p:sp>
+      <p:sp>
+        <p:nvSpPr>
+          <p:cNvPr id="4" name="Slide Number Placeholder 3"/>
+          <p:cNvSpPr>
+            <a:spLocks noGrp="1"/>
+          </p:cNvSpPr>
+          <p:nvPr>
+            <p:ph type="sldNum" sz="quarter" idx="10"/>
+          </p:nvPr>
+        </p:nvSpPr>
+        <p:spPr/>
+        <p:txBody>
+          <a:bodyPr/>
+          <a:lstStyle/>
+          <a:p>
+            <a:fld id="{18BDFEC3-8487-43E8-A154-7C12CBC1FFF2}" type="slidenum">
+              <a:rPr lang="en-US"/>
+              <a:t>33</a:t>
+            </a:fld>
+            <a:endParaRPr lang="en-US"/>
+          </a:p>
+        </p:txBody>
+      </p:sp>
+    </p:spTree>
+  </p:cSld>
+  <p:clrMapOvr>
+    <a:masterClrMapping/>
+  </p:clrMapOvr>
+</p:notes>
+</file>
+
+<file path=ppt/notesSlides/notesSlide9.xml><?xml version="1.0" encoding="utf-8"?>
+<p:notes xmlns:a="http://schemas.openxmlformats.org/drawingml/2006/main" xmlns:r="http://schemas.openxmlformats.org/officeDocument/2006/relationships" xmlns:p="http://schemas.openxmlformats.org/presentationml/2006/main">
+  <p:cSld>
+    <p:spTree>
+      <p:nvGrpSpPr>
+        <p:cNvPr id="1" name=""/>
+        <p:cNvGrpSpPr/>
+        <p:nvPr/>
+      </p:nvGrpSpPr>
+      <p:grpSpPr>
+        <a:xfrm>
+          <a:off x="0" y="0"/>
+          <a:ext cx="0" cy="0"/>
+          <a:chOff x="0" y="0"/>
+          <a:chExt cx="0" cy="0"/>
+        </a:xfrm>
+      </p:grpSpPr>
+      <p:sp>
+        <p:nvSpPr>
+          <p:cNvPr id="2" name="Slide Image Placeholder 1"/>
+          <p:cNvSpPr>
+            <a:spLocks noGrp="1" noRot="1" noChangeAspect="1"/>
+          </p:cNvSpPr>
+          <p:nvPr>
+            <p:ph type="sldImg"/>
+          </p:nvPr>
+        </p:nvSpPr>
+        <p:spPr/>
+      </p:sp>
+      <p:sp>
+        <p:nvSpPr>
+          <p:cNvPr id="3" name="Notes Placeholder 2"/>
+          <p:cNvSpPr>
+            <a:spLocks noGrp="1"/>
+          </p:cNvSpPr>
+          <p:nvPr>
+            <p:ph type="body" idx="1"/>
+          </p:nvPr>
+        </p:nvSpPr>
+        <p:spPr/>
+        <p:txBody>
+          <a:bodyPr/>
+          <a:lstStyle/>
+          <a:p>
+            <a:pPr marL="0" lvl="0" indent="0">
+              <a:buNone/>
+            </a:pPr>
+            <a:r>
+              <a:t>The HUD CSV Export specs are great documentation of your data source. Also you can’t edit the export from within HMIS (also good!).</a:t>
+            </a:r>
+          </a:p>
+        </p:txBody>
+      </p:sp>
+      <p:sp>
+        <p:nvSpPr>
+          <p:cNvPr id="4" name="Slide Number Placeholder 3"/>
+          <p:cNvSpPr>
+            <a:spLocks noGrp="1"/>
+          </p:cNvSpPr>
+          <p:nvPr>
+            <p:ph type="sldNum" sz="quarter" idx="10"/>
+          </p:nvPr>
+        </p:nvSpPr>
+        <p:spPr/>
+        <p:txBody>
+          <a:bodyPr/>
+          <a:lstStyle/>
+          <a:p>
+            <a:fld id="{18BDFEC3-8487-43E8-A154-7C12CBC1FFF2}" type="slidenum">
+              <a:rPr lang="en-US"/>
+              <a:t>34</a:t>
+            </a:fld>
+            <a:endParaRPr lang="en-US"/>
+          </a:p>
+        </p:txBody>
+      </p:sp>
+    </p:spTree>
+  </p:cSld>
+  <p:clrMapOvr>
+    <a:masterClrMapping/>
+  </p:clrMapOvr>
+</p:notes>
+</file>
+
 <file path=ppt/slideLayouts/slideLayout1.xml><?xml version="1.0" encoding="utf-8"?>
 <p:sldLayout xmlns:a="http://schemas.openxmlformats.org/drawingml/2006/main" xmlns:r="http://schemas.openxmlformats.org/officeDocument/2006/relationships" xmlns:p="http://schemas.openxmlformats.org/presentationml/2006/main" type="title" preserve="1">
   <p:cSld name="Title Slide">
@@ -710,10 +1807,9 @@
           </a:lstStyle>
           <a:p>
             <a:r>
-              <a:rPr lang="en-US" dirty="0" smtClean="0"/>
+              <a:rPr lang="en-US" dirty="0"/>
               <a:t>Click to edit Master title style</a:t>
             </a:r>
-            <a:endParaRPr lang="en-US" dirty="0"/>
           </a:p>
         </p:txBody>
       </p:sp>
@@ -831,10 +1927,9 @@
           </a:lstStyle>
           <a:p>
             <a:r>
-              <a:rPr lang="en-US" dirty="0" smtClean="0"/>
+              <a:rPr lang="en-US" dirty="0"/>
               <a:t>Click to edit Master subtitle style</a:t>
             </a:r>
-            <a:endParaRPr lang="en-US" dirty="0"/>
           </a:p>
         </p:txBody>
       </p:sp>
@@ -970,10 +2065,9 @@
           </a:lstStyle>
           <a:p>
             <a:r>
-              <a:rPr lang="en-US" dirty="0" smtClean="0"/>
+              <a:rPr lang="en-US" dirty="0"/>
               <a:t>Click to edit Master title style</a:t>
             </a:r>
-            <a:endParaRPr lang="en-US" dirty="0"/>
           </a:p>
         </p:txBody>
       </p:sp>
@@ -1034,35 +2128,35 @@
           <a:p>
             <a:pPr lvl="0"/>
             <a:r>
-              <a:rPr lang="en-US" dirty="0" smtClean="0"/>
+              <a:rPr lang="en-US" dirty="0"/>
               <a:t>Click to edit Master text styles</a:t>
             </a:r>
           </a:p>
           <a:p>
             <a:pPr lvl="1"/>
             <a:r>
-              <a:rPr lang="en-US" dirty="0" smtClean="0"/>
+              <a:rPr lang="en-US" dirty="0"/>
               <a:t>Second level		</a:t>
             </a:r>
           </a:p>
           <a:p>
             <a:pPr lvl="2"/>
             <a:r>
-              <a:rPr lang="en-US" dirty="0" smtClean="0"/>
+              <a:rPr lang="en-US" dirty="0"/>
               <a:t>Third level</a:t>
             </a:r>
           </a:p>
           <a:p>
             <a:pPr lvl="3"/>
             <a:r>
-              <a:rPr lang="en-US" dirty="0" smtClean="0"/>
+              <a:rPr lang="en-US" dirty="0"/>
               <a:t>Fourth level</a:t>
             </a:r>
           </a:p>
           <a:p>
             <a:pPr lvl="4"/>
             <a:r>
-              <a:rPr lang="en-US" dirty="0" smtClean="0"/>
+              <a:rPr lang="en-US" dirty="0"/>
               <a:t>Fifth level</a:t>
             </a:r>
           </a:p>
@@ -1217,10 +2311,9 @@
           </a:lstStyle>
           <a:p>
             <a:r>
-              <a:rPr lang="en-US" dirty="0" smtClean="0"/>
+              <a:rPr lang="en-US" dirty="0"/>
               <a:t>Click to edit Master title style</a:t>
             </a:r>
-            <a:endParaRPr lang="en-US" dirty="0"/>
           </a:p>
         </p:txBody>
       </p:sp>
@@ -1281,35 +2374,35 @@
           <a:p>
             <a:pPr lvl="0"/>
             <a:r>
-              <a:rPr lang="en-US" dirty="0" smtClean="0"/>
+              <a:rPr lang="en-US" dirty="0"/>
               <a:t>Click to edit Master text styles</a:t>
             </a:r>
           </a:p>
           <a:p>
             <a:pPr lvl="1"/>
             <a:r>
-              <a:rPr lang="en-US" dirty="0" smtClean="0"/>
+              <a:rPr lang="en-US" dirty="0"/>
               <a:t>Second level		</a:t>
             </a:r>
           </a:p>
           <a:p>
             <a:pPr lvl="2"/>
             <a:r>
-              <a:rPr lang="en-US" dirty="0" smtClean="0"/>
+              <a:rPr lang="en-US" dirty="0"/>
               <a:t>Third level</a:t>
             </a:r>
           </a:p>
           <a:p>
             <a:pPr lvl="3"/>
             <a:r>
-              <a:rPr lang="en-US" dirty="0" smtClean="0"/>
+              <a:rPr lang="en-US" dirty="0"/>
               <a:t>Fourth level</a:t>
             </a:r>
           </a:p>
           <a:p>
             <a:pPr lvl="4"/>
             <a:r>
-              <a:rPr lang="en-US" dirty="0" smtClean="0"/>
+              <a:rPr lang="en-US" dirty="0"/>
               <a:t>Fifth level</a:t>
             </a:r>
           </a:p>
@@ -1372,35 +2465,35 @@
           <a:p>
             <a:pPr lvl="0"/>
             <a:r>
-              <a:rPr lang="en-US" dirty="0" smtClean="0"/>
+              <a:rPr lang="en-US" dirty="0"/>
               <a:t>Click to edit Master text styles</a:t>
             </a:r>
           </a:p>
           <a:p>
             <a:pPr lvl="1"/>
             <a:r>
-              <a:rPr lang="en-US" dirty="0" smtClean="0"/>
+              <a:rPr lang="en-US" dirty="0"/>
               <a:t>Second level		</a:t>
             </a:r>
           </a:p>
           <a:p>
             <a:pPr lvl="2"/>
             <a:r>
-              <a:rPr lang="en-US" dirty="0" smtClean="0"/>
+              <a:rPr lang="en-US" dirty="0"/>
               <a:t>Third level</a:t>
             </a:r>
           </a:p>
           <a:p>
             <a:pPr lvl="3"/>
             <a:r>
-              <a:rPr lang="en-US" dirty="0" smtClean="0"/>
+              <a:rPr lang="en-US" dirty="0"/>
               <a:t>Fourth level</a:t>
             </a:r>
           </a:p>
           <a:p>
             <a:pPr lvl="4"/>
             <a:r>
-              <a:rPr lang="en-US" dirty="0" smtClean="0"/>
+              <a:rPr lang="en-US" dirty="0"/>
               <a:t>Fifth level</a:t>
             </a:r>
           </a:p>
@@ -1467,10 +2560,9 @@
           <a:lstStyle/>
           <a:p>
             <a:r>
-              <a:rPr lang="en-US" smtClean="0"/>
+              <a:rPr lang="en-US"/>
               <a:t>Click to edit Master title style</a:t>
             </a:r>
-            <a:endParaRPr lang="en-US"/>
           </a:p>
         </p:txBody>
       </p:sp>
@@ -1501,38 +2593,37 @@
           <a:p>
             <a:pPr lvl="0"/>
             <a:r>
-              <a:rPr lang="en-US" dirty="0" smtClean="0"/>
+              <a:rPr lang="en-US" dirty="0"/>
               <a:t>Click to edit Master text styles</a:t>
             </a:r>
           </a:p>
           <a:p>
             <a:pPr lvl="1"/>
             <a:r>
-              <a:rPr lang="en-US" dirty="0" smtClean="0"/>
+              <a:rPr lang="en-US" dirty="0"/>
               <a:t>Second level</a:t>
             </a:r>
           </a:p>
           <a:p>
             <a:pPr lvl="2"/>
             <a:r>
-              <a:rPr lang="en-US" dirty="0" smtClean="0"/>
+              <a:rPr lang="en-US" dirty="0"/>
               <a:t>Third level</a:t>
             </a:r>
           </a:p>
           <a:p>
             <a:pPr lvl="3"/>
             <a:r>
-              <a:rPr lang="en-US" dirty="0" smtClean="0"/>
+              <a:rPr lang="en-US" dirty="0"/>
               <a:t>Fourth level</a:t>
             </a:r>
           </a:p>
           <a:p>
             <a:pPr lvl="4"/>
             <a:r>
-              <a:rPr lang="en-US" dirty="0" smtClean="0"/>
+              <a:rPr lang="en-US" dirty="0"/>
               <a:t>Fifth level</a:t>
             </a:r>
-            <a:endParaRPr lang="en-US" dirty="0"/>
           </a:p>
         </p:txBody>
       </p:sp>
@@ -2010,6 +3101,920 @@
 </p:sld>
 </file>
 
+<file path=ppt/slides/slide10.xml><?xml version="1.0" encoding="utf-8"?>
+<p:sld xmlns:a="http://schemas.openxmlformats.org/drawingml/2006/main" xmlns:r="http://schemas.openxmlformats.org/officeDocument/2006/relationships" xmlns:p="http://schemas.openxmlformats.org/presentationml/2006/main">
+  <p:cSld>
+    <p:spTree>
+      <p:nvGrpSpPr>
+        <p:cNvPr id="1" name=""/>
+        <p:cNvGrpSpPr/>
+        <p:nvPr/>
+      </p:nvGrpSpPr>
+      <p:grpSpPr>
+        <a:xfrm>
+          <a:off x="0" y="0"/>
+          <a:ext cx="0" cy="0"/>
+          <a:chOff x="0" y="0"/>
+          <a:chExt cx="0" cy="0"/>
+        </a:xfrm>
+      </p:grpSpPr>
+      <p:sp>
+        <p:nvSpPr>
+          <p:cNvPr id="2" name="Title 1"/>
+          <p:cNvSpPr>
+            <a:spLocks noGrp="1"/>
+          </p:cNvSpPr>
+          <p:nvPr>
+            <p:ph type="title"/>
+          </p:nvPr>
+        </p:nvSpPr>
+        <p:spPr/>
+        <p:txBody>
+          <a:bodyPr>
+            <a:normAutofit fontScale="90000"/>
+          </a:bodyPr>
+          <a:lstStyle/>
+          <a:p>
+            <a:r>
+              <a:t>Ways to Achieve Better Reproducibility with Current Tools</a:t>
+            </a:r>
+          </a:p>
+        </p:txBody>
+      </p:sp>
+      <p:sp>
+        <p:nvSpPr>
+          <p:cNvPr id="3" name="Content Placeholder 2"/>
+          <p:cNvSpPr>
+            <a:spLocks noGrp="1"/>
+          </p:cNvSpPr>
+          <p:nvPr>
+            <p:ph idx="1"/>
+          </p:nvPr>
+        </p:nvSpPr>
+        <p:spPr/>
+        <p:txBody>
+          <a:bodyPr/>
+          <a:lstStyle/>
+          <a:p>
+            <a:pPr lvl="1"/>
+            <a:r>
+              <a:t>Data from HMIS should be as raw as possible</a:t>
+            </a:r>
+          </a:p>
+          <a:p>
+            <a:pPr lvl="1"/>
+            <a:r>
+              <a:t>Document your workflow for each visualization</a:t>
+            </a:r>
+          </a:p>
+          <a:p>
+            <a:pPr lvl="2"/>
+            <a:r>
+              <a:t>file paths, names, and document types</a:t>
+            </a:r>
+          </a:p>
+          <a:p>
+            <a:pPr lvl="2"/>
+            <a:r>
+              <a:t>every action you do in your intermediary data shaping tool</a:t>
+            </a:r>
+          </a:p>
+          <a:p>
+            <a:pPr lvl="2"/>
+            <a:r>
+              <a:t>any further actions you take inside your visualization tool</a:t>
+            </a:r>
+          </a:p>
+          <a:p>
+            <a:pPr lvl="2"/>
+            <a:r>
+              <a:t>if your data from HMIS is custom, document each action you take to create the data export</a:t>
+            </a:r>
+          </a:p>
+        </p:txBody>
+      </p:sp>
+    </p:spTree>
+  </p:cSld>
+  <p:clrMapOvr>
+    <a:masterClrMapping/>
+  </p:clrMapOvr>
+</p:sld>
+</file>
+
+<file path=ppt/slides/slide11.xml><?xml version="1.0" encoding="utf-8"?>
+<p:sld xmlns:a="http://schemas.openxmlformats.org/drawingml/2006/main" xmlns:r="http://schemas.openxmlformats.org/officeDocument/2006/relationships" xmlns:p="http://schemas.openxmlformats.org/presentationml/2006/main">
+  <p:cSld>
+    <p:spTree>
+      <p:nvGrpSpPr>
+        <p:cNvPr id="1" name=""/>
+        <p:cNvGrpSpPr/>
+        <p:nvPr/>
+      </p:nvGrpSpPr>
+      <p:grpSpPr>
+        <a:xfrm>
+          <a:off x="0" y="0"/>
+          <a:ext cx="0" cy="0"/>
+          <a:chOff x="0" y="0"/>
+          <a:chExt cx="0" cy="0"/>
+        </a:xfrm>
+      </p:grpSpPr>
+      <p:sp>
+        <p:nvSpPr>
+          <p:cNvPr id="2" name="Title 1"/>
+          <p:cNvSpPr>
+            <a:spLocks noGrp="1"/>
+          </p:cNvSpPr>
+          <p:nvPr>
+            <p:ph type="title"/>
+          </p:nvPr>
+        </p:nvSpPr>
+        <p:spPr/>
+        <p:txBody>
+          <a:bodyPr/>
+          <a:lstStyle/>
+          <a:p>
+            <a:r>
+              <a:t>What is Markdown</a:t>
+            </a:r>
+          </a:p>
+        </p:txBody>
+      </p:sp>
+      <p:sp>
+        <p:nvSpPr>
+          <p:cNvPr id="3" name="Content Placeholder 2"/>
+          <p:cNvSpPr>
+            <a:spLocks noGrp="1"/>
+          </p:cNvSpPr>
+          <p:nvPr>
+            <p:ph idx="1"/>
+          </p:nvPr>
+        </p:nvSpPr>
+        <p:spPr/>
+        <p:txBody>
+          <a:bodyPr/>
+          <a:lstStyle/>
+          <a:p>
+            <a:pPr lvl="1"/>
+            <a:r>
+              <a:t>created by John Gruber and Aaron Swartz</a:t>
+            </a:r>
+          </a:p>
+          <a:p>
+            <a:pPr lvl="1"/>
+            <a:r>
+              <a:t>a simplified version of markup languages</a:t>
+            </a:r>
+          </a:p>
+          <a:p>
+            <a:pPr lvl="1"/>
+            <a:r>
+              <a:t>simple intuitive formatting elements</a:t>
+            </a:r>
+          </a:p>
+          <a:p>
+            <a:pPr lvl="1"/>
+            <a:r>
+              <a:t>easily converted to valid HTML and other formats</a:t>
+            </a:r>
+          </a:p>
+          <a:p>
+            <a:pPr lvl="1"/>
+            <a:r>
+              <a:t>a </a:t>
+            </a:r>
+            <a:r>
+              <a:rPr>
+                <a:hlinkClick r:id="rId2"/>
+              </a:rPr>
+              <a:t>quick look at the syntax</a:t>
+            </a:r>
+          </a:p>
+        </p:txBody>
+      </p:sp>
+    </p:spTree>
+  </p:cSld>
+  <p:clrMapOvr>
+    <a:masterClrMapping/>
+  </p:clrMapOvr>
+</p:sld>
+</file>
+
+<file path=ppt/slides/slide12.xml><?xml version="1.0" encoding="utf-8"?>
+<p:sld xmlns:a="http://schemas.openxmlformats.org/drawingml/2006/main" xmlns:r="http://schemas.openxmlformats.org/officeDocument/2006/relationships" xmlns:p="http://schemas.openxmlformats.org/presentationml/2006/main">
+  <p:cSld>
+    <p:spTree>
+      <p:nvGrpSpPr>
+        <p:cNvPr id="1" name=""/>
+        <p:cNvGrpSpPr/>
+        <p:nvPr/>
+      </p:nvGrpSpPr>
+      <p:grpSpPr>
+        <a:xfrm>
+          <a:off x="0" y="0"/>
+          <a:ext cx="0" cy="0"/>
+          <a:chOff x="0" y="0"/>
+          <a:chExt cx="0" cy="0"/>
+        </a:xfrm>
+      </p:grpSpPr>
+      <p:sp>
+        <p:nvSpPr>
+          <p:cNvPr id="2" name="Title 1"/>
+          <p:cNvSpPr>
+            <a:spLocks noGrp="1"/>
+          </p:cNvSpPr>
+          <p:nvPr>
+            <p:ph type="title"/>
+          </p:nvPr>
+        </p:nvSpPr>
+        <p:spPr/>
+        <p:txBody>
+          <a:bodyPr/>
+          <a:lstStyle/>
+          <a:p>
+            <a:r>
+              <a:t>What is R Markdown</a:t>
+            </a:r>
+          </a:p>
+        </p:txBody>
+      </p:sp>
+      <p:sp>
+        <p:nvSpPr>
+          <p:cNvPr id="3" name="Content Placeholder 2"/>
+          <p:cNvSpPr>
+            <a:spLocks noGrp="1"/>
+          </p:cNvSpPr>
+          <p:nvPr>
+            <p:ph idx="1"/>
+          </p:nvPr>
+        </p:nvSpPr>
+        <p:spPr/>
+        <p:txBody>
+          <a:bodyPr/>
+          <a:lstStyle/>
+          <a:p>
+            <a:pPr lvl="1"/>
+            <a:r>
+              <a:t>allows you to include R code in a markdown document (or SQL, or python and others)</a:t>
+            </a:r>
+          </a:p>
+          <a:p>
+            <a:pPr lvl="1"/>
+            <a:r>
+              <a:t>the R code is evaluated in the processing of the markdown file</a:t>
+            </a:r>
+          </a:p>
+          <a:p>
+            <a:pPr lvl="1"/>
+            <a:r>
+              <a:t>results from the code are displayed in the final markdown document</a:t>
+            </a:r>
+          </a:p>
+          <a:p>
+            <a:pPr lvl="1"/>
+            <a:r>
+              <a:t>can handle parameters</a:t>
+            </a:r>
+          </a:p>
+        </p:txBody>
+      </p:sp>
+    </p:spTree>
+  </p:cSld>
+  <p:clrMapOvr>
+    <a:masterClrMapping/>
+  </p:clrMapOvr>
+</p:sld>
+</file>
+
+<file path=ppt/slides/slide13.xml><?xml version="1.0" encoding="utf-8"?>
+<p:sld xmlns:a="http://schemas.openxmlformats.org/drawingml/2006/main" xmlns:r="http://schemas.openxmlformats.org/officeDocument/2006/relationships" xmlns:p="http://schemas.openxmlformats.org/presentationml/2006/main">
+  <p:cSld>
+    <p:spTree>
+      <p:nvGrpSpPr>
+        <p:cNvPr id="1" name=""/>
+        <p:cNvGrpSpPr/>
+        <p:nvPr/>
+      </p:nvGrpSpPr>
+      <p:grpSpPr>
+        <a:xfrm>
+          <a:off x="0" y="0"/>
+          <a:ext cx="0" cy="0"/>
+          <a:chOff x="0" y="0"/>
+          <a:chExt cx="0" cy="0"/>
+        </a:xfrm>
+      </p:grpSpPr>
+      <p:sp>
+        <p:nvSpPr>
+          <p:cNvPr id="2" name="Title 1"/>
+          <p:cNvSpPr>
+            <a:spLocks noGrp="1"/>
+          </p:cNvSpPr>
+          <p:nvPr>
+            <p:ph type="title"/>
+          </p:nvPr>
+        </p:nvSpPr>
+        <p:spPr/>
+        <p:txBody>
+          <a:bodyPr/>
+          <a:lstStyle/>
+          <a:p>
+            <a:r>
+              <a:t>What is R Markdown (continued)</a:t>
+            </a:r>
+          </a:p>
+        </p:txBody>
+      </p:sp>
+      <p:sp>
+        <p:nvSpPr>
+          <p:cNvPr id="3" name="Content Placeholder 2"/>
+          <p:cNvSpPr>
+            <a:spLocks noGrp="1"/>
+          </p:cNvSpPr>
+          <p:nvPr>
+            <p:ph idx="1"/>
+          </p:nvPr>
+        </p:nvSpPr>
+        <p:spPr/>
+        <p:txBody>
+          <a:bodyPr/>
+          <a:lstStyle/>
+          <a:p>
+            <a:pPr lvl="1"/>
+            <a:r>
+              <a:t>can be written in any basic text editor</a:t>
+            </a:r>
+          </a:p>
+          <a:p>
+            <a:pPr lvl="1"/>
+            <a:r>
+              <a:t>must be rendered using the R packages called knitr and rmarkdown</a:t>
+            </a:r>
+          </a:p>
+          <a:p>
+            <a:pPr lvl="1"/>
+            <a:r>
+              <a:t>works very well with R Studio</a:t>
+            </a:r>
+          </a:p>
+        </p:txBody>
+      </p:sp>
+    </p:spTree>
+  </p:cSld>
+  <p:clrMapOvr>
+    <a:masterClrMapping/>
+  </p:clrMapOvr>
+</p:sld>
+</file>
+
+<file path=ppt/slides/slide14.xml><?xml version="1.0" encoding="utf-8"?>
+<p:sld xmlns:a="http://schemas.openxmlformats.org/drawingml/2006/main" xmlns:r="http://schemas.openxmlformats.org/officeDocument/2006/relationships" xmlns:p="http://schemas.openxmlformats.org/presentationml/2006/main">
+  <p:cSld>
+    <p:spTree>
+      <p:nvGrpSpPr>
+        <p:cNvPr id="1" name=""/>
+        <p:cNvGrpSpPr/>
+        <p:nvPr/>
+      </p:nvGrpSpPr>
+      <p:grpSpPr>
+        <a:xfrm>
+          <a:off x="0" y="0"/>
+          <a:ext cx="0" cy="0"/>
+          <a:chOff x="0" y="0"/>
+          <a:chExt cx="0" cy="0"/>
+        </a:xfrm>
+      </p:grpSpPr>
+      <p:sp>
+        <p:nvSpPr>
+          <p:cNvPr id="2" name="Title 1"/>
+          <p:cNvSpPr>
+            <a:spLocks noGrp="1"/>
+          </p:cNvSpPr>
+          <p:nvPr>
+            <p:ph type="title"/>
+          </p:nvPr>
+        </p:nvSpPr>
+        <p:spPr/>
+        <p:txBody>
+          <a:bodyPr/>
+          <a:lstStyle/>
+          <a:p>
+            <a:r>
+              <a:t>What R Markdown Can Create</a:t>
+            </a:r>
+          </a:p>
+        </p:txBody>
+      </p:sp>
+      <p:sp>
+        <p:nvSpPr>
+          <p:cNvPr id="3" name="Content Placeholder 2"/>
+          <p:cNvSpPr>
+            <a:spLocks noGrp="1"/>
+          </p:cNvSpPr>
+          <p:nvPr>
+            <p:ph idx="1"/>
+          </p:nvPr>
+        </p:nvSpPr>
+        <p:spPr/>
+        <p:txBody>
+          <a:bodyPr/>
+          <a:lstStyle/>
+          <a:p>
+            <a:pPr lvl="1"/>
+            <a:r>
+              <a:t>HTML, pdf, Word, and PowerPoint documents</a:t>
+            </a:r>
+          </a:p>
+          <a:p>
+            <a:pPr lvl="1"/>
+            <a:r>
+              <a:t>interactive documents</a:t>
+            </a:r>
+          </a:p>
+          <a:p>
+            <a:pPr lvl="1"/>
+            <a:r>
+              <a:t>slide decks (not PowerPoint)</a:t>
+            </a:r>
+          </a:p>
+          <a:p>
+            <a:pPr lvl="1"/>
+            <a:r>
+              <a:t>websites, articles, and blogs</a:t>
+            </a:r>
+          </a:p>
+          <a:p>
+            <a:pPr lvl="1"/>
+            <a:r>
+              <a:t>books</a:t>
+            </a:r>
+          </a:p>
+          <a:p>
+            <a:pPr lvl="1"/>
+            <a:r>
+              <a:t>See the </a:t>
+            </a:r>
+            <a:r>
+              <a:rPr>
+                <a:hlinkClick r:id="rId2"/>
+              </a:rPr>
+              <a:t>Gallery</a:t>
+            </a:r>
+          </a:p>
+        </p:txBody>
+      </p:sp>
+    </p:spTree>
+  </p:cSld>
+  <p:clrMapOvr>
+    <a:masterClrMapping/>
+  </p:clrMapOvr>
+</p:sld>
+</file>
+
+<file path=ppt/slides/slide15.xml><?xml version="1.0" encoding="utf-8"?>
+<p:sld xmlns:a="http://schemas.openxmlformats.org/drawingml/2006/main" xmlns:r="http://schemas.openxmlformats.org/officeDocument/2006/relationships" xmlns:p="http://schemas.openxmlformats.org/presentationml/2006/main">
+  <p:cSld>
+    <p:spTree>
+      <p:nvGrpSpPr>
+        <p:cNvPr id="1" name=""/>
+        <p:cNvGrpSpPr/>
+        <p:nvPr/>
+      </p:nvGrpSpPr>
+      <p:grpSpPr>
+        <a:xfrm>
+          <a:off x="0" y="0"/>
+          <a:ext cx="0" cy="0"/>
+          <a:chOff x="0" y="0"/>
+          <a:chExt cx="0" cy="0"/>
+        </a:xfrm>
+      </p:grpSpPr>
+      <p:sp>
+        <p:nvSpPr>
+          <p:cNvPr id="2" name="Title 1"/>
+          <p:cNvSpPr>
+            <a:spLocks noGrp="1"/>
+          </p:cNvSpPr>
+          <p:nvPr>
+            <p:ph type="title"/>
+          </p:nvPr>
+        </p:nvSpPr>
+        <p:spPr/>
+        <p:txBody>
+          <a:bodyPr>
+            <a:normAutofit fontScale="90000"/>
+          </a:bodyPr>
+          <a:lstStyle/>
+          <a:p>
+            <a:r>
+              <a:t>How Does R Markdown Get Us to Reproducibility?</a:t>
+            </a:r>
+          </a:p>
+        </p:txBody>
+      </p:sp>
+      <p:sp>
+        <p:nvSpPr>
+          <p:cNvPr id="3" name="Content Placeholder 2"/>
+          <p:cNvSpPr>
+            <a:spLocks noGrp="1"/>
+          </p:cNvSpPr>
+          <p:nvPr>
+            <p:ph idx="1"/>
+          </p:nvPr>
+        </p:nvSpPr>
+        <p:spPr/>
+        <p:txBody>
+          <a:bodyPr/>
+          <a:lstStyle/>
+          <a:p>
+            <a:pPr lvl="1"/>
+            <a:r>
+              <a:t>Every step you take in shaping your data and creating the visualization will be contained in your R Markdown document. Your work documents itself!</a:t>
+            </a:r>
+          </a:p>
+          <a:p>
+            <a:pPr lvl="1"/>
+            <a:r>
+              <a:t>Your data manipulation tool = your visualization tool. No need to copy-paste results into final documents and then later wonder where it came from and how it was built.</a:t>
+            </a:r>
+          </a:p>
+        </p:txBody>
+      </p:sp>
+    </p:spTree>
+  </p:cSld>
+  <p:clrMapOvr>
+    <a:masterClrMapping/>
+  </p:clrMapOvr>
+</p:sld>
+</file>
+
+<file path=ppt/slides/slide16.xml><?xml version="1.0" encoding="utf-8"?>
+<p:sld xmlns:a="http://schemas.openxmlformats.org/drawingml/2006/main" xmlns:r="http://schemas.openxmlformats.org/officeDocument/2006/relationships" xmlns:p="http://schemas.openxmlformats.org/presentationml/2006/main">
+  <p:cSld>
+    <p:spTree>
+      <p:nvGrpSpPr>
+        <p:cNvPr id="1" name=""/>
+        <p:cNvGrpSpPr/>
+        <p:nvPr/>
+      </p:nvGrpSpPr>
+      <p:grpSpPr>
+        <a:xfrm>
+          <a:off x="0" y="0"/>
+          <a:ext cx="0" cy="0"/>
+          <a:chOff x="0" y="0"/>
+          <a:chExt cx="0" cy="0"/>
+        </a:xfrm>
+      </p:grpSpPr>
+      <p:sp>
+        <p:nvSpPr>
+          <p:cNvPr id="2" name="Title 1"/>
+          <p:cNvSpPr>
+            <a:spLocks noGrp="1"/>
+          </p:cNvSpPr>
+          <p:nvPr>
+            <p:ph type="title"/>
+          </p:nvPr>
+        </p:nvSpPr>
+        <p:spPr/>
+        <p:txBody>
+          <a:bodyPr/>
+          <a:lstStyle/>
+          <a:p>
+            <a:r>
+              <a:t>Let’s Create an Analysis in R Markdown</a:t>
+            </a:r>
+          </a:p>
+        </p:txBody>
+      </p:sp>
+      <p:pic>
+        <p:nvPicPr>
+          <p:cNvPr id="3" name="Picture 1" descr="images/Music-Demo-Cassette-Tape.png"/>
+          <p:cNvPicPr>
+            <a:picLocks noGrp="1" noChangeAspect="1"/>
+          </p:cNvPicPr>
+          <p:nvPr/>
+        </p:nvPicPr>
+        <p:blipFill>
+          <a:blip r:embed="rId3"/>
+          <a:stretch>
+            <a:fillRect/>
+          </a:stretch>
+        </p:blipFill>
+        <p:spPr bwMode="auto">
+          <a:xfrm>
+            <a:off x="2028825" y="1200150"/>
+            <a:ext cx="5095875" cy="3390900"/>
+          </a:xfrm>
+          <a:prstGeom prst="rect">
+            <a:avLst/>
+          </a:prstGeom>
+          <a:noFill/>
+          <a:ln w="9525">
+            <a:noFill/>
+            <a:headEnd/>
+            <a:tailEnd/>
+          </a:ln>
+        </p:spPr>
+      </p:pic>
+    </p:spTree>
+  </p:cSld>
+  <p:clrMapOvr>
+    <a:masterClrMapping/>
+  </p:clrMapOvr>
+</p:sld>
+</file>
+
+<file path=ppt/slides/slide17.xml><?xml version="1.0" encoding="utf-8"?>
+<p:sld xmlns:a="http://schemas.openxmlformats.org/drawingml/2006/main" xmlns:r="http://schemas.openxmlformats.org/officeDocument/2006/relationships" xmlns:p="http://schemas.openxmlformats.org/presentationml/2006/main">
+  <p:cSld>
+    <p:spTree>
+      <p:nvGrpSpPr>
+        <p:cNvPr id="1" name=""/>
+        <p:cNvGrpSpPr/>
+        <p:nvPr/>
+      </p:nvGrpSpPr>
+      <p:grpSpPr>
+        <a:xfrm>
+          <a:off x="0" y="0"/>
+          <a:ext cx="0" cy="0"/>
+          <a:chOff x="0" y="0"/>
+          <a:chExt cx="0" cy="0"/>
+        </a:xfrm>
+      </p:grpSpPr>
+      <p:sp>
+        <p:nvSpPr>
+          <p:cNvPr id="2" name="Title 1"/>
+          <p:cNvSpPr>
+            <a:spLocks noGrp="1"/>
+          </p:cNvSpPr>
+          <p:nvPr>
+            <p:ph type="title"/>
+          </p:nvPr>
+        </p:nvSpPr>
+        <p:spPr/>
+        <p:txBody>
+          <a:bodyPr/>
+          <a:lstStyle/>
+          <a:p>
+            <a:r>
+              <a:t>Why Move Toward a Reproducible Workflow?</a:t>
+            </a:r>
+          </a:p>
+        </p:txBody>
+      </p:sp>
+      <p:sp>
+        <p:nvSpPr>
+          <p:cNvPr id="3" name="Content Placeholder 2"/>
+          <p:cNvSpPr>
+            <a:spLocks noGrp="1"/>
+          </p:cNvSpPr>
+          <p:nvPr>
+            <p:ph idx="1"/>
+          </p:nvPr>
+        </p:nvSpPr>
+        <p:spPr/>
+        <p:txBody>
+          <a:bodyPr/>
+          <a:lstStyle/>
+          <a:p>
+            <a:pPr lvl="1"/>
+            <a:r>
+              <a:t>Easier to find and correct errors</a:t>
+            </a:r>
+          </a:p>
+          <a:p>
+            <a:pPr lvl="1"/>
+            <a:r>
+              <a:t>Helps you create comparison data later</a:t>
+            </a:r>
+          </a:p>
+          <a:p>
+            <a:pPr lvl="1"/>
+            <a:r>
+              <a:t>Helps others to check your logic, which helps validate your work</a:t>
+            </a:r>
+          </a:p>
+          <a:p>
+            <a:pPr lvl="1"/>
+            <a:r>
+              <a:t>Whether or not our data is ever questioned, we should always be prepared to back up our numbers.</a:t>
+            </a:r>
+          </a:p>
+        </p:txBody>
+      </p:sp>
+    </p:spTree>
+  </p:cSld>
+  <p:clrMapOvr>
+    <a:masterClrMapping/>
+  </p:clrMapOvr>
+</p:sld>
+</file>
+
+<file path=ppt/slides/slide18.xml><?xml version="1.0" encoding="utf-8"?>
+<p:sld xmlns:a="http://schemas.openxmlformats.org/drawingml/2006/main" xmlns:r="http://schemas.openxmlformats.org/officeDocument/2006/relationships" xmlns:p="http://schemas.openxmlformats.org/presentationml/2006/main">
+  <p:cSld>
+    <p:spTree>
+      <p:nvGrpSpPr>
+        <p:cNvPr id="1" name=""/>
+        <p:cNvGrpSpPr/>
+        <p:nvPr/>
+      </p:nvGrpSpPr>
+      <p:grpSpPr>
+        <a:xfrm>
+          <a:off x="0" y="0"/>
+          <a:ext cx="0" cy="0"/>
+          <a:chOff x="0" y="0"/>
+          <a:chExt cx="0" cy="0"/>
+        </a:xfrm>
+      </p:grpSpPr>
+      <p:sp>
+        <p:nvSpPr>
+          <p:cNvPr id="2" name="Title 1"/>
+          <p:cNvSpPr>
+            <a:spLocks noGrp="1"/>
+          </p:cNvSpPr>
+          <p:nvPr>
+            <p:ph type="title"/>
+          </p:nvPr>
+        </p:nvSpPr>
+        <p:spPr/>
+        <p:txBody>
+          <a:bodyPr/>
+          <a:lstStyle/>
+          <a:p>
+            <a:r>
+              <a:t>A Note about “Coding” and “Programming”</a:t>
+            </a:r>
+          </a:p>
+        </p:txBody>
+      </p:sp>
+      <p:pic>
+        <p:nvPicPr>
+          <p:cNvPr id="3" name="Picture 1" descr="images/whoami.png"/>
+          <p:cNvPicPr>
+            <a:picLocks noGrp="1" noChangeAspect="1"/>
+          </p:cNvPicPr>
+          <p:nvPr/>
+        </p:nvPicPr>
+        <p:blipFill>
+          <a:blip r:embed="rId3"/>
+          <a:stretch>
+            <a:fillRect/>
+          </a:stretch>
+        </p:blipFill>
+        <p:spPr bwMode="auto">
+          <a:xfrm>
+            <a:off x="2562225" y="1200150"/>
+            <a:ext cx="4010025" cy="3009900"/>
+          </a:xfrm>
+          <a:prstGeom prst="rect">
+            <a:avLst/>
+          </a:prstGeom>
+          <a:noFill/>
+          <a:ln w="9525">
+            <a:noFill/>
+            <a:headEnd/>
+            <a:tailEnd/>
+          </a:ln>
+        </p:spPr>
+      </p:pic>
+      <p:sp>
+        <p:nvSpPr>
+          <p:cNvPr id="4" name="TextBox 3"/>
+          <p:cNvSpPr txBox="1"/>
+          <p:nvPr/>
+        </p:nvSpPr>
+        <p:spPr>
+          <a:xfrm>
+            <a:off x="1485900" y="4210050"/>
+            <a:ext cx="6172200" cy="381000"/>
+          </a:xfrm>
+          <a:prstGeom prst="rect">
+            <a:avLst/>
+          </a:prstGeom>
+          <a:noFill/>
+        </p:spPr>
+        <p:txBody>
+          <a:bodyPr/>
+          <a:lstStyle/>
+          <a:p>
+            <a:pPr algn="ctr"/>
+            <a:r>
+              <a:rPr sz="1350"/>
+              <a:t>Identity crisis…?</a:t>
+            </a:r>
+          </a:p>
+        </p:txBody>
+      </p:sp>
+    </p:spTree>
+  </p:cSld>
+  <p:clrMapOvr>
+    <a:masterClrMapping/>
+  </p:clrMapOvr>
+</p:sld>
+</file>
+
+<file path=ppt/slides/slide19.xml><?xml version="1.0" encoding="utf-8"?>
+<p:sld xmlns:a="http://schemas.openxmlformats.org/drawingml/2006/main" xmlns:r="http://schemas.openxmlformats.org/officeDocument/2006/relationships" xmlns:p="http://schemas.openxmlformats.org/presentationml/2006/main">
+  <p:cSld>
+    <p:spTree>
+      <p:nvGrpSpPr>
+        <p:cNvPr id="1" name=""/>
+        <p:cNvGrpSpPr/>
+        <p:nvPr/>
+      </p:nvGrpSpPr>
+      <p:grpSpPr>
+        <a:xfrm>
+          <a:off x="0" y="0"/>
+          <a:ext cx="0" cy="0"/>
+          <a:chOff x="0" y="0"/>
+          <a:chExt cx="0" cy="0"/>
+        </a:xfrm>
+      </p:grpSpPr>
+      <p:sp>
+        <p:nvSpPr>
+          <p:cNvPr id="2" name="Title 1"/>
+          <p:cNvSpPr>
+            <a:spLocks noGrp="1"/>
+          </p:cNvSpPr>
+          <p:nvPr>
+            <p:ph type="title"/>
+          </p:nvPr>
+        </p:nvSpPr>
+        <p:spPr/>
+        <p:txBody>
+          <a:bodyPr/>
+          <a:lstStyle/>
+          <a:p>
+            <a:r>
+              <a:t>The R Community</a:t>
+            </a:r>
+          </a:p>
+        </p:txBody>
+      </p:sp>
+      <p:pic>
+        <p:nvPicPr>
+          <p:cNvPr id="3" name="Picture 1" descr="images/welcome_to_rstats_twitter_ArtworkBy@allison_horst.png"/>
+          <p:cNvPicPr>
+            <a:picLocks noGrp="1" noChangeAspect="1"/>
+          </p:cNvPicPr>
+          <p:nvPr/>
+        </p:nvPicPr>
+        <p:blipFill>
+          <a:blip r:embed="rId2"/>
+          <a:stretch>
+            <a:fillRect/>
+          </a:stretch>
+        </p:blipFill>
+        <p:spPr bwMode="auto">
+          <a:xfrm>
+            <a:off x="3009900" y="1200150"/>
+            <a:ext cx="3114675" cy="3009900"/>
+          </a:xfrm>
+          <a:prstGeom prst="rect">
+            <a:avLst/>
+          </a:prstGeom>
+          <a:noFill/>
+          <a:ln w="9525">
+            <a:noFill/>
+            <a:headEnd/>
+            <a:tailEnd/>
+          </a:ln>
+        </p:spPr>
+      </p:pic>
+      <p:sp>
+        <p:nvSpPr>
+          <p:cNvPr id="4" name="TextBox 3"/>
+          <p:cNvSpPr txBox="1"/>
+          <p:nvPr/>
+        </p:nvSpPr>
+        <p:spPr>
+          <a:xfrm>
+            <a:off x="1485900" y="4210050"/>
+            <a:ext cx="6172200" cy="381000"/>
+          </a:xfrm>
+          <a:prstGeom prst="rect">
+            <a:avLst/>
+          </a:prstGeom>
+          <a:noFill/>
+        </p:spPr>
+        <p:txBody>
+          <a:bodyPr/>
+          <a:lstStyle/>
+          <a:p>
+            <a:pPr algn="ctr"/>
+            <a:r>
+              <a:rPr sz="1350"/>
+              <a:t>Artwork by Allison Horst</a:t>
+            </a:r>
+          </a:p>
+        </p:txBody>
+      </p:sp>
+    </p:spTree>
+  </p:cSld>
+  <p:clrMapOvr>
+    <a:masterClrMapping/>
+  </p:clrMapOvr>
+</p:sld>
+</file>
+
 <file path=ppt/slides/slide2.xml><?xml version="1.0" encoding="utf-8"?>
 <p:sld xmlns:a="http://schemas.openxmlformats.org/drawingml/2006/main" xmlns:r="http://schemas.openxmlformats.org/officeDocument/2006/relationships" xmlns:p="http://schemas.openxmlformats.org/presentationml/2006/main">
   <p:cSld>
@@ -2034,6 +4039,680 @@
             <a:spLocks noGrp="1"/>
           </p:cNvSpPr>
           <p:nvPr>
+            <p:ph type="ctrTitle"/>
+          </p:nvPr>
+        </p:nvSpPr>
+        <p:spPr>
+          <a:xfrm>
+            <a:off x="1657350" y="1597819"/>
+            <a:ext cx="5829300" cy="1102519"/>
+          </a:xfrm>
+        </p:spPr>
+        <p:txBody>
+          <a:bodyPr/>
+          <a:lstStyle/>
+          <a:p>
+            <a:r>
+              <a:t>Reproducible Workflow and R Markdown</a:t>
+            </a:r>
+          </a:p>
+        </p:txBody>
+      </p:sp>
+      <p:sp>
+        <p:nvSpPr>
+          <p:cNvPr id="3" name="Subtitle 2"/>
+          <p:cNvSpPr>
+            <a:spLocks noGrp="1"/>
+          </p:cNvSpPr>
+          <p:nvPr>
+            <p:ph type="subTitle" idx="1"/>
+          </p:nvPr>
+        </p:nvSpPr>
+        <p:spPr>
+          <a:xfrm>
+            <a:off x="2171700" y="2914650"/>
+            <a:ext cx="4800600" cy="1314450"/>
+          </a:xfrm>
+        </p:spPr>
+        <p:txBody>
+          <a:bodyPr/>
+          <a:lstStyle/>
+          <a:p>
+            <a:br/>
+            <a:br/>
+            <a:r>
+              <a:t>Genelle Denzin, Coalition on Homelessness and Housing in Ohio (COHHIO)</a:t>
+            </a:r>
+          </a:p>
+        </p:txBody>
+      </p:sp>
+      <p:sp>
+        <p:nvSpPr>
+          <p:cNvPr id="4" name="Date Placeholder 3"/>
+          <p:cNvSpPr>
+            <a:spLocks noGrp="1"/>
+          </p:cNvSpPr>
+          <p:nvPr>
+            <p:ph type="dt" sz="half" idx="10"/>
+          </p:nvPr>
+        </p:nvSpPr>
+        <p:spPr>
+          <a:xfrm>
+            <a:off x="457200" y="6356350"/>
+            <a:ext cx="2133600" cy="365125"/>
+          </a:xfrm>
+          <a:prstGeom prst="rect">
+            <a:avLst/>
+          </a:prstGeom>
+        </p:spPr>
+        <p:txBody>
+          <a:bodyPr vert="horz" lIns="91440" tIns="45720" rIns="91440" bIns="45720" rtlCol="0" anchor="ctr"/>
+          <a:lstStyle>
+            <a:defPPr>
+              <a:defRPr lang="en-US"/>
+            </a:defPPr>
+            <a:lvl1pPr marL="0" algn="l" defTabSz="457200" rtl="0" eaLnBrk="1" latinLnBrk="0" hangingPunct="1">
+              <a:defRPr sz="1200" kern="1200">
+                <a:solidFill>
+                  <a:schemeClr val="tx1">
+                    <a:tint val="75000"/>
+                  </a:schemeClr>
+                </a:solidFill>
+                <a:latin typeface="+mn-lt"/>
+                <a:ea typeface="+mn-ea"/>
+                <a:cs typeface="+mn-cs"/>
+              </a:defRPr>
+            </a:lvl1pPr>
+            <a:lvl2pPr marL="457200" algn="l" defTabSz="457200" rtl="0" eaLnBrk="1" latinLnBrk="0" hangingPunct="1">
+              <a:defRPr sz="1800" kern="1200">
+                <a:solidFill>
+                  <a:schemeClr val="tx1"/>
+                </a:solidFill>
+                <a:latin typeface="+mn-lt"/>
+                <a:ea typeface="+mn-ea"/>
+                <a:cs typeface="+mn-cs"/>
+              </a:defRPr>
+            </a:lvl2pPr>
+            <a:lvl3pPr marL="914400" algn="l" defTabSz="457200" rtl="0" eaLnBrk="1" latinLnBrk="0" hangingPunct="1">
+              <a:defRPr sz="1800" kern="1200">
+                <a:solidFill>
+                  <a:schemeClr val="tx1"/>
+                </a:solidFill>
+                <a:latin typeface="+mn-lt"/>
+                <a:ea typeface="+mn-ea"/>
+                <a:cs typeface="+mn-cs"/>
+              </a:defRPr>
+            </a:lvl3pPr>
+            <a:lvl4pPr marL="1371600" algn="l" defTabSz="457200" rtl="0" eaLnBrk="1" latinLnBrk="0" hangingPunct="1">
+              <a:defRPr sz="1800" kern="1200">
+                <a:solidFill>
+                  <a:schemeClr val="tx1"/>
+                </a:solidFill>
+                <a:latin typeface="+mn-lt"/>
+                <a:ea typeface="+mn-ea"/>
+                <a:cs typeface="+mn-cs"/>
+              </a:defRPr>
+            </a:lvl4pPr>
+            <a:lvl5pPr marL="1828800" algn="l" defTabSz="457200" rtl="0" eaLnBrk="1" latinLnBrk="0" hangingPunct="1">
+              <a:defRPr sz="1800" kern="1200">
+                <a:solidFill>
+                  <a:schemeClr val="tx1"/>
+                </a:solidFill>
+                <a:latin typeface="+mn-lt"/>
+                <a:ea typeface="+mn-ea"/>
+                <a:cs typeface="+mn-cs"/>
+              </a:defRPr>
+            </a:lvl5pPr>
+            <a:lvl6pPr marL="2286000" algn="l" defTabSz="457200" rtl="0" eaLnBrk="1" latinLnBrk="0" hangingPunct="1">
+              <a:defRPr sz="1800" kern="1200">
+                <a:solidFill>
+                  <a:schemeClr val="tx1"/>
+                </a:solidFill>
+                <a:latin typeface="+mn-lt"/>
+                <a:ea typeface="+mn-ea"/>
+                <a:cs typeface="+mn-cs"/>
+              </a:defRPr>
+            </a:lvl6pPr>
+            <a:lvl7pPr marL="2743200" algn="l" defTabSz="457200" rtl="0" eaLnBrk="1" latinLnBrk="0" hangingPunct="1">
+              <a:defRPr sz="1800" kern="1200">
+                <a:solidFill>
+                  <a:schemeClr val="tx1"/>
+                </a:solidFill>
+                <a:latin typeface="+mn-lt"/>
+                <a:ea typeface="+mn-ea"/>
+                <a:cs typeface="+mn-cs"/>
+              </a:defRPr>
+            </a:lvl7pPr>
+            <a:lvl8pPr marL="3200400" algn="l" defTabSz="457200" rtl="0" eaLnBrk="1" latinLnBrk="0" hangingPunct="1">
+              <a:defRPr sz="1800" kern="1200">
+                <a:solidFill>
+                  <a:schemeClr val="tx1"/>
+                </a:solidFill>
+                <a:latin typeface="+mn-lt"/>
+                <a:ea typeface="+mn-ea"/>
+                <a:cs typeface="+mn-cs"/>
+              </a:defRPr>
+            </a:lvl8pPr>
+            <a:lvl9pPr marL="3657600" algn="l" defTabSz="457200" rtl="0" eaLnBrk="1" latinLnBrk="0" hangingPunct="1">
+              <a:defRPr sz="1800" kern="1200">
+                <a:solidFill>
+                  <a:schemeClr val="tx1"/>
+                </a:solidFill>
+                <a:latin typeface="+mn-lt"/>
+                <a:ea typeface="+mn-ea"/>
+                <a:cs typeface="+mn-cs"/>
+              </a:defRPr>
+            </a:lvl9pPr>
+          </a:lstStyle>
+          <a:p>
+            <a:fld id="{241EB5C9-1307-BA42-ABA2-0BC069CD8E7F}" type="datetimeFigureOut">
+              <a:rPr lang="en-US" smtClean="0"/>
+              <a:pPr/>
+              <a:t>8/30/2019</a:t>
+            </a:fld>
+            <a:endParaRPr/>
+          </a:p>
+        </p:txBody>
+      </p:sp>
+    </p:spTree>
+  </p:cSld>
+  <p:clrMapOvr>
+    <a:masterClrMapping/>
+  </p:clrMapOvr>
+</p:sld>
+</file>
+
+<file path=ppt/slides/slide20.xml><?xml version="1.0" encoding="utf-8"?>
+<p:sld xmlns:a="http://schemas.openxmlformats.org/drawingml/2006/main" xmlns:r="http://schemas.openxmlformats.org/officeDocument/2006/relationships" xmlns:p="http://schemas.openxmlformats.org/presentationml/2006/main">
+  <p:cSld>
+    <p:spTree>
+      <p:nvGrpSpPr>
+        <p:cNvPr id="1" name=""/>
+        <p:cNvGrpSpPr/>
+        <p:nvPr/>
+      </p:nvGrpSpPr>
+      <p:grpSpPr>
+        <a:xfrm>
+          <a:off x="0" y="0"/>
+          <a:ext cx="0" cy="0"/>
+          <a:chOff x="0" y="0"/>
+          <a:chExt cx="0" cy="0"/>
+        </a:xfrm>
+      </p:grpSpPr>
+      <p:sp>
+        <p:nvSpPr>
+          <p:cNvPr id="2" name="Title 1"/>
+          <p:cNvSpPr>
+            <a:spLocks noGrp="1"/>
+          </p:cNvSpPr>
+          <p:nvPr>
+            <p:ph type="title"/>
+          </p:nvPr>
+        </p:nvSpPr>
+        <p:spPr/>
+        <p:txBody>
+          <a:bodyPr/>
+          <a:lstStyle/>
+          <a:p>
+            <a:r>
+              <a:t>Disclaimer</a:t>
+            </a:r>
+          </a:p>
+        </p:txBody>
+      </p:sp>
+      <p:sp>
+        <p:nvSpPr>
+          <p:cNvPr id="3" name="Content Placeholder 2"/>
+          <p:cNvSpPr>
+            <a:spLocks noGrp="1"/>
+          </p:cNvSpPr>
+          <p:nvPr>
+            <p:ph idx="1"/>
+          </p:nvPr>
+        </p:nvSpPr>
+        <p:spPr/>
+        <p:txBody>
+          <a:bodyPr/>
+          <a:lstStyle/>
+          <a:p>
+            <a:pPr lvl="1"/>
+            <a:r>
+              <a:t>I work in a supportive workplace.</a:t>
+            </a:r>
+          </a:p>
+          <a:p>
+            <a:pPr lvl="1"/>
+            <a:r>
+              <a:t>I am part of a 3 1/2 person HMIS team.</a:t>
+            </a:r>
+          </a:p>
+        </p:txBody>
+      </p:sp>
+    </p:spTree>
+  </p:cSld>
+  <p:clrMapOvr>
+    <a:masterClrMapping/>
+  </p:clrMapOvr>
+</p:sld>
+</file>
+
+<file path=ppt/slides/slide21.xml><?xml version="1.0" encoding="utf-8"?>
+<p:sld xmlns:a="http://schemas.openxmlformats.org/drawingml/2006/main" xmlns:r="http://schemas.openxmlformats.org/officeDocument/2006/relationships" xmlns:p="http://schemas.openxmlformats.org/presentationml/2006/main">
+  <p:cSld>
+    <p:spTree>
+      <p:nvGrpSpPr>
+        <p:cNvPr id="1" name=""/>
+        <p:cNvGrpSpPr/>
+        <p:nvPr/>
+      </p:nvGrpSpPr>
+      <p:grpSpPr>
+        <a:xfrm>
+          <a:off x="0" y="0"/>
+          <a:ext cx="0" cy="0"/>
+          <a:chOff x="0" y="0"/>
+          <a:chExt cx="0" cy="0"/>
+        </a:xfrm>
+      </p:grpSpPr>
+      <p:sp>
+        <p:nvSpPr>
+          <p:cNvPr id="2" name="Title 1"/>
+          <p:cNvSpPr>
+            <a:spLocks noGrp="1"/>
+          </p:cNvSpPr>
+          <p:nvPr>
+            <p:ph type="title"/>
+          </p:nvPr>
+        </p:nvSpPr>
+        <p:spPr/>
+        <p:txBody>
+          <a:bodyPr/>
+          <a:lstStyle/>
+          <a:p>
+            <a:r>
+              <a:t>To Get Started in R</a:t>
+            </a:r>
+          </a:p>
+        </p:txBody>
+      </p:sp>
+      <p:sp>
+        <p:nvSpPr>
+          <p:cNvPr id="3" name="Content Placeholder 2"/>
+          <p:cNvSpPr>
+            <a:spLocks noGrp="1"/>
+          </p:cNvSpPr>
+          <p:nvPr>
+            <p:ph idx="1"/>
+          </p:nvPr>
+        </p:nvSpPr>
+        <p:spPr/>
+        <p:txBody>
+          <a:bodyPr/>
+          <a:lstStyle/>
+          <a:p>
+            <a:pPr marL="0" indent="0">
+              <a:buNone/>
+            </a:pPr>
+            <a:r>
+              <a:t>My three favorite ways:</a:t>
+            </a:r>
+          </a:p>
+          <a:p>
+            <a:pPr lvl="1"/>
+            <a:r>
+              <a:t>Get </a:t>
+            </a:r>
+            <a:r>
+              <a:rPr>
+                <a:hlinkClick r:id="rId2"/>
+              </a:rPr>
+              <a:t>R for Data Science</a:t>
+            </a:r>
+            <a:r>
+              <a:t> or access it for free online here: </a:t>
+            </a:r>
+            <a:r>
+              <a:rPr>
+                <a:hlinkClick r:id="rId2"/>
+              </a:rPr>
+              <a:t>https://r4ds.had.co.nz/</a:t>
+            </a:r>
+          </a:p>
+          <a:p>
+            <a:pPr lvl="1"/>
+            <a:r>
+              <a:t>Use the R package called </a:t>
+            </a:r>
+            <a:r>
+              <a:rPr>
+                <a:hlinkClick r:id="rId3"/>
+              </a:rPr>
+              <a:t>Swirl</a:t>
+            </a:r>
+            <a:r>
+              <a:t> by going here: </a:t>
+            </a:r>
+            <a:r>
+              <a:rPr>
+                <a:hlinkClick r:id="rId4"/>
+              </a:rPr>
+              <a:t>https://swirlstats.com/students.html</a:t>
+            </a:r>
+            <a:r>
+              <a:t> (also free)</a:t>
+            </a:r>
+          </a:p>
+          <a:p>
+            <a:pPr lvl="1"/>
+            <a:r>
+              <a:t>R-Ladies meetups</a:t>
+            </a:r>
+          </a:p>
+        </p:txBody>
+      </p:sp>
+    </p:spTree>
+  </p:cSld>
+  <p:clrMapOvr>
+    <a:masterClrMapping/>
+  </p:clrMapOvr>
+</p:sld>
+</file>
+
+<file path=ppt/slides/slide22.xml><?xml version="1.0" encoding="utf-8"?>
+<p:sld xmlns:a="http://schemas.openxmlformats.org/drawingml/2006/main" xmlns:r="http://schemas.openxmlformats.org/officeDocument/2006/relationships" xmlns:p="http://schemas.openxmlformats.org/presentationml/2006/main">
+  <p:cSld>
+    <p:spTree>
+      <p:nvGrpSpPr>
+        <p:cNvPr id="1" name=""/>
+        <p:cNvGrpSpPr/>
+        <p:nvPr/>
+      </p:nvGrpSpPr>
+      <p:grpSpPr>
+        <a:xfrm>
+          <a:off x="0" y="0"/>
+          <a:ext cx="0" cy="0"/>
+          <a:chOff x="0" y="0"/>
+          <a:chExt cx="0" cy="0"/>
+        </a:xfrm>
+      </p:grpSpPr>
+      <p:sp>
+        <p:nvSpPr>
+          <p:cNvPr id="2" name="Title 1"/>
+          <p:cNvSpPr>
+            <a:spLocks noGrp="1"/>
+          </p:cNvSpPr>
+          <p:nvPr>
+            <p:ph type="title"/>
+          </p:nvPr>
+        </p:nvSpPr>
+        <p:spPr/>
+        <p:txBody>
+          <a:bodyPr/>
+          <a:lstStyle/>
+          <a:p>
+            <a:r>
+              <a:t>We Can Work Together</a:t>
+            </a:r>
+          </a:p>
+        </p:txBody>
+      </p:sp>
+      <p:sp>
+        <p:nvSpPr>
+          <p:cNvPr id="3" name="Content Placeholder 2"/>
+          <p:cNvSpPr>
+            <a:spLocks noGrp="1"/>
+          </p:cNvSpPr>
+          <p:nvPr>
+            <p:ph idx="1"/>
+          </p:nvPr>
+        </p:nvSpPr>
+        <p:spPr/>
+        <p:txBody>
+          <a:bodyPr/>
+          <a:lstStyle/>
+          <a:p>
+            <a:pPr lvl="1"/>
+            <a:r>
+              <a:t>Most of my code is available on GitHub: </a:t>
+            </a:r>
+            <a:r>
+              <a:rPr>
+                <a:hlinkClick r:id="rId2"/>
+              </a:rPr>
+              <a:t>https://github.com/kiadso</a:t>
+            </a:r>
+            <a:r>
+              <a:t> You are welcome to use it to manipulate your own HMIS data (within the terms).</a:t>
+            </a:r>
+          </a:p>
+        </p:txBody>
+      </p:sp>
+    </p:spTree>
+  </p:cSld>
+  <p:clrMapOvr>
+    <a:masterClrMapping/>
+  </p:clrMapOvr>
+</p:sld>
+</file>
+
+<file path=ppt/slides/slide23.xml><?xml version="1.0" encoding="utf-8"?>
+<p:sld xmlns:a="http://schemas.openxmlformats.org/drawingml/2006/main" xmlns:r="http://schemas.openxmlformats.org/officeDocument/2006/relationships" xmlns:p="http://schemas.openxmlformats.org/presentationml/2006/main">
+  <p:cSld>
+    <p:spTree>
+      <p:nvGrpSpPr>
+        <p:cNvPr id="1" name=""/>
+        <p:cNvGrpSpPr/>
+        <p:nvPr/>
+      </p:nvGrpSpPr>
+      <p:grpSpPr>
+        <a:xfrm>
+          <a:off x="0" y="0"/>
+          <a:ext cx="0" cy="0"/>
+          <a:chOff x="0" y="0"/>
+          <a:chExt cx="0" cy="0"/>
+        </a:xfrm>
+      </p:grpSpPr>
+      <p:sp>
+        <p:nvSpPr>
+          <p:cNvPr id="2" name="Title 1"/>
+          <p:cNvSpPr>
+            <a:spLocks noGrp="1"/>
+          </p:cNvSpPr>
+          <p:nvPr>
+            <p:ph type="title"/>
+          </p:nvPr>
+        </p:nvSpPr>
+        <p:spPr/>
+        <p:txBody>
+          <a:bodyPr/>
+          <a:lstStyle/>
+          <a:p>
+            <a:r>
+              <a:t>Questions?</a:t>
+            </a:r>
+          </a:p>
+        </p:txBody>
+      </p:sp>
+      <p:sp>
+        <p:nvSpPr>
+          <p:cNvPr id="3" name="Content Placeholder 2"/>
+          <p:cNvSpPr>
+            <a:spLocks noGrp="1"/>
+          </p:cNvSpPr>
+          <p:nvPr>
+            <p:ph idx="1"/>
+          </p:nvPr>
+        </p:nvSpPr>
+        <p:spPr/>
+        <p:txBody>
+          <a:bodyPr/>
+          <a:lstStyle/>
+          <a:p>
+            <a:pPr marL="0" indent="0">
+              <a:buNone/>
+            </a:pPr>
+            <a:r>
+              <a:t>First: Let’s take two minutes to share your questions with your neighbor.</a:t>
+            </a:r>
+          </a:p>
+          <a:p>
+            <a:pPr marL="0" indent="0">
+              <a:buNone/>
+            </a:pPr>
+            <a:r>
+              <a:t>Then: Questions</a:t>
+            </a:r>
+          </a:p>
+        </p:txBody>
+      </p:sp>
+    </p:spTree>
+  </p:cSld>
+  <p:clrMapOvr>
+    <a:masterClrMapping/>
+  </p:clrMapOvr>
+</p:sld>
+</file>
+
+<file path=ppt/slides/slide24.xml><?xml version="1.0" encoding="utf-8"?>
+<p:sld xmlns:a="http://schemas.openxmlformats.org/drawingml/2006/main" xmlns:r="http://schemas.openxmlformats.org/officeDocument/2006/relationships" xmlns:p="http://schemas.openxmlformats.org/presentationml/2006/main">
+  <p:cSld>
+    <p:spTree>
+      <p:nvGrpSpPr>
+        <p:cNvPr id="1" name=""/>
+        <p:cNvGrpSpPr/>
+        <p:nvPr/>
+      </p:nvGrpSpPr>
+      <p:grpSpPr>
+        <a:xfrm>
+          <a:off x="0" y="0"/>
+          <a:ext cx="0" cy="0"/>
+          <a:chOff x="0" y="0"/>
+          <a:chExt cx="0" cy="0"/>
+        </a:xfrm>
+      </p:grpSpPr>
+      <p:sp>
+        <p:nvSpPr>
+          <p:cNvPr id="2" name="Title 1"/>
+          <p:cNvSpPr>
+            <a:spLocks noGrp="1"/>
+          </p:cNvSpPr>
+          <p:nvPr>
+            <p:ph type="title"/>
+          </p:nvPr>
+        </p:nvSpPr>
+        <p:spPr/>
+        <p:txBody>
+          <a:bodyPr/>
+          <a:lstStyle/>
+          <a:p>
+            <a:r>
+              <a:t>Contact Info</a:t>
+            </a:r>
+          </a:p>
+        </p:txBody>
+      </p:sp>
+      <p:sp>
+        <p:nvSpPr>
+          <p:cNvPr id="3" name="Content Placeholder 2"/>
+          <p:cNvSpPr>
+            <a:spLocks noGrp="1"/>
+          </p:cNvSpPr>
+          <p:nvPr>
+            <p:ph idx="1"/>
+          </p:nvPr>
+        </p:nvSpPr>
+        <p:spPr/>
+        <p:txBody>
+          <a:bodyPr/>
+          <a:lstStyle/>
+          <a:p>
+            <a:pPr marL="0" indent="0">
+              <a:buNone/>
+            </a:pPr>
+            <a:r>
+              <a:t>Genelle Denzin </a:t>
+            </a:r>
+            <a:r>
+              <a:rPr i="1"/>
+              <a:t>(she/hers)</a:t>
+            </a:r>
+          </a:p>
+          <a:p>
+            <a:pPr marL="0" indent="0">
+              <a:buNone/>
+            </a:pPr>
+            <a:r>
+              <a:t>HMIS Data Analyst</a:t>
+            </a:r>
+          </a:p>
+          <a:p>
+            <a:pPr marL="0" indent="0">
+              <a:buNone/>
+            </a:pPr>
+            <a:r>
+              <a:t>Coalition on Homelessness and Housing in Ohio (COHHIO)</a:t>
+            </a:r>
+          </a:p>
+          <a:p>
+            <a:pPr marL="0" indent="0">
+              <a:buNone/>
+            </a:pPr>
+            <a:r>
+              <a:rPr>
+                <a:hlinkClick r:id="rId2"/>
+              </a:rPr>
+              <a:t>genelledenzin@cohhio.org</a:t>
+            </a:r>
+          </a:p>
+          <a:p>
+            <a:pPr marL="0" indent="0">
+              <a:buNone/>
+            </a:pPr>
+            <a:r>
+              <a:t>Twitter: @gh_firefly</a:t>
+            </a:r>
+          </a:p>
+          <a:p>
+            <a:pPr marL="0" indent="0">
+              <a:buNone/>
+            </a:pPr>
+            <a:r>
+              <a:t>GitHub: kiadso</a:t>
+            </a:r>
+          </a:p>
+        </p:txBody>
+      </p:sp>
+    </p:spTree>
+  </p:cSld>
+  <p:clrMapOvr>
+    <a:masterClrMapping/>
+  </p:clrMapOvr>
+</p:sld>
+</file>
+
+<file path=ppt/slides/slide25.xml><?xml version="1.0" encoding="utf-8"?>
+<p:sld xmlns:a="http://schemas.openxmlformats.org/drawingml/2006/main" xmlns:r="http://schemas.openxmlformats.org/officeDocument/2006/relationships" xmlns:p="http://schemas.openxmlformats.org/presentationml/2006/main">
+  <p:cSld>
+    <p:spTree>
+      <p:nvGrpSpPr>
+        <p:cNvPr id="1" name=""/>
+        <p:cNvGrpSpPr/>
+        <p:nvPr/>
+      </p:nvGrpSpPr>
+      <p:grpSpPr>
+        <a:xfrm>
+          <a:off x="0" y="0"/>
+          <a:ext cx="0" cy="0"/>
+          <a:chOff x="0" y="0"/>
+          <a:chExt cx="0" cy="0"/>
+        </a:xfrm>
+      </p:grpSpPr>
+      <p:sp>
+        <p:nvSpPr>
+          <p:cNvPr id="2" name="Title 1"/>
+          <p:cNvSpPr>
+            <a:spLocks noGrp="1"/>
+          </p:cNvSpPr>
+          <p:nvPr>
             <p:ph type="title"/>
           </p:nvPr>
         </p:nvSpPr>
@@ -2082,7 +4761,7 @@
           <a:p>
             <a:fld id="{AF88E988-FB04-AB4E-BE5A-59F242AF7F7A}" type="slidenum">
               <a:rPr lang="en-US" smtClean="0"/>
-              <a:t>2</a:t>
+              <a:t>25</a:t>
             </a:fld>
             <a:endParaRPr lang="en-US" dirty="0"/>
           </a:p>
@@ -2094,6 +4773,2985 @@
         <p14:creationId xmlns:p14="http://schemas.microsoft.com/office/powerpoint/2010/main" val="87017484"/>
       </p:ext>
     </p:extLst>
+  </p:cSld>
+  <p:clrMapOvr>
+    <a:masterClrMapping/>
+  </p:clrMapOvr>
+</p:sld>
+</file>
+
+<file path=ppt/slides/slide26.xml><?xml version="1.0" encoding="utf-8"?>
+<p:sld xmlns:a="http://schemas.openxmlformats.org/drawingml/2006/main" xmlns:r="http://schemas.openxmlformats.org/officeDocument/2006/relationships" xmlns:p="http://schemas.openxmlformats.org/presentationml/2006/main">
+  <p:cSld>
+    <p:spTree>
+      <p:nvGrpSpPr>
+        <p:cNvPr id="1" name=""/>
+        <p:cNvGrpSpPr/>
+        <p:nvPr/>
+      </p:nvGrpSpPr>
+      <p:grpSpPr>
+        <a:xfrm>
+          <a:off x="0" y="0"/>
+          <a:ext cx="0" cy="0"/>
+          <a:chOff x="0" y="0"/>
+          <a:chExt cx="0" cy="0"/>
+        </a:xfrm>
+      </p:grpSpPr>
+      <p:sp>
+        <p:nvSpPr>
+          <p:cNvPr id="2" name="Title 1"/>
+          <p:cNvSpPr>
+            <a:spLocks noGrp="1"/>
+          </p:cNvSpPr>
+          <p:nvPr>
+            <p:ph type="ctrTitle"/>
+          </p:nvPr>
+        </p:nvSpPr>
+        <p:spPr>
+          <a:xfrm>
+            <a:off x="1657350" y="1597819"/>
+            <a:ext cx="5829300" cy="1102519"/>
+          </a:xfrm>
+        </p:spPr>
+        <p:txBody>
+          <a:bodyPr/>
+          <a:lstStyle/>
+          <a:p>
+            <a:r>
+              <a:rPr dirty="0"/>
+              <a:t>Reproducible Workflow and R Markdown</a:t>
+            </a:r>
+          </a:p>
+        </p:txBody>
+      </p:sp>
+      <p:sp>
+        <p:nvSpPr>
+          <p:cNvPr id="3" name="Subtitle 2"/>
+          <p:cNvSpPr>
+            <a:spLocks noGrp="1"/>
+          </p:cNvSpPr>
+          <p:nvPr>
+            <p:ph type="subTitle" idx="1"/>
+          </p:nvPr>
+        </p:nvSpPr>
+        <p:spPr>
+          <a:xfrm>
+            <a:off x="2171700" y="2914650"/>
+            <a:ext cx="4800600" cy="1314450"/>
+          </a:xfrm>
+        </p:spPr>
+        <p:txBody>
+          <a:bodyPr/>
+          <a:lstStyle/>
+          <a:p>
+            <a:r>
+              <a:rPr dirty="0"/>
+              <a:t>Genelle Denzin, Coalition on Homelessness and Housing in Ohio (COHHIO)</a:t>
+            </a:r>
+            <a:br>
+              <a:rPr dirty="0"/>
+            </a:br>
+            <a:br>
+              <a:rPr dirty="0"/>
+            </a:br>
+            <a:endParaRPr dirty="0"/>
+          </a:p>
+        </p:txBody>
+      </p:sp>
+      <p:sp>
+        <p:nvSpPr>
+          <p:cNvPr id="4" name="Date Placeholder 3"/>
+          <p:cNvSpPr>
+            <a:spLocks noGrp="1"/>
+          </p:cNvSpPr>
+          <p:nvPr>
+            <p:ph type="dt" sz="half" idx="10"/>
+          </p:nvPr>
+        </p:nvSpPr>
+        <p:spPr>
+          <a:xfrm>
+            <a:off x="457200" y="6356350"/>
+            <a:ext cx="2133600" cy="365125"/>
+          </a:xfrm>
+          <a:prstGeom prst="rect">
+            <a:avLst/>
+          </a:prstGeom>
+        </p:spPr>
+        <p:txBody>
+          <a:bodyPr vert="horz" lIns="91440" tIns="45720" rIns="91440" bIns="45720" rtlCol="0" anchor="ctr"/>
+          <a:lstStyle>
+            <a:defPPr>
+              <a:defRPr lang="en-US"/>
+            </a:defPPr>
+            <a:lvl1pPr marL="0" algn="l" defTabSz="457200" rtl="0" eaLnBrk="1" latinLnBrk="0" hangingPunct="1">
+              <a:defRPr sz="1200" kern="1200">
+                <a:solidFill>
+                  <a:schemeClr val="tx1">
+                    <a:tint val="75000"/>
+                  </a:schemeClr>
+                </a:solidFill>
+                <a:latin typeface="+mn-lt"/>
+                <a:ea typeface="+mn-ea"/>
+                <a:cs typeface="+mn-cs"/>
+              </a:defRPr>
+            </a:lvl1pPr>
+            <a:lvl2pPr marL="457200" algn="l" defTabSz="457200" rtl="0" eaLnBrk="1" latinLnBrk="0" hangingPunct="1">
+              <a:defRPr sz="1800" kern="1200">
+                <a:solidFill>
+                  <a:schemeClr val="tx1"/>
+                </a:solidFill>
+                <a:latin typeface="+mn-lt"/>
+                <a:ea typeface="+mn-ea"/>
+                <a:cs typeface="+mn-cs"/>
+              </a:defRPr>
+            </a:lvl2pPr>
+            <a:lvl3pPr marL="914400" algn="l" defTabSz="457200" rtl="0" eaLnBrk="1" latinLnBrk="0" hangingPunct="1">
+              <a:defRPr sz="1800" kern="1200">
+                <a:solidFill>
+                  <a:schemeClr val="tx1"/>
+                </a:solidFill>
+                <a:latin typeface="+mn-lt"/>
+                <a:ea typeface="+mn-ea"/>
+                <a:cs typeface="+mn-cs"/>
+              </a:defRPr>
+            </a:lvl3pPr>
+            <a:lvl4pPr marL="1371600" algn="l" defTabSz="457200" rtl="0" eaLnBrk="1" latinLnBrk="0" hangingPunct="1">
+              <a:defRPr sz="1800" kern="1200">
+                <a:solidFill>
+                  <a:schemeClr val="tx1"/>
+                </a:solidFill>
+                <a:latin typeface="+mn-lt"/>
+                <a:ea typeface="+mn-ea"/>
+                <a:cs typeface="+mn-cs"/>
+              </a:defRPr>
+            </a:lvl4pPr>
+            <a:lvl5pPr marL="1828800" algn="l" defTabSz="457200" rtl="0" eaLnBrk="1" latinLnBrk="0" hangingPunct="1">
+              <a:defRPr sz="1800" kern="1200">
+                <a:solidFill>
+                  <a:schemeClr val="tx1"/>
+                </a:solidFill>
+                <a:latin typeface="+mn-lt"/>
+                <a:ea typeface="+mn-ea"/>
+                <a:cs typeface="+mn-cs"/>
+              </a:defRPr>
+            </a:lvl5pPr>
+            <a:lvl6pPr marL="2286000" algn="l" defTabSz="457200" rtl="0" eaLnBrk="1" latinLnBrk="0" hangingPunct="1">
+              <a:defRPr sz="1800" kern="1200">
+                <a:solidFill>
+                  <a:schemeClr val="tx1"/>
+                </a:solidFill>
+                <a:latin typeface="+mn-lt"/>
+                <a:ea typeface="+mn-ea"/>
+                <a:cs typeface="+mn-cs"/>
+              </a:defRPr>
+            </a:lvl6pPr>
+            <a:lvl7pPr marL="2743200" algn="l" defTabSz="457200" rtl="0" eaLnBrk="1" latinLnBrk="0" hangingPunct="1">
+              <a:defRPr sz="1800" kern="1200">
+                <a:solidFill>
+                  <a:schemeClr val="tx1"/>
+                </a:solidFill>
+                <a:latin typeface="+mn-lt"/>
+                <a:ea typeface="+mn-ea"/>
+                <a:cs typeface="+mn-cs"/>
+              </a:defRPr>
+            </a:lvl7pPr>
+            <a:lvl8pPr marL="3200400" algn="l" defTabSz="457200" rtl="0" eaLnBrk="1" latinLnBrk="0" hangingPunct="1">
+              <a:defRPr sz="1800" kern="1200">
+                <a:solidFill>
+                  <a:schemeClr val="tx1"/>
+                </a:solidFill>
+                <a:latin typeface="+mn-lt"/>
+                <a:ea typeface="+mn-ea"/>
+                <a:cs typeface="+mn-cs"/>
+              </a:defRPr>
+            </a:lvl8pPr>
+            <a:lvl9pPr marL="3657600" algn="l" defTabSz="457200" rtl="0" eaLnBrk="1" latinLnBrk="0" hangingPunct="1">
+              <a:defRPr sz="1800" kern="1200">
+                <a:solidFill>
+                  <a:schemeClr val="tx1"/>
+                </a:solidFill>
+                <a:latin typeface="+mn-lt"/>
+                <a:ea typeface="+mn-ea"/>
+                <a:cs typeface="+mn-cs"/>
+              </a:defRPr>
+            </a:lvl9pPr>
+          </a:lstStyle>
+          <a:p>
+            <a:fld id="{241EB5C9-1307-BA42-ABA2-0BC069CD8E7F}" type="datetimeFigureOut">
+              <a:rPr lang="en-US" smtClean="0"/>
+              <a:pPr/>
+              <a:t>8/30/2019</a:t>
+            </a:fld>
+            <a:endParaRPr/>
+          </a:p>
+        </p:txBody>
+      </p:sp>
+    </p:spTree>
+  </p:cSld>
+  <p:clrMapOvr>
+    <a:masterClrMapping/>
+  </p:clrMapOvr>
+</p:sld>
+</file>
+
+<file path=ppt/slides/slide27.xml><?xml version="1.0" encoding="utf-8"?>
+<p:sld xmlns:a="http://schemas.openxmlformats.org/drawingml/2006/main" xmlns:r="http://schemas.openxmlformats.org/officeDocument/2006/relationships" xmlns:p="http://schemas.openxmlformats.org/presentationml/2006/main">
+  <p:cSld>
+    <p:spTree>
+      <p:nvGrpSpPr>
+        <p:cNvPr id="1" name=""/>
+        <p:cNvGrpSpPr/>
+        <p:nvPr/>
+      </p:nvGrpSpPr>
+      <p:grpSpPr>
+        <a:xfrm>
+          <a:off x="0" y="0"/>
+          <a:ext cx="0" cy="0"/>
+          <a:chOff x="0" y="0"/>
+          <a:chExt cx="0" cy="0"/>
+        </a:xfrm>
+      </p:grpSpPr>
+      <p:sp>
+        <p:nvSpPr>
+          <p:cNvPr id="2" name="Title 1"/>
+          <p:cNvSpPr>
+            <a:spLocks noGrp="1"/>
+          </p:cNvSpPr>
+          <p:nvPr>
+            <p:ph type="title"/>
+          </p:nvPr>
+        </p:nvSpPr>
+        <p:spPr/>
+        <p:txBody>
+          <a:bodyPr/>
+          <a:lstStyle/>
+          <a:p>
+            <a:r>
+              <a:t>Intro</a:t>
+            </a:r>
+          </a:p>
+        </p:txBody>
+      </p:sp>
+      <p:sp>
+        <p:nvSpPr>
+          <p:cNvPr id="3" name="Content Placeholder 2"/>
+          <p:cNvSpPr>
+            <a:spLocks noGrp="1"/>
+          </p:cNvSpPr>
+          <p:nvPr>
+            <p:ph idx="1"/>
+          </p:nvPr>
+        </p:nvSpPr>
+        <p:spPr/>
+        <p:txBody>
+          <a:bodyPr/>
+          <a:lstStyle/>
+          <a:p>
+            <a:pPr marL="0" indent="0">
+              <a:buNone/>
+            </a:pPr>
+            <a:r>
+              <a:rPr b="1"/>
+              <a:t>Genelle Denzin</a:t>
+            </a:r>
+            <a:r>
+              <a:t> she/hers</a:t>
+            </a:r>
+          </a:p>
+          <a:p>
+            <a:pPr marL="0" indent="0">
+              <a:buNone/>
+            </a:pPr>
+            <a:r>
+              <a:t>Data Anaylst</a:t>
+            </a:r>
+          </a:p>
+          <a:p>
+            <a:pPr marL="0" indent="0">
+              <a:buNone/>
+            </a:pPr>
+            <a:r>
+              <a:t>Coalition on Homelessness and Housing in Ohio (COHHIO)</a:t>
+            </a:r>
+          </a:p>
+          <a:p>
+            <a:pPr marL="0" indent="0">
+              <a:buNone/>
+            </a:pPr>
+            <a:r>
+              <a:t>LSU BA in English Lit. Came to this position from a data background almost 10 years ago.</a:t>
+            </a:r>
+          </a:p>
+          <a:p>
+            <a:pPr marL="0" indent="0">
+              <a:buNone/>
+            </a:pPr>
+            <a:r>
+              <a:t>Special thanks to everyone who helped me put this together.</a:t>
+            </a:r>
+          </a:p>
+        </p:txBody>
+      </p:sp>
+    </p:spTree>
+  </p:cSld>
+  <p:clrMapOvr>
+    <a:masterClrMapping/>
+  </p:clrMapOvr>
+</p:sld>
+</file>
+
+<file path=ppt/slides/slide28.xml><?xml version="1.0" encoding="utf-8"?>
+<p:sld xmlns:a="http://schemas.openxmlformats.org/drawingml/2006/main" xmlns:r="http://schemas.openxmlformats.org/officeDocument/2006/relationships" xmlns:p="http://schemas.openxmlformats.org/presentationml/2006/main">
+  <p:cSld>
+    <p:spTree>
+      <p:nvGrpSpPr>
+        <p:cNvPr id="1" name=""/>
+        <p:cNvGrpSpPr/>
+        <p:nvPr/>
+      </p:nvGrpSpPr>
+      <p:grpSpPr>
+        <a:xfrm>
+          <a:off x="0" y="0"/>
+          <a:ext cx="0" cy="0"/>
+          <a:chOff x="0" y="0"/>
+          <a:chExt cx="0" cy="0"/>
+        </a:xfrm>
+      </p:grpSpPr>
+      <p:sp>
+        <p:nvSpPr>
+          <p:cNvPr id="2" name="Title 1"/>
+          <p:cNvSpPr>
+            <a:spLocks noGrp="1"/>
+          </p:cNvSpPr>
+          <p:nvPr>
+            <p:ph type="title"/>
+          </p:nvPr>
+        </p:nvSpPr>
+        <p:spPr/>
+        <p:txBody>
+          <a:bodyPr/>
+          <a:lstStyle/>
+          <a:p>
+            <a:r>
+              <a:t>Agenda</a:t>
+            </a:r>
+          </a:p>
+        </p:txBody>
+      </p:sp>
+      <p:sp>
+        <p:nvSpPr>
+          <p:cNvPr id="3" name="Content Placeholder 2"/>
+          <p:cNvSpPr>
+            <a:spLocks noGrp="1"/>
+          </p:cNvSpPr>
+          <p:nvPr>
+            <p:ph idx="1"/>
+          </p:nvPr>
+        </p:nvSpPr>
+        <p:spPr/>
+        <p:txBody>
+          <a:bodyPr/>
+          <a:lstStyle/>
+          <a:p>
+            <a:pPr lvl="1"/>
+            <a:r>
+              <a:t>Workflows for HMIS Data Analysts</a:t>
+            </a:r>
+          </a:p>
+          <a:p>
+            <a:pPr lvl="1"/>
+            <a:r>
+              <a:t>What is Reproducibility?</a:t>
+            </a:r>
+          </a:p>
+          <a:p>
+            <a:pPr lvl="1"/>
+            <a:r>
+              <a:t>Reproducibility With Current Tools</a:t>
+            </a:r>
+          </a:p>
+          <a:p>
+            <a:pPr lvl="1"/>
+            <a:r>
+              <a:t>What is R Markdown?</a:t>
+            </a:r>
+          </a:p>
+          <a:p>
+            <a:pPr lvl="1"/>
+            <a:r>
+              <a:t>How to Get Started with R (if you want)</a:t>
+            </a:r>
+          </a:p>
+        </p:txBody>
+      </p:sp>
+    </p:spTree>
+  </p:cSld>
+  <p:clrMapOvr>
+    <a:masterClrMapping/>
+  </p:clrMapOvr>
+</p:sld>
+</file>
+
+<file path=ppt/slides/slide29.xml><?xml version="1.0" encoding="utf-8"?>
+<p:sld xmlns:a="http://schemas.openxmlformats.org/drawingml/2006/main" xmlns:r="http://schemas.openxmlformats.org/officeDocument/2006/relationships" xmlns:p="http://schemas.openxmlformats.org/presentationml/2006/main">
+  <p:cSld>
+    <p:spTree>
+      <p:nvGrpSpPr>
+        <p:cNvPr id="1" name=""/>
+        <p:cNvGrpSpPr/>
+        <p:nvPr/>
+      </p:nvGrpSpPr>
+      <p:grpSpPr>
+        <a:xfrm>
+          <a:off x="0" y="0"/>
+          <a:ext cx="0" cy="0"/>
+          <a:chOff x="0" y="0"/>
+          <a:chExt cx="0" cy="0"/>
+        </a:xfrm>
+      </p:grpSpPr>
+      <p:sp>
+        <p:nvSpPr>
+          <p:cNvPr id="2" name="Title 1"/>
+          <p:cNvSpPr>
+            <a:spLocks noGrp="1"/>
+          </p:cNvSpPr>
+          <p:nvPr>
+            <p:ph type="title"/>
+          </p:nvPr>
+        </p:nvSpPr>
+        <p:spPr/>
+        <p:txBody>
+          <a:bodyPr/>
+          <a:lstStyle/>
+          <a:p>
+            <a:r>
+              <a:t>Workflows for Data Analysts</a:t>
+            </a:r>
+          </a:p>
+        </p:txBody>
+      </p:sp>
+      <p:pic>
+        <p:nvPicPr>
+          <p:cNvPr id="3" name="Picture 1" descr="images/softwares.png"/>
+          <p:cNvPicPr>
+            <a:picLocks noGrp="1" noChangeAspect="1"/>
+          </p:cNvPicPr>
+          <p:nvPr/>
+        </p:nvPicPr>
+        <p:blipFill>
+          <a:blip r:embed="rId3"/>
+          <a:stretch>
+            <a:fillRect/>
+          </a:stretch>
+        </p:blipFill>
+        <p:spPr bwMode="auto">
+          <a:xfrm>
+            <a:off x="2190750" y="1200150"/>
+            <a:ext cx="4762500" cy="3009900"/>
+          </a:xfrm>
+          <a:prstGeom prst="rect">
+            <a:avLst/>
+          </a:prstGeom>
+          <a:noFill/>
+          <a:ln w="9525">
+            <a:noFill/>
+            <a:headEnd/>
+            <a:tailEnd/>
+          </a:ln>
+        </p:spPr>
+      </p:pic>
+      <p:sp>
+        <p:nvSpPr>
+          <p:cNvPr id="4" name="TextBox 3"/>
+          <p:cNvSpPr txBox="1"/>
+          <p:nvPr/>
+        </p:nvSpPr>
+        <p:spPr>
+          <a:xfrm>
+            <a:off x="1485900" y="4210050"/>
+            <a:ext cx="6172200" cy="381000"/>
+          </a:xfrm>
+          <a:prstGeom prst="rect">
+            <a:avLst/>
+          </a:prstGeom>
+          <a:noFill/>
+        </p:spPr>
+        <p:txBody>
+          <a:bodyPr/>
+          <a:lstStyle/>
+          <a:p>
+            <a:pPr algn="ctr"/>
+            <a:r>
+              <a:rPr sz="1350"/>
+              <a:t>What workflows are we using to get from raw data -&gt; visualization?</a:t>
+            </a:r>
+          </a:p>
+        </p:txBody>
+      </p:sp>
+    </p:spTree>
+  </p:cSld>
+  <p:clrMapOvr>
+    <a:masterClrMapping/>
+  </p:clrMapOvr>
+</p:sld>
+</file>
+
+<file path=ppt/slides/slide3.xml><?xml version="1.0" encoding="utf-8"?>
+<p:sld xmlns:a="http://schemas.openxmlformats.org/drawingml/2006/main" xmlns:r="http://schemas.openxmlformats.org/officeDocument/2006/relationships" xmlns:p="http://schemas.openxmlformats.org/presentationml/2006/main">
+  <p:cSld>
+    <p:spTree>
+      <p:nvGrpSpPr>
+        <p:cNvPr id="1" name=""/>
+        <p:cNvGrpSpPr/>
+        <p:nvPr/>
+      </p:nvGrpSpPr>
+      <p:grpSpPr>
+        <a:xfrm>
+          <a:off x="0" y="0"/>
+          <a:ext cx="0" cy="0"/>
+          <a:chOff x="0" y="0"/>
+          <a:chExt cx="0" cy="0"/>
+        </a:xfrm>
+      </p:grpSpPr>
+      <p:sp>
+        <p:nvSpPr>
+          <p:cNvPr id="2" name="Title 1"/>
+          <p:cNvSpPr>
+            <a:spLocks noGrp="1"/>
+          </p:cNvSpPr>
+          <p:nvPr>
+            <p:ph type="title"/>
+          </p:nvPr>
+        </p:nvSpPr>
+        <p:spPr/>
+        <p:txBody>
+          <a:bodyPr/>
+          <a:lstStyle/>
+          <a:p>
+            <a:r>
+              <a:t>Intro</a:t>
+            </a:r>
+          </a:p>
+        </p:txBody>
+      </p:sp>
+      <p:sp>
+        <p:nvSpPr>
+          <p:cNvPr id="3" name="Content Placeholder 2"/>
+          <p:cNvSpPr>
+            <a:spLocks noGrp="1"/>
+          </p:cNvSpPr>
+          <p:nvPr>
+            <p:ph idx="1"/>
+          </p:nvPr>
+        </p:nvSpPr>
+        <p:spPr/>
+        <p:txBody>
+          <a:bodyPr/>
+          <a:lstStyle/>
+          <a:p>
+            <a:pPr marL="0" indent="0">
+              <a:buNone/>
+            </a:pPr>
+            <a:r>
+              <a:rPr b="1"/>
+              <a:t>Genelle Denzin</a:t>
+            </a:r>
+            <a:r>
+              <a:t> she/hers</a:t>
+            </a:r>
+          </a:p>
+          <a:p>
+            <a:pPr marL="0" indent="0">
+              <a:buNone/>
+            </a:pPr>
+            <a:r>
+              <a:t>Data Anaylst</a:t>
+            </a:r>
+          </a:p>
+          <a:p>
+            <a:pPr marL="0" indent="0">
+              <a:buNone/>
+            </a:pPr>
+            <a:r>
+              <a:t>Coalition on Homelessness and Housing in Ohio (COHHIO)</a:t>
+            </a:r>
+          </a:p>
+          <a:p>
+            <a:pPr marL="0" indent="0">
+              <a:buNone/>
+            </a:pPr>
+            <a:r>
+              <a:t>LSU BA in English Lit. Came to this position from a data background almost 10 years ago.</a:t>
+            </a:r>
+          </a:p>
+          <a:p>
+            <a:pPr marL="0" indent="0">
+              <a:buNone/>
+            </a:pPr>
+            <a:r>
+              <a:t>Special thanks to everyone who helped me put this together.</a:t>
+            </a:r>
+          </a:p>
+        </p:txBody>
+      </p:sp>
+    </p:spTree>
+  </p:cSld>
+  <p:clrMapOvr>
+    <a:masterClrMapping/>
+  </p:clrMapOvr>
+</p:sld>
+</file>
+
+<file path=ppt/slides/slide30.xml><?xml version="1.0" encoding="utf-8"?>
+<p:sld xmlns:a="http://schemas.openxmlformats.org/drawingml/2006/main" xmlns:r="http://schemas.openxmlformats.org/officeDocument/2006/relationships" xmlns:p="http://schemas.openxmlformats.org/presentationml/2006/main">
+  <p:cSld>
+    <p:spTree>
+      <p:nvGrpSpPr>
+        <p:cNvPr id="1" name=""/>
+        <p:cNvGrpSpPr/>
+        <p:nvPr/>
+      </p:nvGrpSpPr>
+      <p:grpSpPr>
+        <a:xfrm>
+          <a:off x="0" y="0"/>
+          <a:ext cx="0" cy="0"/>
+          <a:chOff x="0" y="0"/>
+          <a:chExt cx="0" cy="0"/>
+        </a:xfrm>
+      </p:grpSpPr>
+      <p:sp>
+        <p:nvSpPr>
+          <p:cNvPr id="2" name="Title 1"/>
+          <p:cNvSpPr>
+            <a:spLocks noGrp="1"/>
+          </p:cNvSpPr>
+          <p:nvPr>
+            <p:ph type="title"/>
+          </p:nvPr>
+        </p:nvSpPr>
+        <p:spPr/>
+        <p:txBody>
+          <a:bodyPr/>
+          <a:lstStyle/>
+          <a:p>
+            <a:r>
+              <a:t>Our workflows are important</a:t>
+            </a:r>
+          </a:p>
+        </p:txBody>
+      </p:sp>
+      <p:pic>
+        <p:nvPicPr>
+          <p:cNvPr id="3" name="Picture 1" descr="images/grounded2.png"/>
+          <p:cNvPicPr>
+            <a:picLocks noGrp="1" noChangeAspect="1"/>
+          </p:cNvPicPr>
+          <p:nvPr/>
+        </p:nvPicPr>
+        <p:blipFill>
+          <a:blip r:embed="rId2"/>
+          <a:stretch>
+            <a:fillRect/>
+          </a:stretch>
+        </p:blipFill>
+        <p:spPr bwMode="auto">
+          <a:xfrm>
+            <a:off x="2314575" y="1200150"/>
+            <a:ext cx="4514850" cy="3009900"/>
+          </a:xfrm>
+          <a:prstGeom prst="rect">
+            <a:avLst/>
+          </a:prstGeom>
+          <a:noFill/>
+          <a:ln w="9525">
+            <a:noFill/>
+            <a:headEnd/>
+            <a:tailEnd/>
+          </a:ln>
+        </p:spPr>
+      </p:pic>
+      <p:sp>
+        <p:nvSpPr>
+          <p:cNvPr id="4" name="TextBox 3"/>
+          <p:cNvSpPr txBox="1"/>
+          <p:nvPr/>
+        </p:nvSpPr>
+        <p:spPr>
+          <a:xfrm>
+            <a:off x="1485900" y="4210050"/>
+            <a:ext cx="6172200" cy="381000"/>
+          </a:xfrm>
+          <a:prstGeom prst="rect">
+            <a:avLst/>
+          </a:prstGeom>
+          <a:noFill/>
+        </p:spPr>
+        <p:txBody>
+          <a:bodyPr/>
+          <a:lstStyle/>
+          <a:p>
+            <a:pPr algn="ctr"/>
+            <a:r>
+              <a:rPr sz="1350"/>
+              <a:t>Stay grounded</a:t>
+            </a:r>
+          </a:p>
+        </p:txBody>
+      </p:sp>
+    </p:spTree>
+  </p:cSld>
+  <p:clrMapOvr>
+    <a:masterClrMapping/>
+  </p:clrMapOvr>
+</p:sld>
+</file>
+
+<file path=ppt/slides/slide31.xml><?xml version="1.0" encoding="utf-8"?>
+<p:sld xmlns:a="http://schemas.openxmlformats.org/drawingml/2006/main" xmlns:r="http://schemas.openxmlformats.org/officeDocument/2006/relationships" xmlns:p="http://schemas.openxmlformats.org/presentationml/2006/main">
+  <p:cSld>
+    <p:spTree>
+      <p:nvGrpSpPr>
+        <p:cNvPr id="1" name=""/>
+        <p:cNvGrpSpPr/>
+        <p:nvPr/>
+      </p:nvGrpSpPr>
+      <p:grpSpPr>
+        <a:xfrm>
+          <a:off x="0" y="0"/>
+          <a:ext cx="0" cy="0"/>
+          <a:chOff x="0" y="0"/>
+          <a:chExt cx="0" cy="0"/>
+        </a:xfrm>
+      </p:grpSpPr>
+      <p:sp>
+        <p:nvSpPr>
+          <p:cNvPr id="2" name="Title 1"/>
+          <p:cNvSpPr>
+            <a:spLocks noGrp="1"/>
+          </p:cNvSpPr>
+          <p:nvPr>
+            <p:ph type="title"/>
+          </p:nvPr>
+        </p:nvSpPr>
+        <p:spPr/>
+        <p:txBody>
+          <a:bodyPr/>
+          <a:lstStyle/>
+          <a:p>
+            <a:r>
+              <a:t>An Example</a:t>
+            </a:r>
+          </a:p>
+        </p:txBody>
+      </p:sp>
+      <p:sp>
+        <p:nvSpPr>
+          <p:cNvPr id="3" name="Content Placeholder 2"/>
+          <p:cNvSpPr>
+            <a:spLocks noGrp="1"/>
+          </p:cNvSpPr>
+          <p:nvPr>
+            <p:ph idx="1"/>
+          </p:nvPr>
+        </p:nvSpPr>
+        <p:spPr/>
+        <p:txBody>
+          <a:bodyPr/>
+          <a:lstStyle/>
+          <a:p>
+            <a:pPr marL="0" indent="0">
+              <a:buNone/>
+            </a:pPr>
+            <a:r>
+              <a:t>Analysis on how many DV survivors were served in our CoC’s projects during 2018. My theoretical year-ago workflow:</a:t>
+            </a:r>
+          </a:p>
+          <a:p>
+            <a:pPr lvl="1">
+              <a:buAutoNum type="arabicPeriod"/>
+            </a:pPr>
+            <a:r>
+              <a:t>Create custom report named “DV Analysis 2018” in HMIS, export to Excel, name it “Domestic Violence 2018”</a:t>
+            </a:r>
+          </a:p>
+          <a:p>
+            <a:pPr lvl="1">
+              <a:buAutoNum type="arabicPeriod"/>
+            </a:pPr>
+            <a:r>
+              <a:t>Rename columns, remove last row</a:t>
+            </a:r>
+          </a:p>
+          <a:p>
+            <a:pPr lvl="1">
+              <a:buAutoNum type="arabicPeriod"/>
+            </a:pPr>
+            <a:r>
+              <a:t>Import into visualization software</a:t>
+            </a:r>
+          </a:p>
+          <a:p>
+            <a:pPr lvl="1">
+              <a:buAutoNum type="arabicPeriod"/>
+            </a:pPr>
+            <a:r>
+              <a:t>Create visualization with the results</a:t>
+            </a:r>
+          </a:p>
+        </p:txBody>
+      </p:sp>
+    </p:spTree>
+  </p:cSld>
+  <p:clrMapOvr>
+    <a:masterClrMapping/>
+  </p:clrMapOvr>
+</p:sld>
+</file>
+
+<file path=ppt/slides/slide32.xml><?xml version="1.0" encoding="utf-8"?>
+<p:sld xmlns:a="http://schemas.openxmlformats.org/drawingml/2006/main" xmlns:r="http://schemas.openxmlformats.org/officeDocument/2006/relationships" xmlns:p="http://schemas.openxmlformats.org/presentationml/2006/main">
+  <p:cSld>
+    <p:spTree>
+      <p:nvGrpSpPr>
+        <p:cNvPr id="1" name=""/>
+        <p:cNvGrpSpPr/>
+        <p:nvPr/>
+      </p:nvGrpSpPr>
+      <p:grpSpPr>
+        <a:xfrm>
+          <a:off x="0" y="0"/>
+          <a:ext cx="0" cy="0"/>
+          <a:chOff x="0" y="0"/>
+          <a:chExt cx="0" cy="0"/>
+        </a:xfrm>
+      </p:grpSpPr>
+      <p:sp>
+        <p:nvSpPr>
+          <p:cNvPr id="2" name="Title 1"/>
+          <p:cNvSpPr>
+            <a:spLocks noGrp="1"/>
+          </p:cNvSpPr>
+          <p:nvPr>
+            <p:ph type="title"/>
+          </p:nvPr>
+        </p:nvSpPr>
+        <p:spPr/>
+        <p:txBody>
+          <a:bodyPr/>
+          <a:lstStyle/>
+          <a:p>
+            <a:r>
+              <a:t>The Problem(s)</a:t>
+            </a:r>
+          </a:p>
+        </p:txBody>
+      </p:sp>
+      <p:sp>
+        <p:nvSpPr>
+          <p:cNvPr id="3" name="Content Placeholder 2"/>
+          <p:cNvSpPr>
+            <a:spLocks noGrp="1"/>
+          </p:cNvSpPr>
+          <p:nvPr>
+            <p:ph idx="1"/>
+          </p:nvPr>
+        </p:nvSpPr>
+        <p:spPr/>
+        <p:txBody>
+          <a:bodyPr/>
+          <a:lstStyle/>
+          <a:p>
+            <a:pPr lvl="1"/>
+            <a:r>
+              <a:t>Will Future You be able to work back from the visualization to the raw data?</a:t>
+            </a:r>
+          </a:p>
+          <a:p>
+            <a:pPr lvl="1"/>
+            <a:r>
+              <a:t>If the results of your analysis are questioned, can you explain your results without stress or difficulty?</a:t>
+            </a:r>
+          </a:p>
+          <a:p>
+            <a:pPr lvl="1"/>
+            <a:r>
+              <a:t>A well-meaning co-worker repurposes your custom report in HMIS called “DV Analysis 2018”, renames it “DV Analysis 2019”, and modifies the logic. Could you recreate it?</a:t>
+            </a:r>
+          </a:p>
+        </p:txBody>
+      </p:sp>
+    </p:spTree>
+  </p:cSld>
+  <p:clrMapOvr>
+    <a:masterClrMapping/>
+  </p:clrMapOvr>
+</p:sld>
+</file>
+
+<file path=ppt/slides/slide33.xml><?xml version="1.0" encoding="utf-8"?>
+<p:sld xmlns:a="http://schemas.openxmlformats.org/drawingml/2006/main" xmlns:r="http://schemas.openxmlformats.org/officeDocument/2006/relationships" xmlns:p="http://schemas.openxmlformats.org/presentationml/2006/main">
+  <p:cSld>
+    <p:spTree>
+      <p:nvGrpSpPr>
+        <p:cNvPr id="1" name=""/>
+        <p:cNvGrpSpPr/>
+        <p:nvPr/>
+      </p:nvGrpSpPr>
+      <p:grpSpPr>
+        <a:xfrm>
+          <a:off x="0" y="0"/>
+          <a:ext cx="0" cy="0"/>
+          <a:chOff x="0" y="0"/>
+          <a:chExt cx="0" cy="0"/>
+        </a:xfrm>
+      </p:grpSpPr>
+      <p:sp>
+        <p:nvSpPr>
+          <p:cNvPr id="2" name="Title 1"/>
+          <p:cNvSpPr>
+            <a:spLocks noGrp="1"/>
+          </p:cNvSpPr>
+          <p:nvPr>
+            <p:ph type="title"/>
+          </p:nvPr>
+        </p:nvSpPr>
+        <p:spPr/>
+        <p:txBody>
+          <a:bodyPr/>
+          <a:lstStyle/>
+          <a:p>
+            <a:r>
+              <a:t>What is Reproducibility?</a:t>
+            </a:r>
+          </a:p>
+        </p:txBody>
+      </p:sp>
+      <p:pic>
+        <p:nvPicPr>
+          <p:cNvPr id="3" name="Picture 1" descr="images/reproducibility.png"/>
+          <p:cNvPicPr>
+            <a:picLocks noGrp="1" noChangeAspect="1"/>
+          </p:cNvPicPr>
+          <p:nvPr/>
+        </p:nvPicPr>
+        <p:blipFill>
+          <a:blip r:embed="rId3"/>
+          <a:stretch>
+            <a:fillRect/>
+          </a:stretch>
+        </p:blipFill>
+        <p:spPr bwMode="auto">
+          <a:xfrm>
+            <a:off x="1485900" y="1485900"/>
+            <a:ext cx="6172200" cy="2438400"/>
+          </a:xfrm>
+          <a:prstGeom prst="rect">
+            <a:avLst/>
+          </a:prstGeom>
+          <a:noFill/>
+          <a:ln w="9525">
+            <a:noFill/>
+            <a:headEnd/>
+            <a:tailEnd/>
+          </a:ln>
+        </p:spPr>
+      </p:pic>
+      <p:sp>
+        <p:nvSpPr>
+          <p:cNvPr id="4" name="TextBox 3"/>
+          <p:cNvSpPr txBox="1"/>
+          <p:nvPr/>
+        </p:nvSpPr>
+        <p:spPr>
+          <a:xfrm>
+            <a:off x="1485900" y="4210050"/>
+            <a:ext cx="6172200" cy="381000"/>
+          </a:xfrm>
+          <a:prstGeom prst="rect">
+            <a:avLst/>
+          </a:prstGeom>
+          <a:noFill/>
+        </p:spPr>
+        <p:txBody>
+          <a:bodyPr/>
+          <a:lstStyle/>
+          <a:p>
+            <a:pPr algn="ctr"/>
+            <a:r>
+              <a:rPr sz="1350"/>
+              <a:t>We cannot get to 100% as HMIS Data Analysts but we can make progress.</a:t>
+            </a:r>
+          </a:p>
+        </p:txBody>
+      </p:sp>
+    </p:spTree>
+  </p:cSld>
+  <p:clrMapOvr>
+    <a:masterClrMapping/>
+  </p:clrMapOvr>
+</p:sld>
+</file>
+
+<file path=ppt/slides/slide34.xml><?xml version="1.0" encoding="utf-8"?>
+<p:sld xmlns:a="http://schemas.openxmlformats.org/drawingml/2006/main" xmlns:r="http://schemas.openxmlformats.org/officeDocument/2006/relationships" xmlns:p="http://schemas.openxmlformats.org/presentationml/2006/main">
+  <p:cSld>
+    <p:spTree>
+      <p:nvGrpSpPr>
+        <p:cNvPr id="1" name=""/>
+        <p:cNvGrpSpPr/>
+        <p:nvPr/>
+      </p:nvGrpSpPr>
+      <p:grpSpPr>
+        <a:xfrm>
+          <a:off x="0" y="0"/>
+          <a:ext cx="0" cy="0"/>
+          <a:chOff x="0" y="0"/>
+          <a:chExt cx="0" cy="0"/>
+        </a:xfrm>
+      </p:grpSpPr>
+      <p:sp>
+        <p:nvSpPr>
+          <p:cNvPr id="2" name="Title 1"/>
+          <p:cNvSpPr>
+            <a:spLocks noGrp="1"/>
+          </p:cNvSpPr>
+          <p:nvPr>
+            <p:ph type="title"/>
+          </p:nvPr>
+        </p:nvSpPr>
+        <p:spPr/>
+        <p:txBody>
+          <a:bodyPr>
+            <a:normAutofit fontScale="90000"/>
+          </a:bodyPr>
+          <a:lstStyle/>
+          <a:p>
+            <a:r>
+              <a:t>Ways to Achieve Better Reproducibility with Current Tools</a:t>
+            </a:r>
+          </a:p>
+        </p:txBody>
+      </p:sp>
+      <p:sp>
+        <p:nvSpPr>
+          <p:cNvPr id="3" name="Content Placeholder 2"/>
+          <p:cNvSpPr>
+            <a:spLocks noGrp="1"/>
+          </p:cNvSpPr>
+          <p:nvPr>
+            <p:ph idx="1"/>
+          </p:nvPr>
+        </p:nvSpPr>
+        <p:spPr/>
+        <p:txBody>
+          <a:bodyPr/>
+          <a:lstStyle/>
+          <a:p>
+            <a:pPr lvl="1"/>
+            <a:r>
+              <a:t>Data from HMIS should be as raw as possible</a:t>
+            </a:r>
+          </a:p>
+          <a:p>
+            <a:pPr lvl="1"/>
+            <a:r>
+              <a:t>Document your workflow for each visualization</a:t>
+            </a:r>
+          </a:p>
+          <a:p>
+            <a:pPr lvl="2"/>
+            <a:r>
+              <a:t>file paths, names, and document types</a:t>
+            </a:r>
+          </a:p>
+          <a:p>
+            <a:pPr lvl="2"/>
+            <a:r>
+              <a:t>every action you do in your intermediary data shaping tool</a:t>
+            </a:r>
+          </a:p>
+          <a:p>
+            <a:pPr lvl="2"/>
+            <a:r>
+              <a:t>any further actions you take inside your visualization tool</a:t>
+            </a:r>
+          </a:p>
+          <a:p>
+            <a:pPr lvl="2"/>
+            <a:r>
+              <a:t>if your data from HMIS is custom, document each action you take to create the data export</a:t>
+            </a:r>
+          </a:p>
+        </p:txBody>
+      </p:sp>
+    </p:spTree>
+  </p:cSld>
+  <p:clrMapOvr>
+    <a:masterClrMapping/>
+  </p:clrMapOvr>
+</p:sld>
+</file>
+
+<file path=ppt/slides/slide35.xml><?xml version="1.0" encoding="utf-8"?>
+<p:sld xmlns:a="http://schemas.openxmlformats.org/drawingml/2006/main" xmlns:r="http://schemas.openxmlformats.org/officeDocument/2006/relationships" xmlns:p="http://schemas.openxmlformats.org/presentationml/2006/main">
+  <p:cSld>
+    <p:spTree>
+      <p:nvGrpSpPr>
+        <p:cNvPr id="1" name=""/>
+        <p:cNvGrpSpPr/>
+        <p:nvPr/>
+      </p:nvGrpSpPr>
+      <p:grpSpPr>
+        <a:xfrm>
+          <a:off x="0" y="0"/>
+          <a:ext cx="0" cy="0"/>
+          <a:chOff x="0" y="0"/>
+          <a:chExt cx="0" cy="0"/>
+        </a:xfrm>
+      </p:grpSpPr>
+      <p:sp>
+        <p:nvSpPr>
+          <p:cNvPr id="2" name="Title 1"/>
+          <p:cNvSpPr>
+            <a:spLocks noGrp="1"/>
+          </p:cNvSpPr>
+          <p:nvPr>
+            <p:ph type="title"/>
+          </p:nvPr>
+        </p:nvSpPr>
+        <p:spPr/>
+        <p:txBody>
+          <a:bodyPr/>
+          <a:lstStyle/>
+          <a:p>
+            <a:r>
+              <a:t>What is Markdown</a:t>
+            </a:r>
+          </a:p>
+        </p:txBody>
+      </p:sp>
+      <p:sp>
+        <p:nvSpPr>
+          <p:cNvPr id="3" name="Content Placeholder 2"/>
+          <p:cNvSpPr>
+            <a:spLocks noGrp="1"/>
+          </p:cNvSpPr>
+          <p:nvPr>
+            <p:ph idx="1"/>
+          </p:nvPr>
+        </p:nvSpPr>
+        <p:spPr/>
+        <p:txBody>
+          <a:bodyPr/>
+          <a:lstStyle/>
+          <a:p>
+            <a:pPr lvl="1"/>
+            <a:r>
+              <a:t>created by John Gruber and Aaron Swartz</a:t>
+            </a:r>
+          </a:p>
+          <a:p>
+            <a:pPr lvl="1"/>
+            <a:r>
+              <a:t>a simplified version of markup languages</a:t>
+            </a:r>
+          </a:p>
+          <a:p>
+            <a:pPr lvl="1"/>
+            <a:r>
+              <a:t>simple intuitive formatting elements</a:t>
+            </a:r>
+          </a:p>
+          <a:p>
+            <a:pPr lvl="1"/>
+            <a:r>
+              <a:t>easily converted to valid HTML and other formats</a:t>
+            </a:r>
+          </a:p>
+          <a:p>
+            <a:pPr lvl="1"/>
+            <a:r>
+              <a:t>a </a:t>
+            </a:r>
+            <a:r>
+              <a:rPr>
+                <a:hlinkClick r:id="rId2"/>
+              </a:rPr>
+              <a:t>quick look at the syntax</a:t>
+            </a:r>
+          </a:p>
+        </p:txBody>
+      </p:sp>
+    </p:spTree>
+  </p:cSld>
+  <p:clrMapOvr>
+    <a:masterClrMapping/>
+  </p:clrMapOvr>
+</p:sld>
+</file>
+
+<file path=ppt/slides/slide36.xml><?xml version="1.0" encoding="utf-8"?>
+<p:sld xmlns:a="http://schemas.openxmlformats.org/drawingml/2006/main" xmlns:r="http://schemas.openxmlformats.org/officeDocument/2006/relationships" xmlns:p="http://schemas.openxmlformats.org/presentationml/2006/main">
+  <p:cSld>
+    <p:spTree>
+      <p:nvGrpSpPr>
+        <p:cNvPr id="1" name=""/>
+        <p:cNvGrpSpPr/>
+        <p:nvPr/>
+      </p:nvGrpSpPr>
+      <p:grpSpPr>
+        <a:xfrm>
+          <a:off x="0" y="0"/>
+          <a:ext cx="0" cy="0"/>
+          <a:chOff x="0" y="0"/>
+          <a:chExt cx="0" cy="0"/>
+        </a:xfrm>
+      </p:grpSpPr>
+      <p:sp>
+        <p:nvSpPr>
+          <p:cNvPr id="2" name="Title 1"/>
+          <p:cNvSpPr>
+            <a:spLocks noGrp="1"/>
+          </p:cNvSpPr>
+          <p:nvPr>
+            <p:ph type="title"/>
+          </p:nvPr>
+        </p:nvSpPr>
+        <p:spPr/>
+        <p:txBody>
+          <a:bodyPr/>
+          <a:lstStyle/>
+          <a:p>
+            <a:r>
+              <a:t>What is R Markdown</a:t>
+            </a:r>
+          </a:p>
+        </p:txBody>
+      </p:sp>
+      <p:sp>
+        <p:nvSpPr>
+          <p:cNvPr id="3" name="Content Placeholder 2"/>
+          <p:cNvSpPr>
+            <a:spLocks noGrp="1"/>
+          </p:cNvSpPr>
+          <p:nvPr>
+            <p:ph idx="1"/>
+          </p:nvPr>
+        </p:nvSpPr>
+        <p:spPr/>
+        <p:txBody>
+          <a:bodyPr/>
+          <a:lstStyle/>
+          <a:p>
+            <a:pPr lvl="1"/>
+            <a:r>
+              <a:t>allows you to include R code in a markdown document (or SQL, or python and others)</a:t>
+            </a:r>
+          </a:p>
+          <a:p>
+            <a:pPr lvl="1"/>
+            <a:r>
+              <a:t>the R code is evaluated in the processing of the markdown file</a:t>
+            </a:r>
+          </a:p>
+          <a:p>
+            <a:pPr lvl="1"/>
+            <a:r>
+              <a:t>results from the code are displayed in the final markdown document</a:t>
+            </a:r>
+          </a:p>
+          <a:p>
+            <a:pPr lvl="1"/>
+            <a:r>
+              <a:t>can handle parameters</a:t>
+            </a:r>
+          </a:p>
+        </p:txBody>
+      </p:sp>
+    </p:spTree>
+  </p:cSld>
+  <p:clrMapOvr>
+    <a:masterClrMapping/>
+  </p:clrMapOvr>
+</p:sld>
+</file>
+
+<file path=ppt/slides/slide37.xml><?xml version="1.0" encoding="utf-8"?>
+<p:sld xmlns:a="http://schemas.openxmlformats.org/drawingml/2006/main" xmlns:r="http://schemas.openxmlformats.org/officeDocument/2006/relationships" xmlns:p="http://schemas.openxmlformats.org/presentationml/2006/main">
+  <p:cSld>
+    <p:spTree>
+      <p:nvGrpSpPr>
+        <p:cNvPr id="1" name=""/>
+        <p:cNvGrpSpPr/>
+        <p:nvPr/>
+      </p:nvGrpSpPr>
+      <p:grpSpPr>
+        <a:xfrm>
+          <a:off x="0" y="0"/>
+          <a:ext cx="0" cy="0"/>
+          <a:chOff x="0" y="0"/>
+          <a:chExt cx="0" cy="0"/>
+        </a:xfrm>
+      </p:grpSpPr>
+      <p:sp>
+        <p:nvSpPr>
+          <p:cNvPr id="2" name="Title 1"/>
+          <p:cNvSpPr>
+            <a:spLocks noGrp="1"/>
+          </p:cNvSpPr>
+          <p:nvPr>
+            <p:ph type="title"/>
+          </p:nvPr>
+        </p:nvSpPr>
+        <p:spPr/>
+        <p:txBody>
+          <a:bodyPr/>
+          <a:lstStyle/>
+          <a:p>
+            <a:r>
+              <a:t>What is R Markdown (continued)</a:t>
+            </a:r>
+          </a:p>
+        </p:txBody>
+      </p:sp>
+      <p:sp>
+        <p:nvSpPr>
+          <p:cNvPr id="3" name="Content Placeholder 2"/>
+          <p:cNvSpPr>
+            <a:spLocks noGrp="1"/>
+          </p:cNvSpPr>
+          <p:nvPr>
+            <p:ph idx="1"/>
+          </p:nvPr>
+        </p:nvSpPr>
+        <p:spPr/>
+        <p:txBody>
+          <a:bodyPr/>
+          <a:lstStyle/>
+          <a:p>
+            <a:pPr lvl="1"/>
+            <a:r>
+              <a:t>can be written in any basic text editor</a:t>
+            </a:r>
+          </a:p>
+          <a:p>
+            <a:pPr lvl="1"/>
+            <a:r>
+              <a:t>must be rendered using the R packages called knitr and rmarkdown</a:t>
+            </a:r>
+          </a:p>
+          <a:p>
+            <a:pPr lvl="1"/>
+            <a:r>
+              <a:t>works very well with R Studio</a:t>
+            </a:r>
+          </a:p>
+        </p:txBody>
+      </p:sp>
+    </p:spTree>
+  </p:cSld>
+  <p:clrMapOvr>
+    <a:masterClrMapping/>
+  </p:clrMapOvr>
+</p:sld>
+</file>
+
+<file path=ppt/slides/slide38.xml><?xml version="1.0" encoding="utf-8"?>
+<p:sld xmlns:a="http://schemas.openxmlformats.org/drawingml/2006/main" xmlns:r="http://schemas.openxmlformats.org/officeDocument/2006/relationships" xmlns:p="http://schemas.openxmlformats.org/presentationml/2006/main">
+  <p:cSld>
+    <p:spTree>
+      <p:nvGrpSpPr>
+        <p:cNvPr id="1" name=""/>
+        <p:cNvGrpSpPr/>
+        <p:nvPr/>
+      </p:nvGrpSpPr>
+      <p:grpSpPr>
+        <a:xfrm>
+          <a:off x="0" y="0"/>
+          <a:ext cx="0" cy="0"/>
+          <a:chOff x="0" y="0"/>
+          <a:chExt cx="0" cy="0"/>
+        </a:xfrm>
+      </p:grpSpPr>
+      <p:sp>
+        <p:nvSpPr>
+          <p:cNvPr id="2" name="Title 1"/>
+          <p:cNvSpPr>
+            <a:spLocks noGrp="1"/>
+          </p:cNvSpPr>
+          <p:nvPr>
+            <p:ph type="title"/>
+          </p:nvPr>
+        </p:nvSpPr>
+        <p:spPr/>
+        <p:txBody>
+          <a:bodyPr/>
+          <a:lstStyle/>
+          <a:p>
+            <a:r>
+              <a:t>What R Markdown Can Create</a:t>
+            </a:r>
+          </a:p>
+        </p:txBody>
+      </p:sp>
+      <p:sp>
+        <p:nvSpPr>
+          <p:cNvPr id="3" name="Content Placeholder 2"/>
+          <p:cNvSpPr>
+            <a:spLocks noGrp="1"/>
+          </p:cNvSpPr>
+          <p:nvPr>
+            <p:ph idx="1"/>
+          </p:nvPr>
+        </p:nvSpPr>
+        <p:spPr/>
+        <p:txBody>
+          <a:bodyPr/>
+          <a:lstStyle/>
+          <a:p>
+            <a:pPr lvl="1"/>
+            <a:r>
+              <a:t>HTML, pdf, Word, and PowerPoint documents</a:t>
+            </a:r>
+          </a:p>
+          <a:p>
+            <a:pPr lvl="1"/>
+            <a:r>
+              <a:t>interactive documents</a:t>
+            </a:r>
+          </a:p>
+          <a:p>
+            <a:pPr lvl="1"/>
+            <a:r>
+              <a:t>slide decks (not PowerPoint)</a:t>
+            </a:r>
+          </a:p>
+          <a:p>
+            <a:pPr lvl="1"/>
+            <a:r>
+              <a:t>websites, articles, and blogs</a:t>
+            </a:r>
+          </a:p>
+          <a:p>
+            <a:pPr lvl="1"/>
+            <a:r>
+              <a:t>books</a:t>
+            </a:r>
+          </a:p>
+          <a:p>
+            <a:pPr lvl="1"/>
+            <a:r>
+              <a:t>See the </a:t>
+            </a:r>
+            <a:r>
+              <a:rPr>
+                <a:hlinkClick r:id="rId2"/>
+              </a:rPr>
+              <a:t>Gallery</a:t>
+            </a:r>
+          </a:p>
+        </p:txBody>
+      </p:sp>
+    </p:spTree>
+  </p:cSld>
+  <p:clrMapOvr>
+    <a:masterClrMapping/>
+  </p:clrMapOvr>
+</p:sld>
+</file>
+
+<file path=ppt/slides/slide39.xml><?xml version="1.0" encoding="utf-8"?>
+<p:sld xmlns:a="http://schemas.openxmlformats.org/drawingml/2006/main" xmlns:r="http://schemas.openxmlformats.org/officeDocument/2006/relationships" xmlns:p="http://schemas.openxmlformats.org/presentationml/2006/main">
+  <p:cSld>
+    <p:spTree>
+      <p:nvGrpSpPr>
+        <p:cNvPr id="1" name=""/>
+        <p:cNvGrpSpPr/>
+        <p:nvPr/>
+      </p:nvGrpSpPr>
+      <p:grpSpPr>
+        <a:xfrm>
+          <a:off x="0" y="0"/>
+          <a:ext cx="0" cy="0"/>
+          <a:chOff x="0" y="0"/>
+          <a:chExt cx="0" cy="0"/>
+        </a:xfrm>
+      </p:grpSpPr>
+      <p:sp>
+        <p:nvSpPr>
+          <p:cNvPr id="2" name="Title 1"/>
+          <p:cNvSpPr>
+            <a:spLocks noGrp="1"/>
+          </p:cNvSpPr>
+          <p:nvPr>
+            <p:ph type="title"/>
+          </p:nvPr>
+        </p:nvSpPr>
+        <p:spPr/>
+        <p:txBody>
+          <a:bodyPr>
+            <a:normAutofit fontScale="90000"/>
+          </a:bodyPr>
+          <a:lstStyle/>
+          <a:p>
+            <a:r>
+              <a:t>How Does R Markdown Get Us to Reproducibility?</a:t>
+            </a:r>
+          </a:p>
+        </p:txBody>
+      </p:sp>
+      <p:sp>
+        <p:nvSpPr>
+          <p:cNvPr id="3" name="Content Placeholder 2"/>
+          <p:cNvSpPr>
+            <a:spLocks noGrp="1"/>
+          </p:cNvSpPr>
+          <p:nvPr>
+            <p:ph idx="1"/>
+          </p:nvPr>
+        </p:nvSpPr>
+        <p:spPr/>
+        <p:txBody>
+          <a:bodyPr/>
+          <a:lstStyle/>
+          <a:p>
+            <a:pPr lvl="1"/>
+            <a:r>
+              <a:t>Every step you take in shaping your data and creating the visualization will be contained in your R Markdown document. Your work documents itself!</a:t>
+            </a:r>
+          </a:p>
+          <a:p>
+            <a:pPr lvl="1"/>
+            <a:r>
+              <a:t>Your data manipulation tool = your visualization tool. No need to copy-paste results into final documents and then later wonder where it came from and how it was built.</a:t>
+            </a:r>
+          </a:p>
+        </p:txBody>
+      </p:sp>
+    </p:spTree>
+  </p:cSld>
+  <p:clrMapOvr>
+    <a:masterClrMapping/>
+  </p:clrMapOvr>
+</p:sld>
+</file>
+
+<file path=ppt/slides/slide4.xml><?xml version="1.0" encoding="utf-8"?>
+<p:sld xmlns:a="http://schemas.openxmlformats.org/drawingml/2006/main" xmlns:r="http://schemas.openxmlformats.org/officeDocument/2006/relationships" xmlns:p="http://schemas.openxmlformats.org/presentationml/2006/main">
+  <p:cSld>
+    <p:spTree>
+      <p:nvGrpSpPr>
+        <p:cNvPr id="1" name=""/>
+        <p:cNvGrpSpPr/>
+        <p:nvPr/>
+      </p:nvGrpSpPr>
+      <p:grpSpPr>
+        <a:xfrm>
+          <a:off x="0" y="0"/>
+          <a:ext cx="0" cy="0"/>
+          <a:chOff x="0" y="0"/>
+          <a:chExt cx="0" cy="0"/>
+        </a:xfrm>
+      </p:grpSpPr>
+      <p:sp>
+        <p:nvSpPr>
+          <p:cNvPr id="2" name="Title 1"/>
+          <p:cNvSpPr>
+            <a:spLocks noGrp="1"/>
+          </p:cNvSpPr>
+          <p:nvPr>
+            <p:ph type="title"/>
+          </p:nvPr>
+        </p:nvSpPr>
+        <p:spPr/>
+        <p:txBody>
+          <a:bodyPr/>
+          <a:lstStyle/>
+          <a:p>
+            <a:r>
+              <a:t>Agenda</a:t>
+            </a:r>
+          </a:p>
+        </p:txBody>
+      </p:sp>
+      <p:sp>
+        <p:nvSpPr>
+          <p:cNvPr id="3" name="Content Placeholder 2"/>
+          <p:cNvSpPr>
+            <a:spLocks noGrp="1"/>
+          </p:cNvSpPr>
+          <p:nvPr>
+            <p:ph idx="1"/>
+          </p:nvPr>
+        </p:nvSpPr>
+        <p:spPr/>
+        <p:txBody>
+          <a:bodyPr/>
+          <a:lstStyle/>
+          <a:p>
+            <a:pPr lvl="1"/>
+            <a:r>
+              <a:t>Workflows for HMIS Data Analysts</a:t>
+            </a:r>
+          </a:p>
+          <a:p>
+            <a:pPr lvl="1"/>
+            <a:r>
+              <a:t>What is Reproducibility?</a:t>
+            </a:r>
+          </a:p>
+          <a:p>
+            <a:pPr lvl="1"/>
+            <a:r>
+              <a:t>Reproducibility With Current Tools</a:t>
+            </a:r>
+          </a:p>
+          <a:p>
+            <a:pPr lvl="1"/>
+            <a:r>
+              <a:t>What is R Markdown?</a:t>
+            </a:r>
+          </a:p>
+          <a:p>
+            <a:pPr lvl="1"/>
+            <a:r>
+              <a:t>How to Get Started with R (if you want)</a:t>
+            </a:r>
+          </a:p>
+        </p:txBody>
+      </p:sp>
+    </p:spTree>
+  </p:cSld>
+  <p:clrMapOvr>
+    <a:masterClrMapping/>
+  </p:clrMapOvr>
+</p:sld>
+</file>
+
+<file path=ppt/slides/slide40.xml><?xml version="1.0" encoding="utf-8"?>
+<p:sld xmlns:a="http://schemas.openxmlformats.org/drawingml/2006/main" xmlns:r="http://schemas.openxmlformats.org/officeDocument/2006/relationships" xmlns:p="http://schemas.openxmlformats.org/presentationml/2006/main">
+  <p:cSld>
+    <p:spTree>
+      <p:nvGrpSpPr>
+        <p:cNvPr id="1" name=""/>
+        <p:cNvGrpSpPr/>
+        <p:nvPr/>
+      </p:nvGrpSpPr>
+      <p:grpSpPr>
+        <a:xfrm>
+          <a:off x="0" y="0"/>
+          <a:ext cx="0" cy="0"/>
+          <a:chOff x="0" y="0"/>
+          <a:chExt cx="0" cy="0"/>
+        </a:xfrm>
+      </p:grpSpPr>
+      <p:sp>
+        <p:nvSpPr>
+          <p:cNvPr id="2" name="Title 1"/>
+          <p:cNvSpPr>
+            <a:spLocks noGrp="1"/>
+          </p:cNvSpPr>
+          <p:nvPr>
+            <p:ph type="title"/>
+          </p:nvPr>
+        </p:nvSpPr>
+        <p:spPr/>
+        <p:txBody>
+          <a:bodyPr/>
+          <a:lstStyle/>
+          <a:p>
+            <a:r>
+              <a:t>Let’s Create an Analysis in R Markdown</a:t>
+            </a:r>
+          </a:p>
+        </p:txBody>
+      </p:sp>
+      <p:pic>
+        <p:nvPicPr>
+          <p:cNvPr id="3" name="Picture 1" descr="images/Music-Demo-Cassette-Tape.png"/>
+          <p:cNvPicPr>
+            <a:picLocks noGrp="1" noChangeAspect="1"/>
+          </p:cNvPicPr>
+          <p:nvPr/>
+        </p:nvPicPr>
+        <p:blipFill>
+          <a:blip r:embed="rId3"/>
+          <a:stretch>
+            <a:fillRect/>
+          </a:stretch>
+        </p:blipFill>
+        <p:spPr bwMode="auto">
+          <a:xfrm>
+            <a:off x="2028825" y="1200150"/>
+            <a:ext cx="5095875" cy="3390900"/>
+          </a:xfrm>
+          <a:prstGeom prst="rect">
+            <a:avLst/>
+          </a:prstGeom>
+          <a:noFill/>
+          <a:ln w="9525">
+            <a:noFill/>
+            <a:headEnd/>
+            <a:tailEnd/>
+          </a:ln>
+        </p:spPr>
+      </p:pic>
+    </p:spTree>
+  </p:cSld>
+  <p:clrMapOvr>
+    <a:masterClrMapping/>
+  </p:clrMapOvr>
+</p:sld>
+</file>
+
+<file path=ppt/slides/slide41.xml><?xml version="1.0" encoding="utf-8"?>
+<p:sld xmlns:a="http://schemas.openxmlformats.org/drawingml/2006/main" xmlns:r="http://schemas.openxmlformats.org/officeDocument/2006/relationships" xmlns:p="http://schemas.openxmlformats.org/presentationml/2006/main">
+  <p:cSld>
+    <p:spTree>
+      <p:nvGrpSpPr>
+        <p:cNvPr id="1" name=""/>
+        <p:cNvGrpSpPr/>
+        <p:nvPr/>
+      </p:nvGrpSpPr>
+      <p:grpSpPr>
+        <a:xfrm>
+          <a:off x="0" y="0"/>
+          <a:ext cx="0" cy="0"/>
+          <a:chOff x="0" y="0"/>
+          <a:chExt cx="0" cy="0"/>
+        </a:xfrm>
+      </p:grpSpPr>
+      <p:sp>
+        <p:nvSpPr>
+          <p:cNvPr id="2" name="Title 1"/>
+          <p:cNvSpPr>
+            <a:spLocks noGrp="1"/>
+          </p:cNvSpPr>
+          <p:nvPr>
+            <p:ph type="title"/>
+          </p:nvPr>
+        </p:nvSpPr>
+        <p:spPr/>
+        <p:txBody>
+          <a:bodyPr/>
+          <a:lstStyle/>
+          <a:p>
+            <a:r>
+              <a:t>Why Move Toward a Reproducible Workflow?</a:t>
+            </a:r>
+          </a:p>
+        </p:txBody>
+      </p:sp>
+      <p:sp>
+        <p:nvSpPr>
+          <p:cNvPr id="3" name="Content Placeholder 2"/>
+          <p:cNvSpPr>
+            <a:spLocks noGrp="1"/>
+          </p:cNvSpPr>
+          <p:nvPr>
+            <p:ph idx="1"/>
+          </p:nvPr>
+        </p:nvSpPr>
+        <p:spPr/>
+        <p:txBody>
+          <a:bodyPr/>
+          <a:lstStyle/>
+          <a:p>
+            <a:pPr lvl="1"/>
+            <a:r>
+              <a:t>Easier to find and correct errors</a:t>
+            </a:r>
+          </a:p>
+          <a:p>
+            <a:pPr lvl="1"/>
+            <a:r>
+              <a:t>Helps you create comparison data later</a:t>
+            </a:r>
+          </a:p>
+          <a:p>
+            <a:pPr lvl="1"/>
+            <a:r>
+              <a:t>Helps others to check your logic, which helps validate your work</a:t>
+            </a:r>
+          </a:p>
+          <a:p>
+            <a:pPr lvl="1"/>
+            <a:r>
+              <a:t>Whether or not our data is ever questioned, we should always be prepared to back up our numbers.</a:t>
+            </a:r>
+          </a:p>
+        </p:txBody>
+      </p:sp>
+    </p:spTree>
+  </p:cSld>
+  <p:clrMapOvr>
+    <a:masterClrMapping/>
+  </p:clrMapOvr>
+</p:sld>
+</file>
+
+<file path=ppt/slides/slide42.xml><?xml version="1.0" encoding="utf-8"?>
+<p:sld xmlns:a="http://schemas.openxmlformats.org/drawingml/2006/main" xmlns:r="http://schemas.openxmlformats.org/officeDocument/2006/relationships" xmlns:p="http://schemas.openxmlformats.org/presentationml/2006/main">
+  <p:cSld>
+    <p:spTree>
+      <p:nvGrpSpPr>
+        <p:cNvPr id="1" name=""/>
+        <p:cNvGrpSpPr/>
+        <p:nvPr/>
+      </p:nvGrpSpPr>
+      <p:grpSpPr>
+        <a:xfrm>
+          <a:off x="0" y="0"/>
+          <a:ext cx="0" cy="0"/>
+          <a:chOff x="0" y="0"/>
+          <a:chExt cx="0" cy="0"/>
+        </a:xfrm>
+      </p:grpSpPr>
+      <p:sp>
+        <p:nvSpPr>
+          <p:cNvPr id="2" name="Title 1"/>
+          <p:cNvSpPr>
+            <a:spLocks noGrp="1"/>
+          </p:cNvSpPr>
+          <p:nvPr>
+            <p:ph type="title"/>
+          </p:nvPr>
+        </p:nvSpPr>
+        <p:spPr/>
+        <p:txBody>
+          <a:bodyPr/>
+          <a:lstStyle/>
+          <a:p>
+            <a:r>
+              <a:t>A Note about “Coding” and “Programming”</a:t>
+            </a:r>
+          </a:p>
+        </p:txBody>
+      </p:sp>
+      <p:pic>
+        <p:nvPicPr>
+          <p:cNvPr id="3" name="Picture 1" descr="images/whoami.png"/>
+          <p:cNvPicPr>
+            <a:picLocks noGrp="1" noChangeAspect="1"/>
+          </p:cNvPicPr>
+          <p:nvPr/>
+        </p:nvPicPr>
+        <p:blipFill>
+          <a:blip r:embed="rId3"/>
+          <a:stretch>
+            <a:fillRect/>
+          </a:stretch>
+        </p:blipFill>
+        <p:spPr bwMode="auto">
+          <a:xfrm>
+            <a:off x="2562225" y="1200150"/>
+            <a:ext cx="4010025" cy="3009900"/>
+          </a:xfrm>
+          <a:prstGeom prst="rect">
+            <a:avLst/>
+          </a:prstGeom>
+          <a:noFill/>
+          <a:ln w="9525">
+            <a:noFill/>
+            <a:headEnd/>
+            <a:tailEnd/>
+          </a:ln>
+        </p:spPr>
+      </p:pic>
+      <p:sp>
+        <p:nvSpPr>
+          <p:cNvPr id="4" name="TextBox 3"/>
+          <p:cNvSpPr txBox="1"/>
+          <p:nvPr/>
+        </p:nvSpPr>
+        <p:spPr>
+          <a:xfrm>
+            <a:off x="1485900" y="4210050"/>
+            <a:ext cx="6172200" cy="381000"/>
+          </a:xfrm>
+          <a:prstGeom prst="rect">
+            <a:avLst/>
+          </a:prstGeom>
+          <a:noFill/>
+        </p:spPr>
+        <p:txBody>
+          <a:bodyPr/>
+          <a:lstStyle/>
+          <a:p>
+            <a:pPr algn="ctr"/>
+            <a:r>
+              <a:rPr sz="1350"/>
+              <a:t>Identity crisis…?</a:t>
+            </a:r>
+          </a:p>
+        </p:txBody>
+      </p:sp>
+    </p:spTree>
+  </p:cSld>
+  <p:clrMapOvr>
+    <a:masterClrMapping/>
+  </p:clrMapOvr>
+</p:sld>
+</file>
+
+<file path=ppt/slides/slide43.xml><?xml version="1.0" encoding="utf-8"?>
+<p:sld xmlns:a="http://schemas.openxmlformats.org/drawingml/2006/main" xmlns:r="http://schemas.openxmlformats.org/officeDocument/2006/relationships" xmlns:p="http://schemas.openxmlformats.org/presentationml/2006/main">
+  <p:cSld>
+    <p:spTree>
+      <p:nvGrpSpPr>
+        <p:cNvPr id="1" name=""/>
+        <p:cNvGrpSpPr/>
+        <p:nvPr/>
+      </p:nvGrpSpPr>
+      <p:grpSpPr>
+        <a:xfrm>
+          <a:off x="0" y="0"/>
+          <a:ext cx="0" cy="0"/>
+          <a:chOff x="0" y="0"/>
+          <a:chExt cx="0" cy="0"/>
+        </a:xfrm>
+      </p:grpSpPr>
+      <p:sp>
+        <p:nvSpPr>
+          <p:cNvPr id="2" name="Title 1"/>
+          <p:cNvSpPr>
+            <a:spLocks noGrp="1"/>
+          </p:cNvSpPr>
+          <p:nvPr>
+            <p:ph type="title"/>
+          </p:nvPr>
+        </p:nvSpPr>
+        <p:spPr/>
+        <p:txBody>
+          <a:bodyPr/>
+          <a:lstStyle/>
+          <a:p>
+            <a:r>
+              <a:t>The R Community</a:t>
+            </a:r>
+          </a:p>
+        </p:txBody>
+      </p:sp>
+      <p:pic>
+        <p:nvPicPr>
+          <p:cNvPr id="3" name="Picture 1" descr="images/welcome_to_rstats_twitter_ArtworkBy@allison_horst.png"/>
+          <p:cNvPicPr>
+            <a:picLocks noGrp="1" noChangeAspect="1"/>
+          </p:cNvPicPr>
+          <p:nvPr/>
+        </p:nvPicPr>
+        <p:blipFill>
+          <a:blip r:embed="rId2"/>
+          <a:stretch>
+            <a:fillRect/>
+          </a:stretch>
+        </p:blipFill>
+        <p:spPr bwMode="auto">
+          <a:xfrm>
+            <a:off x="3009900" y="1200150"/>
+            <a:ext cx="3114675" cy="3009900"/>
+          </a:xfrm>
+          <a:prstGeom prst="rect">
+            <a:avLst/>
+          </a:prstGeom>
+          <a:noFill/>
+          <a:ln w="9525">
+            <a:noFill/>
+            <a:headEnd/>
+            <a:tailEnd/>
+          </a:ln>
+        </p:spPr>
+      </p:pic>
+      <p:sp>
+        <p:nvSpPr>
+          <p:cNvPr id="4" name="TextBox 3"/>
+          <p:cNvSpPr txBox="1"/>
+          <p:nvPr/>
+        </p:nvSpPr>
+        <p:spPr>
+          <a:xfrm>
+            <a:off x="1485900" y="4210050"/>
+            <a:ext cx="6172200" cy="381000"/>
+          </a:xfrm>
+          <a:prstGeom prst="rect">
+            <a:avLst/>
+          </a:prstGeom>
+          <a:noFill/>
+        </p:spPr>
+        <p:txBody>
+          <a:bodyPr/>
+          <a:lstStyle/>
+          <a:p>
+            <a:pPr algn="ctr"/>
+            <a:r>
+              <a:rPr sz="1350"/>
+              <a:t>Artwork by Allison Horst</a:t>
+            </a:r>
+          </a:p>
+        </p:txBody>
+      </p:sp>
+    </p:spTree>
+  </p:cSld>
+  <p:clrMapOvr>
+    <a:masterClrMapping/>
+  </p:clrMapOvr>
+</p:sld>
+</file>
+
+<file path=ppt/slides/slide44.xml><?xml version="1.0" encoding="utf-8"?>
+<p:sld xmlns:a="http://schemas.openxmlformats.org/drawingml/2006/main" xmlns:r="http://schemas.openxmlformats.org/officeDocument/2006/relationships" xmlns:p="http://schemas.openxmlformats.org/presentationml/2006/main">
+  <p:cSld>
+    <p:spTree>
+      <p:nvGrpSpPr>
+        <p:cNvPr id="1" name=""/>
+        <p:cNvGrpSpPr/>
+        <p:nvPr/>
+      </p:nvGrpSpPr>
+      <p:grpSpPr>
+        <a:xfrm>
+          <a:off x="0" y="0"/>
+          <a:ext cx="0" cy="0"/>
+          <a:chOff x="0" y="0"/>
+          <a:chExt cx="0" cy="0"/>
+        </a:xfrm>
+      </p:grpSpPr>
+      <p:sp>
+        <p:nvSpPr>
+          <p:cNvPr id="2" name="Title 1"/>
+          <p:cNvSpPr>
+            <a:spLocks noGrp="1"/>
+          </p:cNvSpPr>
+          <p:nvPr>
+            <p:ph type="title"/>
+          </p:nvPr>
+        </p:nvSpPr>
+        <p:spPr/>
+        <p:txBody>
+          <a:bodyPr/>
+          <a:lstStyle/>
+          <a:p>
+            <a:r>
+              <a:t>Disclaimer</a:t>
+            </a:r>
+          </a:p>
+        </p:txBody>
+      </p:sp>
+      <p:sp>
+        <p:nvSpPr>
+          <p:cNvPr id="3" name="Content Placeholder 2"/>
+          <p:cNvSpPr>
+            <a:spLocks noGrp="1"/>
+          </p:cNvSpPr>
+          <p:nvPr>
+            <p:ph idx="1"/>
+          </p:nvPr>
+        </p:nvSpPr>
+        <p:spPr/>
+        <p:txBody>
+          <a:bodyPr/>
+          <a:lstStyle/>
+          <a:p>
+            <a:pPr lvl="1"/>
+            <a:r>
+              <a:t>I work in a supportive workplace.</a:t>
+            </a:r>
+          </a:p>
+          <a:p>
+            <a:pPr lvl="1"/>
+            <a:r>
+              <a:t>I am part of a 3 1/2 person HMIS team.</a:t>
+            </a:r>
+          </a:p>
+        </p:txBody>
+      </p:sp>
+    </p:spTree>
+  </p:cSld>
+  <p:clrMapOvr>
+    <a:masterClrMapping/>
+  </p:clrMapOvr>
+</p:sld>
+</file>
+
+<file path=ppt/slides/slide45.xml><?xml version="1.0" encoding="utf-8"?>
+<p:sld xmlns:a="http://schemas.openxmlformats.org/drawingml/2006/main" xmlns:r="http://schemas.openxmlformats.org/officeDocument/2006/relationships" xmlns:p="http://schemas.openxmlformats.org/presentationml/2006/main">
+  <p:cSld>
+    <p:spTree>
+      <p:nvGrpSpPr>
+        <p:cNvPr id="1" name=""/>
+        <p:cNvGrpSpPr/>
+        <p:nvPr/>
+      </p:nvGrpSpPr>
+      <p:grpSpPr>
+        <a:xfrm>
+          <a:off x="0" y="0"/>
+          <a:ext cx="0" cy="0"/>
+          <a:chOff x="0" y="0"/>
+          <a:chExt cx="0" cy="0"/>
+        </a:xfrm>
+      </p:grpSpPr>
+      <p:sp>
+        <p:nvSpPr>
+          <p:cNvPr id="2" name="Title 1"/>
+          <p:cNvSpPr>
+            <a:spLocks noGrp="1"/>
+          </p:cNvSpPr>
+          <p:nvPr>
+            <p:ph type="title"/>
+          </p:nvPr>
+        </p:nvSpPr>
+        <p:spPr/>
+        <p:txBody>
+          <a:bodyPr/>
+          <a:lstStyle/>
+          <a:p>
+            <a:r>
+              <a:t>To Get Started in R</a:t>
+            </a:r>
+          </a:p>
+        </p:txBody>
+      </p:sp>
+      <p:sp>
+        <p:nvSpPr>
+          <p:cNvPr id="3" name="Content Placeholder 2"/>
+          <p:cNvSpPr>
+            <a:spLocks noGrp="1"/>
+          </p:cNvSpPr>
+          <p:nvPr>
+            <p:ph idx="1"/>
+          </p:nvPr>
+        </p:nvSpPr>
+        <p:spPr/>
+        <p:txBody>
+          <a:bodyPr/>
+          <a:lstStyle/>
+          <a:p>
+            <a:pPr marL="0" indent="0">
+              <a:buNone/>
+            </a:pPr>
+            <a:r>
+              <a:t>My three favorite ways:</a:t>
+            </a:r>
+          </a:p>
+          <a:p>
+            <a:pPr lvl="1"/>
+            <a:r>
+              <a:t>Get </a:t>
+            </a:r>
+            <a:r>
+              <a:rPr>
+                <a:hlinkClick r:id="rId2"/>
+              </a:rPr>
+              <a:t>R for Data Science</a:t>
+            </a:r>
+            <a:r>
+              <a:t> or access it for free online here: </a:t>
+            </a:r>
+            <a:r>
+              <a:rPr>
+                <a:hlinkClick r:id="rId2"/>
+              </a:rPr>
+              <a:t>https://r4ds.had.co.nz/</a:t>
+            </a:r>
+          </a:p>
+          <a:p>
+            <a:pPr lvl="1"/>
+            <a:r>
+              <a:t>Use the R package called </a:t>
+            </a:r>
+            <a:r>
+              <a:rPr>
+                <a:hlinkClick r:id="rId3"/>
+              </a:rPr>
+              <a:t>Swirl</a:t>
+            </a:r>
+            <a:r>
+              <a:t> by going here: </a:t>
+            </a:r>
+            <a:r>
+              <a:rPr>
+                <a:hlinkClick r:id="rId4"/>
+              </a:rPr>
+              <a:t>https://swirlstats.com/students.html</a:t>
+            </a:r>
+            <a:r>
+              <a:t> (also free)</a:t>
+            </a:r>
+          </a:p>
+          <a:p>
+            <a:pPr lvl="1"/>
+            <a:r>
+              <a:t>R-Ladies meetups</a:t>
+            </a:r>
+          </a:p>
+        </p:txBody>
+      </p:sp>
+    </p:spTree>
+  </p:cSld>
+  <p:clrMapOvr>
+    <a:masterClrMapping/>
+  </p:clrMapOvr>
+</p:sld>
+</file>
+
+<file path=ppt/slides/slide46.xml><?xml version="1.0" encoding="utf-8"?>
+<p:sld xmlns:a="http://schemas.openxmlformats.org/drawingml/2006/main" xmlns:r="http://schemas.openxmlformats.org/officeDocument/2006/relationships" xmlns:p="http://schemas.openxmlformats.org/presentationml/2006/main">
+  <p:cSld>
+    <p:spTree>
+      <p:nvGrpSpPr>
+        <p:cNvPr id="1" name=""/>
+        <p:cNvGrpSpPr/>
+        <p:nvPr/>
+      </p:nvGrpSpPr>
+      <p:grpSpPr>
+        <a:xfrm>
+          <a:off x="0" y="0"/>
+          <a:ext cx="0" cy="0"/>
+          <a:chOff x="0" y="0"/>
+          <a:chExt cx="0" cy="0"/>
+        </a:xfrm>
+      </p:grpSpPr>
+      <p:sp>
+        <p:nvSpPr>
+          <p:cNvPr id="2" name="Title 1"/>
+          <p:cNvSpPr>
+            <a:spLocks noGrp="1"/>
+          </p:cNvSpPr>
+          <p:nvPr>
+            <p:ph type="title"/>
+          </p:nvPr>
+        </p:nvSpPr>
+        <p:spPr/>
+        <p:txBody>
+          <a:bodyPr/>
+          <a:lstStyle/>
+          <a:p>
+            <a:r>
+              <a:t>We Can Work Together</a:t>
+            </a:r>
+          </a:p>
+        </p:txBody>
+      </p:sp>
+      <p:sp>
+        <p:nvSpPr>
+          <p:cNvPr id="3" name="Content Placeholder 2"/>
+          <p:cNvSpPr>
+            <a:spLocks noGrp="1"/>
+          </p:cNvSpPr>
+          <p:nvPr>
+            <p:ph idx="1"/>
+          </p:nvPr>
+        </p:nvSpPr>
+        <p:spPr/>
+        <p:txBody>
+          <a:bodyPr/>
+          <a:lstStyle/>
+          <a:p>
+            <a:pPr lvl="1"/>
+            <a:r>
+              <a:t>Most of my code is available on GitHub: </a:t>
+            </a:r>
+            <a:r>
+              <a:rPr>
+                <a:hlinkClick r:id="rId2"/>
+              </a:rPr>
+              <a:t>https://github.com/kiadso</a:t>
+            </a:r>
+            <a:r>
+              <a:t> You are welcome to use it to manipulate your own HMIS data (within the terms).</a:t>
+            </a:r>
+          </a:p>
+        </p:txBody>
+      </p:sp>
+    </p:spTree>
+  </p:cSld>
+  <p:clrMapOvr>
+    <a:masterClrMapping/>
+  </p:clrMapOvr>
+</p:sld>
+</file>
+
+<file path=ppt/slides/slide47.xml><?xml version="1.0" encoding="utf-8"?>
+<p:sld xmlns:a="http://schemas.openxmlformats.org/drawingml/2006/main" xmlns:r="http://schemas.openxmlformats.org/officeDocument/2006/relationships" xmlns:p="http://schemas.openxmlformats.org/presentationml/2006/main">
+  <p:cSld>
+    <p:spTree>
+      <p:nvGrpSpPr>
+        <p:cNvPr id="1" name=""/>
+        <p:cNvGrpSpPr/>
+        <p:nvPr/>
+      </p:nvGrpSpPr>
+      <p:grpSpPr>
+        <a:xfrm>
+          <a:off x="0" y="0"/>
+          <a:ext cx="0" cy="0"/>
+          <a:chOff x="0" y="0"/>
+          <a:chExt cx="0" cy="0"/>
+        </a:xfrm>
+      </p:grpSpPr>
+      <p:sp>
+        <p:nvSpPr>
+          <p:cNvPr id="2" name="Title 1"/>
+          <p:cNvSpPr>
+            <a:spLocks noGrp="1"/>
+          </p:cNvSpPr>
+          <p:nvPr>
+            <p:ph type="title"/>
+          </p:nvPr>
+        </p:nvSpPr>
+        <p:spPr/>
+        <p:txBody>
+          <a:bodyPr/>
+          <a:lstStyle/>
+          <a:p>
+            <a:r>
+              <a:t>Questions?</a:t>
+            </a:r>
+          </a:p>
+        </p:txBody>
+      </p:sp>
+      <p:sp>
+        <p:nvSpPr>
+          <p:cNvPr id="3" name="Content Placeholder 2"/>
+          <p:cNvSpPr>
+            <a:spLocks noGrp="1"/>
+          </p:cNvSpPr>
+          <p:nvPr>
+            <p:ph idx="1"/>
+          </p:nvPr>
+        </p:nvSpPr>
+        <p:spPr/>
+        <p:txBody>
+          <a:bodyPr/>
+          <a:lstStyle/>
+          <a:p>
+            <a:pPr marL="0" indent="0">
+              <a:buNone/>
+            </a:pPr>
+            <a:r>
+              <a:t>First: Let’s take two minutes to share your questions with your neighbor.</a:t>
+            </a:r>
+          </a:p>
+          <a:p>
+            <a:pPr marL="0" indent="0">
+              <a:buNone/>
+            </a:pPr>
+            <a:r>
+              <a:t>Then: Questions</a:t>
+            </a:r>
+          </a:p>
+        </p:txBody>
+      </p:sp>
+    </p:spTree>
+  </p:cSld>
+  <p:clrMapOvr>
+    <a:masterClrMapping/>
+  </p:clrMapOvr>
+</p:sld>
+</file>
+
+<file path=ppt/slides/slide48.xml><?xml version="1.0" encoding="utf-8"?>
+<p:sld xmlns:a="http://schemas.openxmlformats.org/drawingml/2006/main" xmlns:r="http://schemas.openxmlformats.org/officeDocument/2006/relationships" xmlns:p="http://schemas.openxmlformats.org/presentationml/2006/main">
+  <p:cSld>
+    <p:spTree>
+      <p:nvGrpSpPr>
+        <p:cNvPr id="1" name=""/>
+        <p:cNvGrpSpPr/>
+        <p:nvPr/>
+      </p:nvGrpSpPr>
+      <p:grpSpPr>
+        <a:xfrm>
+          <a:off x="0" y="0"/>
+          <a:ext cx="0" cy="0"/>
+          <a:chOff x="0" y="0"/>
+          <a:chExt cx="0" cy="0"/>
+        </a:xfrm>
+      </p:grpSpPr>
+      <p:sp>
+        <p:nvSpPr>
+          <p:cNvPr id="2" name="Title 1"/>
+          <p:cNvSpPr>
+            <a:spLocks noGrp="1"/>
+          </p:cNvSpPr>
+          <p:nvPr>
+            <p:ph type="title"/>
+          </p:nvPr>
+        </p:nvSpPr>
+        <p:spPr/>
+        <p:txBody>
+          <a:bodyPr/>
+          <a:lstStyle/>
+          <a:p>
+            <a:r>
+              <a:t>Contact Info</a:t>
+            </a:r>
+          </a:p>
+        </p:txBody>
+      </p:sp>
+      <p:sp>
+        <p:nvSpPr>
+          <p:cNvPr id="3" name="Content Placeholder 2"/>
+          <p:cNvSpPr>
+            <a:spLocks noGrp="1"/>
+          </p:cNvSpPr>
+          <p:nvPr>
+            <p:ph idx="1"/>
+          </p:nvPr>
+        </p:nvSpPr>
+        <p:spPr/>
+        <p:txBody>
+          <a:bodyPr/>
+          <a:lstStyle/>
+          <a:p>
+            <a:pPr marL="0" indent="0">
+              <a:buNone/>
+            </a:pPr>
+            <a:r>
+              <a:t>Genelle Denzin </a:t>
+            </a:r>
+            <a:r>
+              <a:rPr i="1"/>
+              <a:t>(she/hers)</a:t>
+            </a:r>
+          </a:p>
+          <a:p>
+            <a:pPr marL="0" indent="0">
+              <a:buNone/>
+            </a:pPr>
+            <a:r>
+              <a:t>HMIS Data Analyst</a:t>
+            </a:r>
+          </a:p>
+          <a:p>
+            <a:pPr marL="0" indent="0">
+              <a:buNone/>
+            </a:pPr>
+            <a:r>
+              <a:t>Coalition on Homelessness and Housing in Ohio (COHHIO)</a:t>
+            </a:r>
+          </a:p>
+          <a:p>
+            <a:pPr marL="0" indent="0">
+              <a:buNone/>
+            </a:pPr>
+            <a:r>
+              <a:rPr>
+                <a:hlinkClick r:id="rId2"/>
+              </a:rPr>
+              <a:t>genelledenzin@cohhio.org</a:t>
+            </a:r>
+          </a:p>
+          <a:p>
+            <a:pPr marL="0" indent="0">
+              <a:buNone/>
+            </a:pPr>
+            <a:r>
+              <a:t>Twitter: @gh_firefly</a:t>
+            </a:r>
+          </a:p>
+          <a:p>
+            <a:pPr marL="0" indent="0">
+              <a:buNone/>
+            </a:pPr>
+            <a:r>
+              <a:t>GitHub: kiadso</a:t>
+            </a:r>
+          </a:p>
+        </p:txBody>
+      </p:sp>
+    </p:spTree>
+  </p:cSld>
+  <p:clrMapOvr>
+    <a:masterClrMapping/>
+  </p:clrMapOvr>
+</p:sld>
+</file>
+
+<file path=ppt/slides/slide5.xml><?xml version="1.0" encoding="utf-8"?>
+<p:sld xmlns:a="http://schemas.openxmlformats.org/drawingml/2006/main" xmlns:r="http://schemas.openxmlformats.org/officeDocument/2006/relationships" xmlns:p="http://schemas.openxmlformats.org/presentationml/2006/main">
+  <p:cSld>
+    <p:spTree>
+      <p:nvGrpSpPr>
+        <p:cNvPr id="1" name=""/>
+        <p:cNvGrpSpPr/>
+        <p:nvPr/>
+      </p:nvGrpSpPr>
+      <p:grpSpPr>
+        <a:xfrm>
+          <a:off x="0" y="0"/>
+          <a:ext cx="0" cy="0"/>
+          <a:chOff x="0" y="0"/>
+          <a:chExt cx="0" cy="0"/>
+        </a:xfrm>
+      </p:grpSpPr>
+      <p:sp>
+        <p:nvSpPr>
+          <p:cNvPr id="2" name="Title 1"/>
+          <p:cNvSpPr>
+            <a:spLocks noGrp="1"/>
+          </p:cNvSpPr>
+          <p:nvPr>
+            <p:ph type="title"/>
+          </p:nvPr>
+        </p:nvSpPr>
+        <p:spPr/>
+        <p:txBody>
+          <a:bodyPr/>
+          <a:lstStyle/>
+          <a:p>
+            <a:r>
+              <a:t>Workflows for Data Analysts</a:t>
+            </a:r>
+          </a:p>
+        </p:txBody>
+      </p:sp>
+      <p:pic>
+        <p:nvPicPr>
+          <p:cNvPr id="3" name="Picture 1" descr="images/softwares.png"/>
+          <p:cNvPicPr>
+            <a:picLocks noGrp="1" noChangeAspect="1"/>
+          </p:cNvPicPr>
+          <p:nvPr/>
+        </p:nvPicPr>
+        <p:blipFill>
+          <a:blip r:embed="rId3"/>
+          <a:stretch>
+            <a:fillRect/>
+          </a:stretch>
+        </p:blipFill>
+        <p:spPr bwMode="auto">
+          <a:xfrm>
+            <a:off x="2190750" y="1200150"/>
+            <a:ext cx="4762500" cy="3009900"/>
+          </a:xfrm>
+          <a:prstGeom prst="rect">
+            <a:avLst/>
+          </a:prstGeom>
+          <a:noFill/>
+          <a:ln w="9525">
+            <a:noFill/>
+            <a:headEnd/>
+            <a:tailEnd/>
+          </a:ln>
+        </p:spPr>
+      </p:pic>
+      <p:sp>
+        <p:nvSpPr>
+          <p:cNvPr id="4" name="TextBox 3"/>
+          <p:cNvSpPr txBox="1"/>
+          <p:nvPr/>
+        </p:nvSpPr>
+        <p:spPr>
+          <a:xfrm>
+            <a:off x="1485900" y="4210050"/>
+            <a:ext cx="6172200" cy="381000"/>
+          </a:xfrm>
+          <a:prstGeom prst="rect">
+            <a:avLst/>
+          </a:prstGeom>
+          <a:noFill/>
+        </p:spPr>
+        <p:txBody>
+          <a:bodyPr/>
+          <a:lstStyle/>
+          <a:p>
+            <a:pPr algn="ctr"/>
+            <a:r>
+              <a:rPr sz="1350"/>
+              <a:t>What workflows are we using to get from raw data -&gt; visualization?</a:t>
+            </a:r>
+          </a:p>
+        </p:txBody>
+      </p:sp>
+    </p:spTree>
+  </p:cSld>
+  <p:clrMapOvr>
+    <a:masterClrMapping/>
+  </p:clrMapOvr>
+</p:sld>
+</file>
+
+<file path=ppt/slides/slide6.xml><?xml version="1.0" encoding="utf-8"?>
+<p:sld xmlns:a="http://schemas.openxmlformats.org/drawingml/2006/main" xmlns:r="http://schemas.openxmlformats.org/officeDocument/2006/relationships" xmlns:p="http://schemas.openxmlformats.org/presentationml/2006/main">
+  <p:cSld>
+    <p:spTree>
+      <p:nvGrpSpPr>
+        <p:cNvPr id="1" name=""/>
+        <p:cNvGrpSpPr/>
+        <p:nvPr/>
+      </p:nvGrpSpPr>
+      <p:grpSpPr>
+        <a:xfrm>
+          <a:off x="0" y="0"/>
+          <a:ext cx="0" cy="0"/>
+          <a:chOff x="0" y="0"/>
+          <a:chExt cx="0" cy="0"/>
+        </a:xfrm>
+      </p:grpSpPr>
+      <p:sp>
+        <p:nvSpPr>
+          <p:cNvPr id="2" name="Title 1"/>
+          <p:cNvSpPr>
+            <a:spLocks noGrp="1"/>
+          </p:cNvSpPr>
+          <p:nvPr>
+            <p:ph type="title"/>
+          </p:nvPr>
+        </p:nvSpPr>
+        <p:spPr/>
+        <p:txBody>
+          <a:bodyPr/>
+          <a:lstStyle/>
+          <a:p>
+            <a:r>
+              <a:t>Our workflows are important</a:t>
+            </a:r>
+          </a:p>
+        </p:txBody>
+      </p:sp>
+      <p:pic>
+        <p:nvPicPr>
+          <p:cNvPr id="3" name="Picture 1" descr="images/grounded2.png"/>
+          <p:cNvPicPr>
+            <a:picLocks noGrp="1" noChangeAspect="1"/>
+          </p:cNvPicPr>
+          <p:nvPr/>
+        </p:nvPicPr>
+        <p:blipFill>
+          <a:blip r:embed="rId2"/>
+          <a:stretch>
+            <a:fillRect/>
+          </a:stretch>
+        </p:blipFill>
+        <p:spPr bwMode="auto">
+          <a:xfrm>
+            <a:off x="2314575" y="1200150"/>
+            <a:ext cx="4514850" cy="3009900"/>
+          </a:xfrm>
+          <a:prstGeom prst="rect">
+            <a:avLst/>
+          </a:prstGeom>
+          <a:noFill/>
+          <a:ln w="9525">
+            <a:noFill/>
+            <a:headEnd/>
+            <a:tailEnd/>
+          </a:ln>
+        </p:spPr>
+      </p:pic>
+      <p:sp>
+        <p:nvSpPr>
+          <p:cNvPr id="4" name="TextBox 3"/>
+          <p:cNvSpPr txBox="1"/>
+          <p:nvPr/>
+        </p:nvSpPr>
+        <p:spPr>
+          <a:xfrm>
+            <a:off x="1485900" y="4210050"/>
+            <a:ext cx="6172200" cy="381000"/>
+          </a:xfrm>
+          <a:prstGeom prst="rect">
+            <a:avLst/>
+          </a:prstGeom>
+          <a:noFill/>
+        </p:spPr>
+        <p:txBody>
+          <a:bodyPr/>
+          <a:lstStyle/>
+          <a:p>
+            <a:pPr algn="ctr"/>
+            <a:r>
+              <a:rPr sz="1350"/>
+              <a:t>Stay grounded</a:t>
+            </a:r>
+          </a:p>
+        </p:txBody>
+      </p:sp>
+    </p:spTree>
+  </p:cSld>
+  <p:clrMapOvr>
+    <a:masterClrMapping/>
+  </p:clrMapOvr>
+</p:sld>
+</file>
+
+<file path=ppt/slides/slide7.xml><?xml version="1.0" encoding="utf-8"?>
+<p:sld xmlns:a="http://schemas.openxmlformats.org/drawingml/2006/main" xmlns:r="http://schemas.openxmlformats.org/officeDocument/2006/relationships" xmlns:p="http://schemas.openxmlformats.org/presentationml/2006/main">
+  <p:cSld>
+    <p:spTree>
+      <p:nvGrpSpPr>
+        <p:cNvPr id="1" name=""/>
+        <p:cNvGrpSpPr/>
+        <p:nvPr/>
+      </p:nvGrpSpPr>
+      <p:grpSpPr>
+        <a:xfrm>
+          <a:off x="0" y="0"/>
+          <a:ext cx="0" cy="0"/>
+          <a:chOff x="0" y="0"/>
+          <a:chExt cx="0" cy="0"/>
+        </a:xfrm>
+      </p:grpSpPr>
+      <p:sp>
+        <p:nvSpPr>
+          <p:cNvPr id="2" name="Title 1"/>
+          <p:cNvSpPr>
+            <a:spLocks noGrp="1"/>
+          </p:cNvSpPr>
+          <p:nvPr>
+            <p:ph type="title"/>
+          </p:nvPr>
+        </p:nvSpPr>
+        <p:spPr/>
+        <p:txBody>
+          <a:bodyPr/>
+          <a:lstStyle/>
+          <a:p>
+            <a:r>
+              <a:t>An Example</a:t>
+            </a:r>
+          </a:p>
+        </p:txBody>
+      </p:sp>
+      <p:sp>
+        <p:nvSpPr>
+          <p:cNvPr id="3" name="Content Placeholder 2"/>
+          <p:cNvSpPr>
+            <a:spLocks noGrp="1"/>
+          </p:cNvSpPr>
+          <p:nvPr>
+            <p:ph idx="1"/>
+          </p:nvPr>
+        </p:nvSpPr>
+        <p:spPr/>
+        <p:txBody>
+          <a:bodyPr/>
+          <a:lstStyle/>
+          <a:p>
+            <a:pPr marL="0" indent="0">
+              <a:buNone/>
+            </a:pPr>
+            <a:r>
+              <a:t>Analysis on how many DV survivors were served in our CoC’s projects during 2018. My theoretical year-ago workflow:</a:t>
+            </a:r>
+          </a:p>
+          <a:p>
+            <a:pPr lvl="1">
+              <a:buAutoNum type="arabicPeriod"/>
+            </a:pPr>
+            <a:r>
+              <a:t>Create custom report named “DV Analysis 2018” in HMIS, export to Excel, name it “Domestic Violence 2018”</a:t>
+            </a:r>
+          </a:p>
+          <a:p>
+            <a:pPr lvl="1">
+              <a:buAutoNum type="arabicPeriod"/>
+            </a:pPr>
+            <a:r>
+              <a:t>Rename columns, remove last row</a:t>
+            </a:r>
+          </a:p>
+          <a:p>
+            <a:pPr lvl="1">
+              <a:buAutoNum type="arabicPeriod"/>
+            </a:pPr>
+            <a:r>
+              <a:t>Import into visualization software</a:t>
+            </a:r>
+          </a:p>
+          <a:p>
+            <a:pPr lvl="1">
+              <a:buAutoNum type="arabicPeriod"/>
+            </a:pPr>
+            <a:r>
+              <a:t>Create visualization with the results</a:t>
+            </a:r>
+          </a:p>
+        </p:txBody>
+      </p:sp>
+    </p:spTree>
+  </p:cSld>
+  <p:clrMapOvr>
+    <a:masterClrMapping/>
+  </p:clrMapOvr>
+</p:sld>
+</file>
+
+<file path=ppt/slides/slide8.xml><?xml version="1.0" encoding="utf-8"?>
+<p:sld xmlns:a="http://schemas.openxmlformats.org/drawingml/2006/main" xmlns:r="http://schemas.openxmlformats.org/officeDocument/2006/relationships" xmlns:p="http://schemas.openxmlformats.org/presentationml/2006/main">
+  <p:cSld>
+    <p:spTree>
+      <p:nvGrpSpPr>
+        <p:cNvPr id="1" name=""/>
+        <p:cNvGrpSpPr/>
+        <p:nvPr/>
+      </p:nvGrpSpPr>
+      <p:grpSpPr>
+        <a:xfrm>
+          <a:off x="0" y="0"/>
+          <a:ext cx="0" cy="0"/>
+          <a:chOff x="0" y="0"/>
+          <a:chExt cx="0" cy="0"/>
+        </a:xfrm>
+      </p:grpSpPr>
+      <p:sp>
+        <p:nvSpPr>
+          <p:cNvPr id="2" name="Title 1"/>
+          <p:cNvSpPr>
+            <a:spLocks noGrp="1"/>
+          </p:cNvSpPr>
+          <p:nvPr>
+            <p:ph type="title"/>
+          </p:nvPr>
+        </p:nvSpPr>
+        <p:spPr/>
+        <p:txBody>
+          <a:bodyPr/>
+          <a:lstStyle/>
+          <a:p>
+            <a:r>
+              <a:t>The Problem(s)</a:t>
+            </a:r>
+          </a:p>
+        </p:txBody>
+      </p:sp>
+      <p:sp>
+        <p:nvSpPr>
+          <p:cNvPr id="3" name="Content Placeholder 2"/>
+          <p:cNvSpPr>
+            <a:spLocks noGrp="1"/>
+          </p:cNvSpPr>
+          <p:nvPr>
+            <p:ph idx="1"/>
+          </p:nvPr>
+        </p:nvSpPr>
+        <p:spPr/>
+        <p:txBody>
+          <a:bodyPr/>
+          <a:lstStyle/>
+          <a:p>
+            <a:pPr lvl="1"/>
+            <a:r>
+              <a:t>Will Future You be able to work back from the visualization to the raw data?</a:t>
+            </a:r>
+          </a:p>
+          <a:p>
+            <a:pPr lvl="1"/>
+            <a:r>
+              <a:t>If the results of your analysis are questioned, can you explain your results without stress or difficulty?</a:t>
+            </a:r>
+          </a:p>
+          <a:p>
+            <a:pPr lvl="1"/>
+            <a:r>
+              <a:t>A well-meaning co-worker repurposes your custom report in HMIS called “DV Analysis 2018”, renames it “DV Analysis 2019”, and modifies the logic. Could you recreate it?</a:t>
+            </a:r>
+          </a:p>
+        </p:txBody>
+      </p:sp>
+    </p:spTree>
+  </p:cSld>
+  <p:clrMapOvr>
+    <a:masterClrMapping/>
+  </p:clrMapOvr>
+</p:sld>
+</file>
+
+<file path=ppt/slides/slide9.xml><?xml version="1.0" encoding="utf-8"?>
+<p:sld xmlns:a="http://schemas.openxmlformats.org/drawingml/2006/main" xmlns:r="http://schemas.openxmlformats.org/officeDocument/2006/relationships" xmlns:p="http://schemas.openxmlformats.org/presentationml/2006/main">
+  <p:cSld>
+    <p:spTree>
+      <p:nvGrpSpPr>
+        <p:cNvPr id="1" name=""/>
+        <p:cNvGrpSpPr/>
+        <p:nvPr/>
+      </p:nvGrpSpPr>
+      <p:grpSpPr>
+        <a:xfrm>
+          <a:off x="0" y="0"/>
+          <a:ext cx="0" cy="0"/>
+          <a:chOff x="0" y="0"/>
+          <a:chExt cx="0" cy="0"/>
+        </a:xfrm>
+      </p:grpSpPr>
+      <p:sp>
+        <p:nvSpPr>
+          <p:cNvPr id="2" name="Title 1"/>
+          <p:cNvSpPr>
+            <a:spLocks noGrp="1"/>
+          </p:cNvSpPr>
+          <p:nvPr>
+            <p:ph type="title"/>
+          </p:nvPr>
+        </p:nvSpPr>
+        <p:spPr/>
+        <p:txBody>
+          <a:bodyPr/>
+          <a:lstStyle/>
+          <a:p>
+            <a:r>
+              <a:t>What is Reproducibility?</a:t>
+            </a:r>
+          </a:p>
+        </p:txBody>
+      </p:sp>
+      <p:pic>
+        <p:nvPicPr>
+          <p:cNvPr id="3" name="Picture 1" descr="images/reproducibility.png"/>
+          <p:cNvPicPr>
+            <a:picLocks noGrp="1" noChangeAspect="1"/>
+          </p:cNvPicPr>
+          <p:nvPr/>
+        </p:nvPicPr>
+        <p:blipFill>
+          <a:blip r:embed="rId3"/>
+          <a:stretch>
+            <a:fillRect/>
+          </a:stretch>
+        </p:blipFill>
+        <p:spPr bwMode="auto">
+          <a:xfrm>
+            <a:off x="1485900" y="1485900"/>
+            <a:ext cx="6172200" cy="2438400"/>
+          </a:xfrm>
+          <a:prstGeom prst="rect">
+            <a:avLst/>
+          </a:prstGeom>
+          <a:noFill/>
+          <a:ln w="9525">
+            <a:noFill/>
+            <a:headEnd/>
+            <a:tailEnd/>
+          </a:ln>
+        </p:spPr>
+      </p:pic>
+      <p:sp>
+        <p:nvSpPr>
+          <p:cNvPr id="4" name="TextBox 3"/>
+          <p:cNvSpPr txBox="1"/>
+          <p:nvPr/>
+        </p:nvSpPr>
+        <p:spPr>
+          <a:xfrm>
+            <a:off x="1485900" y="4210050"/>
+            <a:ext cx="6172200" cy="381000"/>
+          </a:xfrm>
+          <a:prstGeom prst="rect">
+            <a:avLst/>
+          </a:prstGeom>
+          <a:noFill/>
+        </p:spPr>
+        <p:txBody>
+          <a:bodyPr/>
+          <a:lstStyle/>
+          <a:p>
+            <a:pPr algn="ctr"/>
+            <a:r>
+              <a:rPr sz="1350"/>
+              <a:t>We cannot get to 100% as HMIS Data Analysts but we can make progress.</a:t>
+            </a:r>
+          </a:p>
+        </p:txBody>
+      </p:sp>
+    </p:spTree>
   </p:cSld>
   <p:clrMapOvr>
     <a:masterClrMapping/>
@@ -3062,15 +8720,6 @@
 </file>
 
 <file path=customXml/item1.xml><?xml version="1.0" encoding="utf-8"?>
-<p:properties xmlns:p="http://schemas.microsoft.com/office/2006/metadata/properties" xmlns:xsi="http://www.w3.org/2001/XMLSchema-instance" xmlns:pc="http://schemas.microsoft.com/office/infopath/2007/PartnerControls">
-  <documentManagement>
-    <_Version xmlns="http://schemas.microsoft.com/sharepoint/v3/fields" xsi:nil="true"/>
-    <_Status xmlns="http://schemas.microsoft.com/sharepoint/v3/fields">Not Started</_Status>
-  </documentManagement>
-</p:properties>
-</file>
-
-<file path=customXml/item2.xml><?xml version="1.0" encoding="utf-8"?>
 <ct:contentTypeSchema xmlns:ct="http://schemas.microsoft.com/office/2006/metadata/contentType" xmlns:ma="http://schemas.microsoft.com/office/2006/metadata/properties/metaAttributes" ct:_="" ma:_="" ma:contentTypeName="Document" ma:contentTypeID="0x0101000DE64AEEDD9B7A4D93545ACBE97D4615" ma:contentTypeVersion="2" ma:contentTypeDescription="Create a new document." ma:contentTypeScope="" ma:versionID="f49002b78e3a4a71b814eef46a983816">
   <xsd:schema xmlns:xsd="http://www.w3.org/2001/XMLSchema" xmlns:xs="http://www.w3.org/2001/XMLSchema" xmlns:p="http://schemas.microsoft.com/office/2006/metadata/properties" xmlns:ns2="http://schemas.microsoft.com/sharepoint/v3/fields" targetNamespace="http://schemas.microsoft.com/office/2006/metadata/properties" ma:root="true" ma:fieldsID="38f6db2dd0d9a0cf6a8dc37be32b365b" ns2:_="">
     <xsd:import namespace="http://schemas.microsoft.com/sharepoint/v3/fields"/>
@@ -3214,7 +8863,7 @@
 </ct:contentTypeSchema>
 </file>
 
-<file path=customXml/item3.xml><?xml version="1.0" encoding="utf-8"?>
+<file path=customXml/item2.xml><?xml version="1.0" encoding="utf-8"?>
 <?mso-contentType ?>
 <FormTemplates xmlns="http://schemas.microsoft.com/sharepoint/v3/contenttype/forms">
   <Display>DocumentLibraryForm</Display>
@@ -3223,17 +8872,16 @@
 </FormTemplates>
 </file>
 
-<file path=customXml/itemProps1.xml><?xml version="1.0" encoding="utf-8"?>
-<ds:datastoreItem xmlns:ds="http://schemas.openxmlformats.org/officeDocument/2006/customXml" ds:itemID="{7B6F2769-7194-4217-93D3-3AF3A4742282}">
-  <ds:schemaRefs>
-    <ds:schemaRef ds:uri="http://schemas.microsoft.com/office/2006/metadata/properties"/>
-    <ds:schemaRef ds:uri="http://schemas.microsoft.com/office/infopath/2007/PartnerControls"/>
-    <ds:schemaRef ds:uri="http://schemas.microsoft.com/sharepoint/v3/fields"/>
-  </ds:schemaRefs>
-</ds:datastoreItem>
+<file path=customXml/item3.xml><?xml version="1.0" encoding="utf-8"?>
+<p:properties xmlns:p="http://schemas.microsoft.com/office/2006/metadata/properties" xmlns:xsi="http://www.w3.org/2001/XMLSchema-instance" xmlns:pc="http://schemas.microsoft.com/office/infopath/2007/PartnerControls">
+  <documentManagement>
+    <_Version xmlns="http://schemas.microsoft.com/sharepoint/v3/fields" xsi:nil="true"/>
+    <_Status xmlns="http://schemas.microsoft.com/sharepoint/v3/fields">Not Started</_Status>
+  </documentManagement>
+</p:properties>
 </file>
 
-<file path=customXml/itemProps2.xml><?xml version="1.0" encoding="utf-8"?>
+<file path=customXml/itemProps1.xml><?xml version="1.0" encoding="utf-8"?>
 <ds:datastoreItem xmlns:ds="http://schemas.openxmlformats.org/officeDocument/2006/customXml" ds:itemID="{E4214858-785C-42F7-BE66-6D0E79395FC8}">
   <ds:schemaRefs>
     <ds:schemaRef ds:uri="http://schemas.microsoft.com/office/2006/metadata/contentType"/>
@@ -3251,10 +8899,20 @@
 </ds:datastoreItem>
 </file>
 
-<file path=customXml/itemProps3.xml><?xml version="1.0" encoding="utf-8"?>
+<file path=customXml/itemProps2.xml><?xml version="1.0" encoding="utf-8"?>
 <ds:datastoreItem xmlns:ds="http://schemas.openxmlformats.org/officeDocument/2006/customXml" ds:itemID="{87D2A1B0-FF3E-4009-940D-AED0EB70AA20}">
   <ds:schemaRefs>
     <ds:schemaRef ds:uri="http://schemas.microsoft.com/sharepoint/v3/contenttype/forms"/>
   </ds:schemaRefs>
 </ds:datastoreItem>
+</file>
+
+<file path=customXml/itemProps3.xml><?xml version="1.0" encoding="utf-8"?>
+<ds:datastoreItem xmlns:ds="http://schemas.openxmlformats.org/officeDocument/2006/customXml" ds:itemID="{7B6F2769-7194-4217-93D3-3AF3A4742282}">
+  <ds:schemaRefs>
+    <ds:schemaRef ds:uri="http://schemas.microsoft.com/office/2006/metadata/properties"/>
+    <ds:schemaRef ds:uri="http://schemas.microsoft.com/office/infopath/2007/PartnerControls"/>
+    <ds:schemaRef ds:uri="http://schemas.microsoft.com/sharepoint/v3/fields"/>
+  </ds:schemaRefs>
+</ds:datastoreItem>
 </file>
--- a/nhsdc_reference.pptx
+++ b/nhsdc_reference.pptx
@@ -5,10 +5,10 @@
     <p:sldMasterId id="2147493455" r:id="rId4"/>
   </p:sldMasterIdLst>
   <p:notesMasterIdLst>
-    <p:notesMasterId r:id="rId53"/>
+    <p:notesMasterId r:id="rId76"/>
   </p:notesMasterIdLst>
   <p:handoutMasterIdLst>
-    <p:handoutMasterId r:id="rId54"/>
+    <p:handoutMasterId r:id="rId77"/>
   </p:handoutMasterIdLst>
   <p:sldIdLst>
     <p:sldId id="256" r:id="rId5"/>
@@ -59,6 +59,29 @@
     <p:sldId id="301" r:id="rId50"/>
     <p:sldId id="302" r:id="rId51"/>
     <p:sldId id="303" r:id="rId52"/>
+    <p:sldId id="304" r:id="rId53"/>
+    <p:sldId id="305" r:id="rId54"/>
+    <p:sldId id="306" r:id="rId55"/>
+    <p:sldId id="307" r:id="rId56"/>
+    <p:sldId id="308" r:id="rId57"/>
+    <p:sldId id="309" r:id="rId58"/>
+    <p:sldId id="310" r:id="rId59"/>
+    <p:sldId id="311" r:id="rId60"/>
+    <p:sldId id="312" r:id="rId61"/>
+    <p:sldId id="313" r:id="rId62"/>
+    <p:sldId id="314" r:id="rId63"/>
+    <p:sldId id="315" r:id="rId64"/>
+    <p:sldId id="316" r:id="rId65"/>
+    <p:sldId id="317" r:id="rId66"/>
+    <p:sldId id="318" r:id="rId67"/>
+    <p:sldId id="319" r:id="rId68"/>
+    <p:sldId id="320" r:id="rId69"/>
+    <p:sldId id="321" r:id="rId70"/>
+    <p:sldId id="322" r:id="rId71"/>
+    <p:sldId id="323" r:id="rId72"/>
+    <p:sldId id="324" r:id="rId73"/>
+    <p:sldId id="325" r:id="rId74"/>
+    <p:sldId id="326" r:id="rId75"/>
   </p:sldIdLst>
   <p:sldSz cx="9144000" cy="5143500" type="screen16x9"/>
   <p:notesSz cx="6858000" cy="9144000"/>
@@ -1029,6 +1052,524 @@
             <a:fld id="{18BDFEC3-8487-43E8-A154-7C12CBC1FFF2}" type="slidenum">
               <a:rPr lang="en-US"/>
               <a:t>42</a:t>
+            </a:fld>
+            <a:endParaRPr lang="en-US"/>
+          </a:p>
+        </p:txBody>
+      </p:sp>
+    </p:spTree>
+  </p:cSld>
+  <p:clrMapOvr>
+    <a:masterClrMapping/>
+  </p:clrMapOvr>
+</p:notes>
+</file>
+
+<file path=ppt/notesSlides/notesSlide13.xml><?xml version="1.0" encoding="utf-8"?>
+<p:notes xmlns:a="http://schemas.openxmlformats.org/drawingml/2006/main" xmlns:r="http://schemas.openxmlformats.org/officeDocument/2006/relationships" xmlns:p="http://schemas.openxmlformats.org/presentationml/2006/main">
+  <p:cSld>
+    <p:spTree>
+      <p:nvGrpSpPr>
+        <p:cNvPr id="1" name=""/>
+        <p:cNvGrpSpPr/>
+        <p:nvPr/>
+      </p:nvGrpSpPr>
+      <p:grpSpPr>
+        <a:xfrm>
+          <a:off x="0" y="0"/>
+          <a:ext cx="0" cy="0"/>
+          <a:chOff x="0" y="0"/>
+          <a:chExt cx="0" cy="0"/>
+        </a:xfrm>
+      </p:grpSpPr>
+      <p:sp>
+        <p:nvSpPr>
+          <p:cNvPr id="2" name="Slide Image Placeholder 1"/>
+          <p:cNvSpPr>
+            <a:spLocks noGrp="1" noRot="1" noChangeAspect="1"/>
+          </p:cNvSpPr>
+          <p:nvPr>
+            <p:ph type="sldImg"/>
+          </p:nvPr>
+        </p:nvSpPr>
+        <p:spPr/>
+      </p:sp>
+      <p:sp>
+        <p:nvSpPr>
+          <p:cNvPr id="3" name="Notes Placeholder 2"/>
+          <p:cNvSpPr>
+            <a:spLocks noGrp="1"/>
+          </p:cNvSpPr>
+          <p:nvPr>
+            <p:ph type="body" idx="1"/>
+          </p:nvPr>
+        </p:nvSpPr>
+        <p:spPr/>
+        <p:txBody>
+          <a:bodyPr/>
+          <a:lstStyle/>
+          <a:p>
+            <a:pPr marL="0" lvl="0" indent="0">
+              <a:buNone/>
+            </a:pPr>
+            <a:r>
+              <a:t>raw data = unfiltered unformatted data straight from your HMIS that you (the data analyst) cannot alter from within the system.</a:t>
+            </a:r>
+          </a:p>
+        </p:txBody>
+      </p:sp>
+      <p:sp>
+        <p:nvSpPr>
+          <p:cNvPr id="4" name="Slide Number Placeholder 3"/>
+          <p:cNvSpPr>
+            <a:spLocks noGrp="1"/>
+          </p:cNvSpPr>
+          <p:nvPr>
+            <p:ph type="sldNum" sz="quarter" idx="10"/>
+          </p:nvPr>
+        </p:nvSpPr>
+        <p:spPr/>
+        <p:txBody>
+          <a:bodyPr/>
+          <a:lstStyle/>
+          <a:p>
+            <a:fld id="{18BDFEC3-8487-43E8-A154-7C12CBC1FFF2}" type="slidenum">
+              <a:rPr lang="en-US"/>
+              <a:t>52</a:t>
+            </a:fld>
+            <a:endParaRPr lang="en-US"/>
+          </a:p>
+        </p:txBody>
+      </p:sp>
+    </p:spTree>
+  </p:cSld>
+  <p:clrMapOvr>
+    <a:masterClrMapping/>
+  </p:clrMapOvr>
+</p:notes>
+</file>
+
+<file path=ppt/notesSlides/notesSlide14.xml><?xml version="1.0" encoding="utf-8"?>
+<p:notes xmlns:a="http://schemas.openxmlformats.org/drawingml/2006/main" xmlns:r="http://schemas.openxmlformats.org/officeDocument/2006/relationships" xmlns:p="http://schemas.openxmlformats.org/presentationml/2006/main">
+  <p:cSld>
+    <p:spTree>
+      <p:nvGrpSpPr>
+        <p:cNvPr id="1" name=""/>
+        <p:cNvGrpSpPr/>
+        <p:nvPr/>
+      </p:nvGrpSpPr>
+      <p:grpSpPr>
+        <a:xfrm>
+          <a:off x="0" y="0"/>
+          <a:ext cx="0" cy="0"/>
+          <a:chOff x="0" y="0"/>
+          <a:chExt cx="0" cy="0"/>
+        </a:xfrm>
+      </p:grpSpPr>
+      <p:sp>
+        <p:nvSpPr>
+          <p:cNvPr id="2" name="Slide Image Placeholder 1"/>
+          <p:cNvSpPr>
+            <a:spLocks noGrp="1" noRot="1" noChangeAspect="1"/>
+          </p:cNvSpPr>
+          <p:nvPr>
+            <p:ph type="sldImg"/>
+          </p:nvPr>
+        </p:nvSpPr>
+        <p:spPr/>
+      </p:sp>
+      <p:sp>
+        <p:nvSpPr>
+          <p:cNvPr id="3" name="Notes Placeholder 2"/>
+          <p:cNvSpPr>
+            <a:spLocks noGrp="1"/>
+          </p:cNvSpPr>
+          <p:nvPr>
+            <p:ph type="body" idx="1"/>
+          </p:nvPr>
+        </p:nvSpPr>
+        <p:spPr/>
+        <p:txBody>
+          <a:bodyPr/>
+          <a:lstStyle/>
+          <a:p>
+            <a:pPr marL="0" lvl="0" indent="0">
+              <a:buNone/>
+            </a:pPr>
+            <a:r>
+              <a:t>talk about it in general, we can’t get to 100% go through the four icons version control: Word -&gt; Track Changes, Google docs -&gt; versioning, git -&gt; steep learning curve but worth it</a:t>
+            </a:r>
+          </a:p>
+        </p:txBody>
+      </p:sp>
+      <p:sp>
+        <p:nvSpPr>
+          <p:cNvPr id="4" name="Slide Number Placeholder 3"/>
+          <p:cNvSpPr>
+            <a:spLocks noGrp="1"/>
+          </p:cNvSpPr>
+          <p:nvPr>
+            <p:ph type="sldNum" sz="quarter" idx="10"/>
+          </p:nvPr>
+        </p:nvSpPr>
+        <p:spPr/>
+        <p:txBody>
+          <a:bodyPr/>
+          <a:lstStyle/>
+          <a:p>
+            <a:fld id="{18BDFEC3-8487-43E8-A154-7C12CBC1FFF2}" type="slidenum">
+              <a:rPr lang="en-US"/>
+              <a:t>56</a:t>
+            </a:fld>
+            <a:endParaRPr lang="en-US"/>
+          </a:p>
+        </p:txBody>
+      </p:sp>
+    </p:spTree>
+  </p:cSld>
+  <p:clrMapOvr>
+    <a:masterClrMapping/>
+  </p:clrMapOvr>
+</p:notes>
+</file>
+
+<file path=ppt/notesSlides/notesSlide15.xml><?xml version="1.0" encoding="utf-8"?>
+<p:notes xmlns:a="http://schemas.openxmlformats.org/drawingml/2006/main" xmlns:r="http://schemas.openxmlformats.org/officeDocument/2006/relationships" xmlns:p="http://schemas.openxmlformats.org/presentationml/2006/main">
+  <p:cSld>
+    <p:spTree>
+      <p:nvGrpSpPr>
+        <p:cNvPr id="1" name=""/>
+        <p:cNvGrpSpPr/>
+        <p:nvPr/>
+      </p:nvGrpSpPr>
+      <p:grpSpPr>
+        <a:xfrm>
+          <a:off x="0" y="0"/>
+          <a:ext cx="0" cy="0"/>
+          <a:chOff x="0" y="0"/>
+          <a:chExt cx="0" cy="0"/>
+        </a:xfrm>
+      </p:grpSpPr>
+      <p:sp>
+        <p:nvSpPr>
+          <p:cNvPr id="2" name="Slide Image Placeholder 1"/>
+          <p:cNvSpPr>
+            <a:spLocks noGrp="1" noRot="1" noChangeAspect="1"/>
+          </p:cNvSpPr>
+          <p:nvPr>
+            <p:ph type="sldImg"/>
+          </p:nvPr>
+        </p:nvSpPr>
+        <p:spPr/>
+      </p:sp>
+      <p:sp>
+        <p:nvSpPr>
+          <p:cNvPr id="3" name="Notes Placeholder 2"/>
+          <p:cNvSpPr>
+            <a:spLocks noGrp="1"/>
+          </p:cNvSpPr>
+          <p:nvPr>
+            <p:ph type="body" idx="1"/>
+          </p:nvPr>
+        </p:nvSpPr>
+        <p:spPr/>
+        <p:txBody>
+          <a:bodyPr/>
+          <a:lstStyle/>
+          <a:p>
+            <a:pPr marL="0" lvl="0" indent="0">
+              <a:buNone/>
+            </a:pPr>
+            <a:r>
+              <a:t>The HUD CSV Export specs are great documentation of your data source. Also you can’t edit the export from within HMIS (also good!).</a:t>
+            </a:r>
+          </a:p>
+        </p:txBody>
+      </p:sp>
+      <p:sp>
+        <p:nvSpPr>
+          <p:cNvPr id="4" name="Slide Number Placeholder 3"/>
+          <p:cNvSpPr>
+            <a:spLocks noGrp="1"/>
+          </p:cNvSpPr>
+          <p:nvPr>
+            <p:ph type="sldNum" sz="quarter" idx="10"/>
+          </p:nvPr>
+        </p:nvSpPr>
+        <p:spPr/>
+        <p:txBody>
+          <a:bodyPr/>
+          <a:lstStyle/>
+          <a:p>
+            <a:fld id="{18BDFEC3-8487-43E8-A154-7C12CBC1FFF2}" type="slidenum">
+              <a:rPr lang="en-US"/>
+              <a:t>57</a:t>
+            </a:fld>
+            <a:endParaRPr lang="en-US"/>
+          </a:p>
+        </p:txBody>
+      </p:sp>
+    </p:spTree>
+  </p:cSld>
+  <p:clrMapOvr>
+    <a:masterClrMapping/>
+  </p:clrMapOvr>
+</p:notes>
+</file>
+
+<file path=ppt/notesSlides/notesSlide16.xml><?xml version="1.0" encoding="utf-8"?>
+<p:notes xmlns:a="http://schemas.openxmlformats.org/drawingml/2006/main" xmlns:r="http://schemas.openxmlformats.org/officeDocument/2006/relationships" xmlns:p="http://schemas.openxmlformats.org/presentationml/2006/main">
+  <p:cSld>
+    <p:spTree>
+      <p:nvGrpSpPr>
+        <p:cNvPr id="1" name=""/>
+        <p:cNvGrpSpPr/>
+        <p:nvPr/>
+      </p:nvGrpSpPr>
+      <p:grpSpPr>
+        <a:xfrm>
+          <a:off x="0" y="0"/>
+          <a:ext cx="0" cy="0"/>
+          <a:chOff x="0" y="0"/>
+          <a:chExt cx="0" cy="0"/>
+        </a:xfrm>
+      </p:grpSpPr>
+      <p:sp>
+        <p:nvSpPr>
+          <p:cNvPr id="2" name="Slide Image Placeholder 1"/>
+          <p:cNvSpPr>
+            <a:spLocks noGrp="1" noRot="1" noChangeAspect="1"/>
+          </p:cNvSpPr>
+          <p:nvPr>
+            <p:ph type="sldImg"/>
+          </p:nvPr>
+        </p:nvSpPr>
+        <p:spPr/>
+      </p:sp>
+      <p:sp>
+        <p:nvSpPr>
+          <p:cNvPr id="3" name="Notes Placeholder 2"/>
+          <p:cNvSpPr>
+            <a:spLocks noGrp="1"/>
+          </p:cNvSpPr>
+          <p:nvPr>
+            <p:ph type="body" idx="1"/>
+          </p:nvPr>
+        </p:nvSpPr>
+        <p:spPr/>
+        <p:txBody>
+          <a:bodyPr/>
+          <a:lstStyle/>
+          <a:p>
+            <a:pPr marL="0" lvl="0" indent="0">
+              <a:buNone/>
+            </a:pPr>
+            <a:r>
+              <a:t>should be about 15 minutes. the plan is to open a fresh .Rmd file in R Studio, point out the structure of it, run it, make some quick edits to make it look better, rerun to see changes.</a:t>
+            </a:r>
+          </a:p>
+        </p:txBody>
+      </p:sp>
+      <p:sp>
+        <p:nvSpPr>
+          <p:cNvPr id="4" name="Slide Number Placeholder 3"/>
+          <p:cNvSpPr>
+            <a:spLocks noGrp="1"/>
+          </p:cNvSpPr>
+          <p:nvPr>
+            <p:ph type="sldNum" sz="quarter" idx="10"/>
+          </p:nvPr>
+        </p:nvSpPr>
+        <p:spPr/>
+        <p:txBody>
+          <a:bodyPr/>
+          <a:lstStyle/>
+          <a:p>
+            <a:fld id="{18BDFEC3-8487-43E8-A154-7C12CBC1FFF2}" type="slidenum">
+              <a:rPr lang="en-US"/>
+              <a:t>63</a:t>
+            </a:fld>
+            <a:endParaRPr lang="en-US"/>
+          </a:p>
+        </p:txBody>
+      </p:sp>
+    </p:spTree>
+  </p:cSld>
+  <p:clrMapOvr>
+    <a:masterClrMapping/>
+  </p:clrMapOvr>
+</p:notes>
+</file>
+
+<file path=ppt/notesSlides/notesSlide17.xml><?xml version="1.0" encoding="utf-8"?>
+<p:notes xmlns:a="http://schemas.openxmlformats.org/drawingml/2006/main" xmlns:r="http://schemas.openxmlformats.org/officeDocument/2006/relationships" xmlns:p="http://schemas.openxmlformats.org/presentationml/2006/main">
+  <p:cSld>
+    <p:spTree>
+      <p:nvGrpSpPr>
+        <p:cNvPr id="1" name=""/>
+        <p:cNvGrpSpPr/>
+        <p:nvPr/>
+      </p:nvGrpSpPr>
+      <p:grpSpPr>
+        <a:xfrm>
+          <a:off x="0" y="0"/>
+          <a:ext cx="0" cy="0"/>
+          <a:chOff x="0" y="0"/>
+          <a:chExt cx="0" cy="0"/>
+        </a:xfrm>
+      </p:grpSpPr>
+      <p:sp>
+        <p:nvSpPr>
+          <p:cNvPr id="2" name="Slide Image Placeholder 1"/>
+          <p:cNvSpPr>
+            <a:spLocks noGrp="1" noRot="1" noChangeAspect="1"/>
+          </p:cNvSpPr>
+          <p:nvPr>
+            <p:ph type="sldImg"/>
+          </p:nvPr>
+        </p:nvSpPr>
+        <p:spPr/>
+      </p:sp>
+      <p:sp>
+        <p:nvSpPr>
+          <p:cNvPr id="3" name="Notes Placeholder 2"/>
+          <p:cNvSpPr>
+            <a:spLocks noGrp="1"/>
+          </p:cNvSpPr>
+          <p:nvPr>
+            <p:ph type="body" idx="1"/>
+          </p:nvPr>
+        </p:nvSpPr>
+        <p:spPr/>
+        <p:txBody>
+          <a:bodyPr/>
+          <a:lstStyle/>
+          <a:p>
+            <a:pPr marL="0" lvl="0" indent="0">
+              <a:buNone/>
+            </a:pPr>
+            <a:r>
+              <a:t>(We should welcome this kind of interest and be prepared to respond with integrity.)</a:t>
+            </a:r>
+          </a:p>
+        </p:txBody>
+      </p:sp>
+      <p:sp>
+        <p:nvSpPr>
+          <p:cNvPr id="4" name="Slide Number Placeholder 3"/>
+          <p:cNvSpPr>
+            <a:spLocks noGrp="1"/>
+          </p:cNvSpPr>
+          <p:nvPr>
+            <p:ph type="sldNum" sz="quarter" idx="10"/>
+          </p:nvPr>
+        </p:nvSpPr>
+        <p:spPr/>
+        <p:txBody>
+          <a:bodyPr/>
+          <a:lstStyle/>
+          <a:p>
+            <a:fld id="{18BDFEC3-8487-43E8-A154-7C12CBC1FFF2}" type="slidenum">
+              <a:rPr lang="en-US"/>
+              <a:t>64</a:t>
+            </a:fld>
+            <a:endParaRPr lang="en-US"/>
+          </a:p>
+        </p:txBody>
+      </p:sp>
+    </p:spTree>
+  </p:cSld>
+  <p:clrMapOvr>
+    <a:masterClrMapping/>
+  </p:clrMapOvr>
+</p:notes>
+</file>
+
+<file path=ppt/notesSlides/notesSlide18.xml><?xml version="1.0" encoding="utf-8"?>
+<p:notes xmlns:a="http://schemas.openxmlformats.org/drawingml/2006/main" xmlns:r="http://schemas.openxmlformats.org/officeDocument/2006/relationships" xmlns:p="http://schemas.openxmlformats.org/presentationml/2006/main">
+  <p:cSld>
+    <p:spTree>
+      <p:nvGrpSpPr>
+        <p:cNvPr id="1" name=""/>
+        <p:cNvGrpSpPr/>
+        <p:nvPr/>
+      </p:nvGrpSpPr>
+      <p:grpSpPr>
+        <a:xfrm>
+          <a:off x="0" y="0"/>
+          <a:ext cx="0" cy="0"/>
+          <a:chOff x="0" y="0"/>
+          <a:chExt cx="0" cy="0"/>
+        </a:xfrm>
+      </p:grpSpPr>
+      <p:sp>
+        <p:nvSpPr>
+          <p:cNvPr id="2" name="Slide Image Placeholder 1"/>
+          <p:cNvSpPr>
+            <a:spLocks noGrp="1" noRot="1" noChangeAspect="1"/>
+          </p:cNvSpPr>
+          <p:nvPr>
+            <p:ph type="sldImg"/>
+          </p:nvPr>
+        </p:nvSpPr>
+        <p:spPr/>
+      </p:sp>
+      <p:sp>
+        <p:nvSpPr>
+          <p:cNvPr id="3" name="Notes Placeholder 2"/>
+          <p:cNvSpPr>
+            <a:spLocks noGrp="1"/>
+          </p:cNvSpPr>
+          <p:nvPr>
+            <p:ph type="body" idx="1"/>
+          </p:nvPr>
+        </p:nvSpPr>
+        <p:spPr/>
+        <p:txBody>
+          <a:bodyPr/>
+          <a:lstStyle/>
+          <a:p>
+            <a:pPr marL="0" lvl="0" indent="0">
+              <a:buNone/>
+            </a:pPr>
+            <a:r>
+              <a:t>What does a programmer look like? Can programmers ALSO be good at people?</a:t>
+            </a:r>
+          </a:p>
+          <a:p>
+            <a:pPr marL="0" lvl="0" indent="0">
+              <a:buNone/>
+            </a:pPr>
+            <a:endParaRPr/>
+          </a:p>
+          <a:p>
+            <a:pPr marL="0" lvl="0" indent="0">
+              <a:buNone/>
+            </a:pPr>
+            <a:r>
+              <a:t>You are most likely, in SOME way, already programming. It might look different, but all the concepts are there. You know your data. You know how you want to see it.</a:t>
+            </a:r>
+          </a:p>
+        </p:txBody>
+      </p:sp>
+      <p:sp>
+        <p:nvSpPr>
+          <p:cNvPr id="4" name="Slide Number Placeholder 3"/>
+          <p:cNvSpPr>
+            <a:spLocks noGrp="1"/>
+          </p:cNvSpPr>
+          <p:nvPr>
+            <p:ph type="sldNum" sz="quarter" idx="10"/>
+          </p:nvPr>
+        </p:nvSpPr>
+        <p:spPr/>
+        <p:txBody>
+          <a:bodyPr/>
+          <a:lstStyle/>
+          <a:p>
+            <a:fld id="{18BDFEC3-8487-43E8-A154-7C12CBC1FFF2}" type="slidenum">
+              <a:rPr lang="en-US"/>
+              <a:t>65</a:t>
             </a:fld>
             <a:endParaRPr lang="en-US"/>
           </a:p>
@@ -7265,6 +7806,214 @@
 </p:sld>
 </file>
 
+<file path=ppt/slides/slide49.xml><?xml version="1.0" encoding="utf-8"?>
+<p:sld xmlns:a="http://schemas.openxmlformats.org/drawingml/2006/main" xmlns:r="http://schemas.openxmlformats.org/officeDocument/2006/relationships" xmlns:p="http://schemas.openxmlformats.org/presentationml/2006/main">
+  <p:cSld>
+    <p:spTree>
+      <p:nvGrpSpPr>
+        <p:cNvPr id="1" name=""/>
+        <p:cNvGrpSpPr/>
+        <p:nvPr/>
+      </p:nvGrpSpPr>
+      <p:grpSpPr>
+        <a:xfrm>
+          <a:off x="0" y="0"/>
+          <a:ext cx="0" cy="0"/>
+          <a:chOff x="0" y="0"/>
+          <a:chExt cx="0" cy="0"/>
+        </a:xfrm>
+      </p:grpSpPr>
+      <p:sp>
+        <p:nvSpPr>
+          <p:cNvPr id="2" name="Title 1"/>
+          <p:cNvSpPr>
+            <a:spLocks noGrp="1"/>
+          </p:cNvSpPr>
+          <p:nvPr>
+            <p:ph type="ctrTitle"/>
+          </p:nvPr>
+        </p:nvSpPr>
+        <p:spPr>
+          <a:xfrm>
+            <a:off x="1657350" y="1597819"/>
+            <a:ext cx="5829300" cy="1102519"/>
+          </a:xfrm>
+        </p:spPr>
+        <p:txBody>
+          <a:bodyPr/>
+          <a:lstStyle/>
+          <a:p>
+            <a:r>
+              <a:t>Reproducible Workflow and R Markdown</a:t>
+            </a:r>
+          </a:p>
+        </p:txBody>
+      </p:sp>
+      <p:sp>
+        <p:nvSpPr>
+          <p:cNvPr id="3" name="Subtitle 2"/>
+          <p:cNvSpPr>
+            <a:spLocks noGrp="1"/>
+          </p:cNvSpPr>
+          <p:nvPr>
+            <p:ph type="subTitle" idx="1"/>
+          </p:nvPr>
+        </p:nvSpPr>
+        <p:spPr>
+          <a:xfrm>
+            <a:off x="2171700" y="2914650"/>
+            <a:ext cx="4800600" cy="1314450"/>
+          </a:xfrm>
+        </p:spPr>
+        <p:txBody>
+          <a:bodyPr/>
+          <a:lstStyle/>
+          <a:p>
+            <a:r>
+              <a:t>Genelle Denzin, Coalition on Homelessness and Housing in Ohio (COHHIO)</a:t>
+            </a:r>
+            <a:br/>
+            <a:br/>
+            <a:endParaRPr/>
+          </a:p>
+        </p:txBody>
+      </p:sp>
+      <p:sp>
+        <p:nvSpPr>
+          <p:cNvPr id="4" name="Date Placeholder 3"/>
+          <p:cNvSpPr>
+            <a:spLocks noGrp="1"/>
+          </p:cNvSpPr>
+          <p:nvPr>
+            <p:ph type="dt" sz="half" idx="10"/>
+          </p:nvPr>
+        </p:nvSpPr>
+        <p:spPr>
+          <a:xfrm>
+            <a:off x="457200" y="6356350"/>
+            <a:ext cx="2133600" cy="365125"/>
+          </a:xfrm>
+          <a:prstGeom prst="rect">
+            <a:avLst/>
+          </a:prstGeom>
+        </p:spPr>
+        <p:txBody>
+          <a:bodyPr vert="horz" lIns="91440" tIns="45720" rIns="91440" bIns="45720" rtlCol="0" anchor="ctr"/>
+          <a:lstStyle>
+            <a:defPPr>
+              <a:defRPr lang="en-US"/>
+            </a:defPPr>
+            <a:lvl1pPr marL="0" algn="l" defTabSz="457200" rtl="0" eaLnBrk="1" latinLnBrk="0" hangingPunct="1">
+              <a:defRPr sz="1200" kern="1200">
+                <a:solidFill>
+                  <a:schemeClr val="tx1">
+                    <a:tint val="75000"/>
+                  </a:schemeClr>
+                </a:solidFill>
+                <a:latin typeface="+mn-lt"/>
+                <a:ea typeface="+mn-ea"/>
+                <a:cs typeface="+mn-cs"/>
+              </a:defRPr>
+            </a:lvl1pPr>
+            <a:lvl2pPr marL="457200" algn="l" defTabSz="457200" rtl="0" eaLnBrk="1" latinLnBrk="0" hangingPunct="1">
+              <a:defRPr sz="1800" kern="1200">
+                <a:solidFill>
+                  <a:schemeClr val="tx1"/>
+                </a:solidFill>
+                <a:latin typeface="+mn-lt"/>
+                <a:ea typeface="+mn-ea"/>
+                <a:cs typeface="+mn-cs"/>
+              </a:defRPr>
+            </a:lvl2pPr>
+            <a:lvl3pPr marL="914400" algn="l" defTabSz="457200" rtl="0" eaLnBrk="1" latinLnBrk="0" hangingPunct="1">
+              <a:defRPr sz="1800" kern="1200">
+                <a:solidFill>
+                  <a:schemeClr val="tx1"/>
+                </a:solidFill>
+                <a:latin typeface="+mn-lt"/>
+                <a:ea typeface="+mn-ea"/>
+                <a:cs typeface="+mn-cs"/>
+              </a:defRPr>
+            </a:lvl3pPr>
+            <a:lvl4pPr marL="1371600" algn="l" defTabSz="457200" rtl="0" eaLnBrk="1" latinLnBrk="0" hangingPunct="1">
+              <a:defRPr sz="1800" kern="1200">
+                <a:solidFill>
+                  <a:schemeClr val="tx1"/>
+                </a:solidFill>
+                <a:latin typeface="+mn-lt"/>
+                <a:ea typeface="+mn-ea"/>
+                <a:cs typeface="+mn-cs"/>
+              </a:defRPr>
+            </a:lvl4pPr>
+            <a:lvl5pPr marL="1828800" algn="l" defTabSz="457200" rtl="0" eaLnBrk="1" latinLnBrk="0" hangingPunct="1">
+              <a:defRPr sz="1800" kern="1200">
+                <a:solidFill>
+                  <a:schemeClr val="tx1"/>
+                </a:solidFill>
+                <a:latin typeface="+mn-lt"/>
+                <a:ea typeface="+mn-ea"/>
+                <a:cs typeface="+mn-cs"/>
+              </a:defRPr>
+            </a:lvl5pPr>
+            <a:lvl6pPr marL="2286000" algn="l" defTabSz="457200" rtl="0" eaLnBrk="1" latinLnBrk="0" hangingPunct="1">
+              <a:defRPr sz="1800" kern="1200">
+                <a:solidFill>
+                  <a:schemeClr val="tx1"/>
+                </a:solidFill>
+                <a:latin typeface="+mn-lt"/>
+                <a:ea typeface="+mn-ea"/>
+                <a:cs typeface="+mn-cs"/>
+              </a:defRPr>
+            </a:lvl6pPr>
+            <a:lvl7pPr marL="2743200" algn="l" defTabSz="457200" rtl="0" eaLnBrk="1" latinLnBrk="0" hangingPunct="1">
+              <a:defRPr sz="1800" kern="1200">
+                <a:solidFill>
+                  <a:schemeClr val="tx1"/>
+                </a:solidFill>
+                <a:latin typeface="+mn-lt"/>
+                <a:ea typeface="+mn-ea"/>
+                <a:cs typeface="+mn-cs"/>
+              </a:defRPr>
+            </a:lvl7pPr>
+            <a:lvl8pPr marL="3200400" algn="l" defTabSz="457200" rtl="0" eaLnBrk="1" latinLnBrk="0" hangingPunct="1">
+              <a:defRPr sz="1800" kern="1200">
+                <a:solidFill>
+                  <a:schemeClr val="tx1"/>
+                </a:solidFill>
+                <a:latin typeface="+mn-lt"/>
+                <a:ea typeface="+mn-ea"/>
+                <a:cs typeface="+mn-cs"/>
+              </a:defRPr>
+            </a:lvl8pPr>
+            <a:lvl9pPr marL="3657600" algn="l" defTabSz="457200" rtl="0" eaLnBrk="1" latinLnBrk="0" hangingPunct="1">
+              <a:defRPr sz="1800" kern="1200">
+                <a:solidFill>
+                  <a:schemeClr val="tx1"/>
+                </a:solidFill>
+                <a:latin typeface="+mn-lt"/>
+                <a:ea typeface="+mn-ea"/>
+                <a:cs typeface="+mn-cs"/>
+              </a:defRPr>
+            </a:lvl9pPr>
+          </a:lstStyle>
+          <a:p>
+            <a:fld id="{241EB5C9-1307-BA42-ABA2-0BC069CD8E7F}" type="datetimeFigureOut">
+              <a:rPr lang="en-US" smtClean="0"/>
+              <a:pPr/>
+              <a:t>8/30/2019</a:t>
+            </a:fld>
+            <a:endParaRPr/>
+          </a:p>
+        </p:txBody>
+      </p:sp>
+    </p:spTree>
+  </p:cSld>
+  <p:clrMapOvr>
+    <a:masterClrMapping/>
+  </p:clrMapOvr>
+</p:sld>
+</file>
+
 <file path=ppt/slides/slide5.xml><?xml version="1.0" encoding="utf-8"?>
 <p:sld xmlns:a="http://schemas.openxmlformats.org/drawingml/2006/main" xmlns:r="http://schemas.openxmlformats.org/officeDocument/2006/relationships" xmlns:p="http://schemas.openxmlformats.org/presentationml/2006/main">
   <p:cSld>
@@ -7369,7 +8118,309 @@
 </p:sld>
 </file>
 
-<file path=ppt/slides/slide6.xml><?xml version="1.0" encoding="utf-8"?>
+<file path=ppt/slides/slide50.xml><?xml version="1.0" encoding="utf-8"?>
+<p:sld xmlns:a="http://schemas.openxmlformats.org/drawingml/2006/main" xmlns:r="http://schemas.openxmlformats.org/officeDocument/2006/relationships" xmlns:p="http://schemas.openxmlformats.org/presentationml/2006/main">
+  <p:cSld>
+    <p:spTree>
+      <p:nvGrpSpPr>
+        <p:cNvPr id="1" name=""/>
+        <p:cNvGrpSpPr/>
+        <p:nvPr/>
+      </p:nvGrpSpPr>
+      <p:grpSpPr>
+        <a:xfrm>
+          <a:off x="0" y="0"/>
+          <a:ext cx="0" cy="0"/>
+          <a:chOff x="0" y="0"/>
+          <a:chExt cx="0" cy="0"/>
+        </a:xfrm>
+      </p:grpSpPr>
+      <p:sp>
+        <p:nvSpPr>
+          <p:cNvPr id="2" name="Title 1"/>
+          <p:cNvSpPr>
+            <a:spLocks noGrp="1"/>
+          </p:cNvSpPr>
+          <p:nvPr>
+            <p:ph type="title"/>
+          </p:nvPr>
+        </p:nvSpPr>
+        <p:spPr/>
+        <p:txBody>
+          <a:bodyPr/>
+          <a:lstStyle/>
+          <a:p>
+            <a:r>
+              <a:t>Intro</a:t>
+            </a:r>
+          </a:p>
+        </p:txBody>
+      </p:sp>
+      <p:sp>
+        <p:nvSpPr>
+          <p:cNvPr id="3" name="Content Placeholder 2"/>
+          <p:cNvSpPr>
+            <a:spLocks noGrp="1"/>
+          </p:cNvSpPr>
+          <p:nvPr>
+            <p:ph idx="1"/>
+          </p:nvPr>
+        </p:nvSpPr>
+        <p:spPr/>
+        <p:txBody>
+          <a:bodyPr/>
+          <a:lstStyle/>
+          <a:p>
+            <a:pPr marL="0" indent="0">
+              <a:buNone/>
+            </a:pPr>
+            <a:r>
+              <a:rPr b="1"/>
+              <a:t>Genelle Denzin</a:t>
+            </a:r>
+            <a:r>
+              <a:t> she/hers</a:t>
+            </a:r>
+          </a:p>
+          <a:p>
+            <a:pPr marL="0" indent="0">
+              <a:buNone/>
+            </a:pPr>
+            <a:r>
+              <a:t>Data Anaylst</a:t>
+            </a:r>
+          </a:p>
+          <a:p>
+            <a:pPr marL="0" indent="0">
+              <a:buNone/>
+            </a:pPr>
+            <a:r>
+              <a:t>Coalition on Homelessness and Housing in Ohio (COHHIO)</a:t>
+            </a:r>
+          </a:p>
+          <a:p>
+            <a:pPr marL="0" indent="0">
+              <a:buNone/>
+            </a:pPr>
+            <a:r>
+              <a:t>LSU BA in English Lit. Came to this position from a data background almost 10 years ago.</a:t>
+            </a:r>
+          </a:p>
+          <a:p>
+            <a:pPr marL="0" indent="0">
+              <a:buNone/>
+            </a:pPr>
+            <a:r>
+              <a:t>Special thanks to everyone who helped me put this together.</a:t>
+            </a:r>
+          </a:p>
+        </p:txBody>
+      </p:sp>
+    </p:spTree>
+  </p:cSld>
+  <p:clrMapOvr>
+    <a:masterClrMapping/>
+  </p:clrMapOvr>
+</p:sld>
+</file>
+
+<file path=ppt/slides/slide51.xml><?xml version="1.0" encoding="utf-8"?>
+<p:sld xmlns:a="http://schemas.openxmlformats.org/drawingml/2006/main" xmlns:r="http://schemas.openxmlformats.org/officeDocument/2006/relationships" xmlns:p="http://schemas.openxmlformats.org/presentationml/2006/main">
+  <p:cSld>
+    <p:spTree>
+      <p:nvGrpSpPr>
+        <p:cNvPr id="1" name=""/>
+        <p:cNvGrpSpPr/>
+        <p:nvPr/>
+      </p:nvGrpSpPr>
+      <p:grpSpPr>
+        <a:xfrm>
+          <a:off x="0" y="0"/>
+          <a:ext cx="0" cy="0"/>
+          <a:chOff x="0" y="0"/>
+          <a:chExt cx="0" cy="0"/>
+        </a:xfrm>
+      </p:grpSpPr>
+      <p:sp>
+        <p:nvSpPr>
+          <p:cNvPr id="2" name="Title 1"/>
+          <p:cNvSpPr>
+            <a:spLocks noGrp="1"/>
+          </p:cNvSpPr>
+          <p:nvPr>
+            <p:ph type="title"/>
+          </p:nvPr>
+        </p:nvSpPr>
+        <p:spPr/>
+        <p:txBody>
+          <a:bodyPr/>
+          <a:lstStyle/>
+          <a:p>
+            <a:r>
+              <a:t>Agenda</a:t>
+            </a:r>
+          </a:p>
+        </p:txBody>
+      </p:sp>
+      <p:sp>
+        <p:nvSpPr>
+          <p:cNvPr id="3" name="Content Placeholder 2"/>
+          <p:cNvSpPr>
+            <a:spLocks noGrp="1"/>
+          </p:cNvSpPr>
+          <p:nvPr>
+            <p:ph idx="1"/>
+          </p:nvPr>
+        </p:nvSpPr>
+        <p:spPr/>
+        <p:txBody>
+          <a:bodyPr/>
+          <a:lstStyle/>
+          <a:p>
+            <a:pPr lvl="1"/>
+            <a:r>
+              <a:t>Workflows for HMIS Data Analysts</a:t>
+            </a:r>
+          </a:p>
+          <a:p>
+            <a:pPr lvl="1"/>
+            <a:r>
+              <a:t>What is Reproducibility?</a:t>
+            </a:r>
+          </a:p>
+          <a:p>
+            <a:pPr lvl="1"/>
+            <a:r>
+              <a:t>Reproducibility With Current Tools</a:t>
+            </a:r>
+          </a:p>
+          <a:p>
+            <a:pPr lvl="1"/>
+            <a:r>
+              <a:t>What is R Markdown?</a:t>
+            </a:r>
+          </a:p>
+          <a:p>
+            <a:pPr lvl="1"/>
+            <a:r>
+              <a:t>How to Get Started with R (if you want)</a:t>
+            </a:r>
+          </a:p>
+        </p:txBody>
+      </p:sp>
+    </p:spTree>
+  </p:cSld>
+  <p:clrMapOvr>
+    <a:masterClrMapping/>
+  </p:clrMapOvr>
+</p:sld>
+</file>
+
+<file path=ppt/slides/slide52.xml><?xml version="1.0" encoding="utf-8"?>
+<p:sld xmlns:a="http://schemas.openxmlformats.org/drawingml/2006/main" xmlns:r="http://schemas.openxmlformats.org/officeDocument/2006/relationships" xmlns:p="http://schemas.openxmlformats.org/presentationml/2006/main">
+  <p:cSld>
+    <p:spTree>
+      <p:nvGrpSpPr>
+        <p:cNvPr id="1" name=""/>
+        <p:cNvGrpSpPr/>
+        <p:nvPr/>
+      </p:nvGrpSpPr>
+      <p:grpSpPr>
+        <a:xfrm>
+          <a:off x="0" y="0"/>
+          <a:ext cx="0" cy="0"/>
+          <a:chOff x="0" y="0"/>
+          <a:chExt cx="0" cy="0"/>
+        </a:xfrm>
+      </p:grpSpPr>
+      <p:sp>
+        <p:nvSpPr>
+          <p:cNvPr id="2" name="Title 1"/>
+          <p:cNvSpPr>
+            <a:spLocks noGrp="1"/>
+          </p:cNvSpPr>
+          <p:nvPr>
+            <p:ph type="title"/>
+          </p:nvPr>
+        </p:nvSpPr>
+        <p:spPr/>
+        <p:txBody>
+          <a:bodyPr/>
+          <a:lstStyle/>
+          <a:p>
+            <a:r>
+              <a:t>Workflows for Data Analysts</a:t>
+            </a:r>
+          </a:p>
+        </p:txBody>
+      </p:sp>
+      <p:pic>
+        <p:nvPicPr>
+          <p:cNvPr id="3" name="Picture 1" descr="images/softwares.png"/>
+          <p:cNvPicPr>
+            <a:picLocks noGrp="1" noChangeAspect="1"/>
+          </p:cNvPicPr>
+          <p:nvPr/>
+        </p:nvPicPr>
+        <p:blipFill>
+          <a:blip r:embed="rId3"/>
+          <a:stretch>
+            <a:fillRect/>
+          </a:stretch>
+        </p:blipFill>
+        <p:spPr bwMode="auto">
+          <a:xfrm>
+            <a:off x="2190750" y="1200150"/>
+            <a:ext cx="4762500" cy="3009900"/>
+          </a:xfrm>
+          <a:prstGeom prst="rect">
+            <a:avLst/>
+          </a:prstGeom>
+          <a:noFill/>
+          <a:ln w="9525">
+            <a:noFill/>
+            <a:headEnd/>
+            <a:tailEnd/>
+          </a:ln>
+        </p:spPr>
+      </p:pic>
+      <p:sp>
+        <p:nvSpPr>
+          <p:cNvPr id="4" name="TextBox 3"/>
+          <p:cNvSpPr txBox="1"/>
+          <p:nvPr/>
+        </p:nvSpPr>
+        <p:spPr>
+          <a:xfrm>
+            <a:off x="1485900" y="4210050"/>
+            <a:ext cx="6172200" cy="381000"/>
+          </a:xfrm>
+          <a:prstGeom prst="rect">
+            <a:avLst/>
+          </a:prstGeom>
+          <a:noFill/>
+        </p:spPr>
+        <p:txBody>
+          <a:bodyPr/>
+          <a:lstStyle/>
+          <a:p>
+            <a:pPr algn="ctr"/>
+            <a:r>
+              <a:rPr sz="1350"/>
+              <a:t>What workflows are we using to get from raw data -&gt; visualization?</a:t>
+            </a:r>
+          </a:p>
+        </p:txBody>
+      </p:sp>
+    </p:spTree>
+  </p:cSld>
+  <p:clrMapOvr>
+    <a:masterClrMapping/>
+  </p:clrMapOvr>
+</p:sld>
+</file>
+
+<file path=ppt/slides/slide53.xml><?xml version="1.0" encoding="utf-8"?>
 <p:sld xmlns:a="http://schemas.openxmlformats.org/drawingml/2006/main" xmlns:r="http://schemas.openxmlformats.org/officeDocument/2006/relationships" xmlns:p="http://schemas.openxmlformats.org/presentationml/2006/main">
   <p:cSld>
     <p:spTree>
@@ -7473,6 +8524,1594 @@
 </p:sld>
 </file>
 
+<file path=ppt/slides/slide54.xml><?xml version="1.0" encoding="utf-8"?>
+<p:sld xmlns:a="http://schemas.openxmlformats.org/drawingml/2006/main" xmlns:r="http://schemas.openxmlformats.org/officeDocument/2006/relationships" xmlns:p="http://schemas.openxmlformats.org/presentationml/2006/main">
+  <p:cSld>
+    <p:spTree>
+      <p:nvGrpSpPr>
+        <p:cNvPr id="1" name=""/>
+        <p:cNvGrpSpPr/>
+        <p:nvPr/>
+      </p:nvGrpSpPr>
+      <p:grpSpPr>
+        <a:xfrm>
+          <a:off x="0" y="0"/>
+          <a:ext cx="0" cy="0"/>
+          <a:chOff x="0" y="0"/>
+          <a:chExt cx="0" cy="0"/>
+        </a:xfrm>
+      </p:grpSpPr>
+      <p:sp>
+        <p:nvSpPr>
+          <p:cNvPr id="2" name="Title 1"/>
+          <p:cNvSpPr>
+            <a:spLocks noGrp="1"/>
+          </p:cNvSpPr>
+          <p:nvPr>
+            <p:ph type="title"/>
+          </p:nvPr>
+        </p:nvSpPr>
+        <p:spPr/>
+        <p:txBody>
+          <a:bodyPr/>
+          <a:lstStyle/>
+          <a:p>
+            <a:r>
+              <a:t>An Example</a:t>
+            </a:r>
+          </a:p>
+        </p:txBody>
+      </p:sp>
+      <p:sp>
+        <p:nvSpPr>
+          <p:cNvPr id="3" name="Content Placeholder 2"/>
+          <p:cNvSpPr>
+            <a:spLocks noGrp="1"/>
+          </p:cNvSpPr>
+          <p:nvPr>
+            <p:ph idx="1"/>
+          </p:nvPr>
+        </p:nvSpPr>
+        <p:spPr/>
+        <p:txBody>
+          <a:bodyPr/>
+          <a:lstStyle/>
+          <a:p>
+            <a:pPr marL="0" indent="0">
+              <a:buNone/>
+            </a:pPr>
+            <a:r>
+              <a:t>Analysis on how many DV survivors were served in our CoC’s projects during 2018. My theoretical year-ago workflow:</a:t>
+            </a:r>
+          </a:p>
+          <a:p>
+            <a:pPr lvl="1">
+              <a:buAutoNum type="arabicPeriod"/>
+            </a:pPr>
+            <a:r>
+              <a:t>Create custom report named “DV Analysis 2018” in HMIS, export to Excel, name it “Domestic Violence 2018”</a:t>
+            </a:r>
+          </a:p>
+          <a:p>
+            <a:pPr lvl="1">
+              <a:buAutoNum type="arabicPeriod"/>
+            </a:pPr>
+            <a:r>
+              <a:t>Rename columns, remove last row</a:t>
+            </a:r>
+          </a:p>
+          <a:p>
+            <a:pPr lvl="1">
+              <a:buAutoNum type="arabicPeriod"/>
+            </a:pPr>
+            <a:r>
+              <a:t>Import into visualization software</a:t>
+            </a:r>
+          </a:p>
+          <a:p>
+            <a:pPr lvl="1">
+              <a:buAutoNum type="arabicPeriod"/>
+            </a:pPr>
+            <a:r>
+              <a:t>Create visualization with the results</a:t>
+            </a:r>
+          </a:p>
+        </p:txBody>
+      </p:sp>
+    </p:spTree>
+  </p:cSld>
+  <p:clrMapOvr>
+    <a:masterClrMapping/>
+  </p:clrMapOvr>
+</p:sld>
+</file>
+
+<file path=ppt/slides/slide55.xml><?xml version="1.0" encoding="utf-8"?>
+<p:sld xmlns:a="http://schemas.openxmlformats.org/drawingml/2006/main" xmlns:r="http://schemas.openxmlformats.org/officeDocument/2006/relationships" xmlns:p="http://schemas.openxmlformats.org/presentationml/2006/main">
+  <p:cSld>
+    <p:spTree>
+      <p:nvGrpSpPr>
+        <p:cNvPr id="1" name=""/>
+        <p:cNvGrpSpPr/>
+        <p:nvPr/>
+      </p:nvGrpSpPr>
+      <p:grpSpPr>
+        <a:xfrm>
+          <a:off x="0" y="0"/>
+          <a:ext cx="0" cy="0"/>
+          <a:chOff x="0" y="0"/>
+          <a:chExt cx="0" cy="0"/>
+        </a:xfrm>
+      </p:grpSpPr>
+      <p:sp>
+        <p:nvSpPr>
+          <p:cNvPr id="2" name="Title 1"/>
+          <p:cNvSpPr>
+            <a:spLocks noGrp="1"/>
+          </p:cNvSpPr>
+          <p:nvPr>
+            <p:ph type="title"/>
+          </p:nvPr>
+        </p:nvSpPr>
+        <p:spPr/>
+        <p:txBody>
+          <a:bodyPr/>
+          <a:lstStyle/>
+          <a:p>
+            <a:r>
+              <a:t>The Problem(s)</a:t>
+            </a:r>
+          </a:p>
+        </p:txBody>
+      </p:sp>
+      <p:sp>
+        <p:nvSpPr>
+          <p:cNvPr id="3" name="Content Placeholder 2"/>
+          <p:cNvSpPr>
+            <a:spLocks noGrp="1"/>
+          </p:cNvSpPr>
+          <p:nvPr>
+            <p:ph idx="1"/>
+          </p:nvPr>
+        </p:nvSpPr>
+        <p:spPr/>
+        <p:txBody>
+          <a:bodyPr/>
+          <a:lstStyle/>
+          <a:p>
+            <a:pPr lvl="1"/>
+            <a:r>
+              <a:t>Will Future You be able to work back from the visualization to the raw data?</a:t>
+            </a:r>
+          </a:p>
+          <a:p>
+            <a:pPr lvl="1"/>
+            <a:r>
+              <a:t>If the results of your analysis are questioned, can you explain your results without stress or difficulty?</a:t>
+            </a:r>
+          </a:p>
+          <a:p>
+            <a:pPr lvl="1"/>
+            <a:r>
+              <a:t>A well-meaning co-worker repurposes your custom report in HMIS called “DV Analysis 2018”, renames it “DV Analysis 2019”, and modifies the logic. Could you recreate it?</a:t>
+            </a:r>
+          </a:p>
+        </p:txBody>
+      </p:sp>
+    </p:spTree>
+  </p:cSld>
+  <p:clrMapOvr>
+    <a:masterClrMapping/>
+  </p:clrMapOvr>
+</p:sld>
+</file>
+
+<file path=ppt/slides/slide56.xml><?xml version="1.0" encoding="utf-8"?>
+<p:sld xmlns:a="http://schemas.openxmlformats.org/drawingml/2006/main" xmlns:r="http://schemas.openxmlformats.org/officeDocument/2006/relationships" xmlns:p="http://schemas.openxmlformats.org/presentationml/2006/main">
+  <p:cSld>
+    <p:spTree>
+      <p:nvGrpSpPr>
+        <p:cNvPr id="1" name=""/>
+        <p:cNvGrpSpPr/>
+        <p:nvPr/>
+      </p:nvGrpSpPr>
+      <p:grpSpPr>
+        <a:xfrm>
+          <a:off x="0" y="0"/>
+          <a:ext cx="0" cy="0"/>
+          <a:chOff x="0" y="0"/>
+          <a:chExt cx="0" cy="0"/>
+        </a:xfrm>
+      </p:grpSpPr>
+      <p:sp>
+        <p:nvSpPr>
+          <p:cNvPr id="2" name="Title 1"/>
+          <p:cNvSpPr>
+            <a:spLocks noGrp="1"/>
+          </p:cNvSpPr>
+          <p:nvPr>
+            <p:ph type="title"/>
+          </p:nvPr>
+        </p:nvSpPr>
+        <p:spPr/>
+        <p:txBody>
+          <a:bodyPr/>
+          <a:lstStyle/>
+          <a:p>
+            <a:r>
+              <a:t>What is Reproducibility?</a:t>
+            </a:r>
+          </a:p>
+        </p:txBody>
+      </p:sp>
+      <p:pic>
+        <p:nvPicPr>
+          <p:cNvPr id="3" name="Picture 1" descr="images/reproducibility.png"/>
+          <p:cNvPicPr>
+            <a:picLocks noGrp="1" noChangeAspect="1"/>
+          </p:cNvPicPr>
+          <p:nvPr/>
+        </p:nvPicPr>
+        <p:blipFill>
+          <a:blip r:embed="rId3"/>
+          <a:stretch>
+            <a:fillRect/>
+          </a:stretch>
+        </p:blipFill>
+        <p:spPr bwMode="auto">
+          <a:xfrm>
+            <a:off x="1485900" y="1485900"/>
+            <a:ext cx="6172200" cy="2438400"/>
+          </a:xfrm>
+          <a:prstGeom prst="rect">
+            <a:avLst/>
+          </a:prstGeom>
+          <a:noFill/>
+          <a:ln w="9525">
+            <a:noFill/>
+            <a:headEnd/>
+            <a:tailEnd/>
+          </a:ln>
+        </p:spPr>
+      </p:pic>
+      <p:sp>
+        <p:nvSpPr>
+          <p:cNvPr id="4" name="TextBox 3"/>
+          <p:cNvSpPr txBox="1"/>
+          <p:nvPr/>
+        </p:nvSpPr>
+        <p:spPr>
+          <a:xfrm>
+            <a:off x="1485900" y="4210050"/>
+            <a:ext cx="6172200" cy="381000"/>
+          </a:xfrm>
+          <a:prstGeom prst="rect">
+            <a:avLst/>
+          </a:prstGeom>
+          <a:noFill/>
+        </p:spPr>
+        <p:txBody>
+          <a:bodyPr/>
+          <a:lstStyle/>
+          <a:p>
+            <a:pPr algn="ctr"/>
+            <a:r>
+              <a:rPr sz="1350"/>
+              <a:t>We cannot get to 100% as HMIS Data Analysts but we can make progress.</a:t>
+            </a:r>
+          </a:p>
+        </p:txBody>
+      </p:sp>
+    </p:spTree>
+  </p:cSld>
+  <p:clrMapOvr>
+    <a:masterClrMapping/>
+  </p:clrMapOvr>
+</p:sld>
+</file>
+
+<file path=ppt/slides/slide57.xml><?xml version="1.0" encoding="utf-8"?>
+<p:sld xmlns:a="http://schemas.openxmlformats.org/drawingml/2006/main" xmlns:r="http://schemas.openxmlformats.org/officeDocument/2006/relationships" xmlns:p="http://schemas.openxmlformats.org/presentationml/2006/main">
+  <p:cSld>
+    <p:spTree>
+      <p:nvGrpSpPr>
+        <p:cNvPr id="1" name=""/>
+        <p:cNvGrpSpPr/>
+        <p:nvPr/>
+      </p:nvGrpSpPr>
+      <p:grpSpPr>
+        <a:xfrm>
+          <a:off x="0" y="0"/>
+          <a:ext cx="0" cy="0"/>
+          <a:chOff x="0" y="0"/>
+          <a:chExt cx="0" cy="0"/>
+        </a:xfrm>
+      </p:grpSpPr>
+      <p:sp>
+        <p:nvSpPr>
+          <p:cNvPr id="2" name="Title 1"/>
+          <p:cNvSpPr>
+            <a:spLocks noGrp="1"/>
+          </p:cNvSpPr>
+          <p:nvPr>
+            <p:ph type="title"/>
+          </p:nvPr>
+        </p:nvSpPr>
+        <p:spPr/>
+        <p:txBody>
+          <a:bodyPr>
+            <a:normAutofit fontScale="90000"/>
+          </a:bodyPr>
+          <a:lstStyle/>
+          <a:p>
+            <a:r>
+              <a:t>Ways to Achieve Better Reproducibility with Current Tools</a:t>
+            </a:r>
+          </a:p>
+        </p:txBody>
+      </p:sp>
+      <p:sp>
+        <p:nvSpPr>
+          <p:cNvPr id="3" name="Content Placeholder 2"/>
+          <p:cNvSpPr>
+            <a:spLocks noGrp="1"/>
+          </p:cNvSpPr>
+          <p:nvPr>
+            <p:ph idx="1"/>
+          </p:nvPr>
+        </p:nvSpPr>
+        <p:spPr/>
+        <p:txBody>
+          <a:bodyPr/>
+          <a:lstStyle/>
+          <a:p>
+            <a:pPr lvl="1"/>
+            <a:r>
+              <a:t>Data from HMIS should be as raw as possible</a:t>
+            </a:r>
+          </a:p>
+          <a:p>
+            <a:pPr lvl="1"/>
+            <a:r>
+              <a:t>Document your workflow for each visualization</a:t>
+            </a:r>
+          </a:p>
+          <a:p>
+            <a:pPr lvl="2"/>
+            <a:r>
+              <a:t>file paths, names, and document types</a:t>
+            </a:r>
+          </a:p>
+          <a:p>
+            <a:pPr lvl="2"/>
+            <a:r>
+              <a:t>every action you do in your intermediary data shaping tool</a:t>
+            </a:r>
+          </a:p>
+          <a:p>
+            <a:pPr lvl="2"/>
+            <a:r>
+              <a:t>any further actions you take inside your visualization tool</a:t>
+            </a:r>
+          </a:p>
+          <a:p>
+            <a:pPr lvl="2"/>
+            <a:r>
+              <a:t>if your data from HMIS is custom, document each action you take to create the data export</a:t>
+            </a:r>
+          </a:p>
+        </p:txBody>
+      </p:sp>
+    </p:spTree>
+  </p:cSld>
+  <p:clrMapOvr>
+    <a:masterClrMapping/>
+  </p:clrMapOvr>
+</p:sld>
+</file>
+
+<file path=ppt/slides/slide58.xml><?xml version="1.0" encoding="utf-8"?>
+<p:sld xmlns:a="http://schemas.openxmlformats.org/drawingml/2006/main" xmlns:r="http://schemas.openxmlformats.org/officeDocument/2006/relationships" xmlns:p="http://schemas.openxmlformats.org/presentationml/2006/main">
+  <p:cSld>
+    <p:spTree>
+      <p:nvGrpSpPr>
+        <p:cNvPr id="1" name=""/>
+        <p:cNvGrpSpPr/>
+        <p:nvPr/>
+      </p:nvGrpSpPr>
+      <p:grpSpPr>
+        <a:xfrm>
+          <a:off x="0" y="0"/>
+          <a:ext cx="0" cy="0"/>
+          <a:chOff x="0" y="0"/>
+          <a:chExt cx="0" cy="0"/>
+        </a:xfrm>
+      </p:grpSpPr>
+      <p:sp>
+        <p:nvSpPr>
+          <p:cNvPr id="2" name="Title 1"/>
+          <p:cNvSpPr>
+            <a:spLocks noGrp="1"/>
+          </p:cNvSpPr>
+          <p:nvPr>
+            <p:ph type="title"/>
+          </p:nvPr>
+        </p:nvSpPr>
+        <p:spPr/>
+        <p:txBody>
+          <a:bodyPr/>
+          <a:lstStyle/>
+          <a:p>
+            <a:r>
+              <a:t>What is Markdown</a:t>
+            </a:r>
+          </a:p>
+        </p:txBody>
+      </p:sp>
+      <p:sp>
+        <p:nvSpPr>
+          <p:cNvPr id="3" name="Content Placeholder 2"/>
+          <p:cNvSpPr>
+            <a:spLocks noGrp="1"/>
+          </p:cNvSpPr>
+          <p:nvPr>
+            <p:ph idx="1"/>
+          </p:nvPr>
+        </p:nvSpPr>
+        <p:spPr/>
+        <p:txBody>
+          <a:bodyPr/>
+          <a:lstStyle/>
+          <a:p>
+            <a:pPr lvl="1"/>
+            <a:r>
+              <a:t>created by John Gruber and Aaron Swartz</a:t>
+            </a:r>
+          </a:p>
+          <a:p>
+            <a:pPr lvl="1"/>
+            <a:r>
+              <a:t>a simplified version of markup languages</a:t>
+            </a:r>
+          </a:p>
+          <a:p>
+            <a:pPr lvl="1"/>
+            <a:r>
+              <a:t>simple intuitive formatting elements</a:t>
+            </a:r>
+          </a:p>
+          <a:p>
+            <a:pPr lvl="1"/>
+            <a:r>
+              <a:t>easily converted to valid HTML and other formats</a:t>
+            </a:r>
+          </a:p>
+          <a:p>
+            <a:pPr lvl="1"/>
+            <a:r>
+              <a:t>a </a:t>
+            </a:r>
+            <a:r>
+              <a:rPr>
+                <a:hlinkClick r:id="rId2"/>
+              </a:rPr>
+              <a:t>quick look at the syntax</a:t>
+            </a:r>
+          </a:p>
+        </p:txBody>
+      </p:sp>
+    </p:spTree>
+  </p:cSld>
+  <p:clrMapOvr>
+    <a:masterClrMapping/>
+  </p:clrMapOvr>
+</p:sld>
+</file>
+
+<file path=ppt/slides/slide59.xml><?xml version="1.0" encoding="utf-8"?>
+<p:sld xmlns:a="http://schemas.openxmlformats.org/drawingml/2006/main" xmlns:r="http://schemas.openxmlformats.org/officeDocument/2006/relationships" xmlns:p="http://schemas.openxmlformats.org/presentationml/2006/main">
+  <p:cSld>
+    <p:spTree>
+      <p:nvGrpSpPr>
+        <p:cNvPr id="1" name=""/>
+        <p:cNvGrpSpPr/>
+        <p:nvPr/>
+      </p:nvGrpSpPr>
+      <p:grpSpPr>
+        <a:xfrm>
+          <a:off x="0" y="0"/>
+          <a:ext cx="0" cy="0"/>
+          <a:chOff x="0" y="0"/>
+          <a:chExt cx="0" cy="0"/>
+        </a:xfrm>
+      </p:grpSpPr>
+      <p:sp>
+        <p:nvSpPr>
+          <p:cNvPr id="2" name="Title 1"/>
+          <p:cNvSpPr>
+            <a:spLocks noGrp="1"/>
+          </p:cNvSpPr>
+          <p:nvPr>
+            <p:ph type="title"/>
+          </p:nvPr>
+        </p:nvSpPr>
+        <p:spPr/>
+        <p:txBody>
+          <a:bodyPr/>
+          <a:lstStyle/>
+          <a:p>
+            <a:r>
+              <a:t>What is R Markdown</a:t>
+            </a:r>
+          </a:p>
+        </p:txBody>
+      </p:sp>
+      <p:sp>
+        <p:nvSpPr>
+          <p:cNvPr id="3" name="Content Placeholder 2"/>
+          <p:cNvSpPr>
+            <a:spLocks noGrp="1"/>
+          </p:cNvSpPr>
+          <p:nvPr>
+            <p:ph idx="1"/>
+          </p:nvPr>
+        </p:nvSpPr>
+        <p:spPr/>
+        <p:txBody>
+          <a:bodyPr/>
+          <a:lstStyle/>
+          <a:p>
+            <a:pPr lvl="1"/>
+            <a:r>
+              <a:t>allows you to include R code in a markdown document (or SQL, or python and others)</a:t>
+            </a:r>
+          </a:p>
+          <a:p>
+            <a:pPr lvl="1"/>
+            <a:r>
+              <a:t>the R code is evaluated in the processing of the markdown file</a:t>
+            </a:r>
+          </a:p>
+          <a:p>
+            <a:pPr lvl="1"/>
+            <a:r>
+              <a:t>results from the code are displayed in the final markdown document</a:t>
+            </a:r>
+          </a:p>
+          <a:p>
+            <a:pPr lvl="1"/>
+            <a:r>
+              <a:t>can handle parameters</a:t>
+            </a:r>
+          </a:p>
+        </p:txBody>
+      </p:sp>
+    </p:spTree>
+  </p:cSld>
+  <p:clrMapOvr>
+    <a:masterClrMapping/>
+  </p:clrMapOvr>
+</p:sld>
+</file>
+
+<file path=ppt/slides/slide6.xml><?xml version="1.0" encoding="utf-8"?>
+<p:sld xmlns:a="http://schemas.openxmlformats.org/drawingml/2006/main" xmlns:r="http://schemas.openxmlformats.org/officeDocument/2006/relationships" xmlns:p="http://schemas.openxmlformats.org/presentationml/2006/main">
+  <p:cSld>
+    <p:spTree>
+      <p:nvGrpSpPr>
+        <p:cNvPr id="1" name=""/>
+        <p:cNvGrpSpPr/>
+        <p:nvPr/>
+      </p:nvGrpSpPr>
+      <p:grpSpPr>
+        <a:xfrm>
+          <a:off x="0" y="0"/>
+          <a:ext cx="0" cy="0"/>
+          <a:chOff x="0" y="0"/>
+          <a:chExt cx="0" cy="0"/>
+        </a:xfrm>
+      </p:grpSpPr>
+      <p:sp>
+        <p:nvSpPr>
+          <p:cNvPr id="2" name="Title 1"/>
+          <p:cNvSpPr>
+            <a:spLocks noGrp="1"/>
+          </p:cNvSpPr>
+          <p:nvPr>
+            <p:ph type="title"/>
+          </p:nvPr>
+        </p:nvSpPr>
+        <p:spPr/>
+        <p:txBody>
+          <a:bodyPr/>
+          <a:lstStyle/>
+          <a:p>
+            <a:r>
+              <a:t>Our workflows are important</a:t>
+            </a:r>
+          </a:p>
+        </p:txBody>
+      </p:sp>
+      <p:pic>
+        <p:nvPicPr>
+          <p:cNvPr id="3" name="Picture 1" descr="images/grounded2.png"/>
+          <p:cNvPicPr>
+            <a:picLocks noGrp="1" noChangeAspect="1"/>
+          </p:cNvPicPr>
+          <p:nvPr/>
+        </p:nvPicPr>
+        <p:blipFill>
+          <a:blip r:embed="rId2"/>
+          <a:stretch>
+            <a:fillRect/>
+          </a:stretch>
+        </p:blipFill>
+        <p:spPr bwMode="auto">
+          <a:xfrm>
+            <a:off x="2314575" y="1200150"/>
+            <a:ext cx="4514850" cy="3009900"/>
+          </a:xfrm>
+          <a:prstGeom prst="rect">
+            <a:avLst/>
+          </a:prstGeom>
+          <a:noFill/>
+          <a:ln w="9525">
+            <a:noFill/>
+            <a:headEnd/>
+            <a:tailEnd/>
+          </a:ln>
+        </p:spPr>
+      </p:pic>
+      <p:sp>
+        <p:nvSpPr>
+          <p:cNvPr id="4" name="TextBox 3"/>
+          <p:cNvSpPr txBox="1"/>
+          <p:nvPr/>
+        </p:nvSpPr>
+        <p:spPr>
+          <a:xfrm>
+            <a:off x="1485900" y="4210050"/>
+            <a:ext cx="6172200" cy="381000"/>
+          </a:xfrm>
+          <a:prstGeom prst="rect">
+            <a:avLst/>
+          </a:prstGeom>
+          <a:noFill/>
+        </p:spPr>
+        <p:txBody>
+          <a:bodyPr/>
+          <a:lstStyle/>
+          <a:p>
+            <a:pPr algn="ctr"/>
+            <a:r>
+              <a:rPr sz="1350"/>
+              <a:t>Stay grounded</a:t>
+            </a:r>
+          </a:p>
+        </p:txBody>
+      </p:sp>
+    </p:spTree>
+  </p:cSld>
+  <p:clrMapOvr>
+    <a:masterClrMapping/>
+  </p:clrMapOvr>
+</p:sld>
+</file>
+
+<file path=ppt/slides/slide60.xml><?xml version="1.0" encoding="utf-8"?>
+<p:sld xmlns:a="http://schemas.openxmlformats.org/drawingml/2006/main" xmlns:r="http://schemas.openxmlformats.org/officeDocument/2006/relationships" xmlns:p="http://schemas.openxmlformats.org/presentationml/2006/main">
+  <p:cSld>
+    <p:spTree>
+      <p:nvGrpSpPr>
+        <p:cNvPr id="1" name=""/>
+        <p:cNvGrpSpPr/>
+        <p:nvPr/>
+      </p:nvGrpSpPr>
+      <p:grpSpPr>
+        <a:xfrm>
+          <a:off x="0" y="0"/>
+          <a:ext cx="0" cy="0"/>
+          <a:chOff x="0" y="0"/>
+          <a:chExt cx="0" cy="0"/>
+        </a:xfrm>
+      </p:grpSpPr>
+      <p:sp>
+        <p:nvSpPr>
+          <p:cNvPr id="2" name="Title 1"/>
+          <p:cNvSpPr>
+            <a:spLocks noGrp="1"/>
+          </p:cNvSpPr>
+          <p:nvPr>
+            <p:ph type="title"/>
+          </p:nvPr>
+        </p:nvSpPr>
+        <p:spPr/>
+        <p:txBody>
+          <a:bodyPr/>
+          <a:lstStyle/>
+          <a:p>
+            <a:r>
+              <a:t>What is R Markdown (continued)</a:t>
+            </a:r>
+          </a:p>
+        </p:txBody>
+      </p:sp>
+      <p:sp>
+        <p:nvSpPr>
+          <p:cNvPr id="3" name="Content Placeholder 2"/>
+          <p:cNvSpPr>
+            <a:spLocks noGrp="1"/>
+          </p:cNvSpPr>
+          <p:nvPr>
+            <p:ph idx="1"/>
+          </p:nvPr>
+        </p:nvSpPr>
+        <p:spPr/>
+        <p:txBody>
+          <a:bodyPr/>
+          <a:lstStyle/>
+          <a:p>
+            <a:pPr lvl="1"/>
+            <a:r>
+              <a:t>can be written in any basic text editor</a:t>
+            </a:r>
+          </a:p>
+          <a:p>
+            <a:pPr lvl="1"/>
+            <a:r>
+              <a:t>must be rendered using the R packages called knitr and rmarkdown</a:t>
+            </a:r>
+          </a:p>
+          <a:p>
+            <a:pPr lvl="1"/>
+            <a:r>
+              <a:t>works very well with R Studio</a:t>
+            </a:r>
+          </a:p>
+        </p:txBody>
+      </p:sp>
+    </p:spTree>
+  </p:cSld>
+  <p:clrMapOvr>
+    <a:masterClrMapping/>
+  </p:clrMapOvr>
+</p:sld>
+</file>
+
+<file path=ppt/slides/slide61.xml><?xml version="1.0" encoding="utf-8"?>
+<p:sld xmlns:a="http://schemas.openxmlformats.org/drawingml/2006/main" xmlns:r="http://schemas.openxmlformats.org/officeDocument/2006/relationships" xmlns:p="http://schemas.openxmlformats.org/presentationml/2006/main">
+  <p:cSld>
+    <p:spTree>
+      <p:nvGrpSpPr>
+        <p:cNvPr id="1" name=""/>
+        <p:cNvGrpSpPr/>
+        <p:nvPr/>
+      </p:nvGrpSpPr>
+      <p:grpSpPr>
+        <a:xfrm>
+          <a:off x="0" y="0"/>
+          <a:ext cx="0" cy="0"/>
+          <a:chOff x="0" y="0"/>
+          <a:chExt cx="0" cy="0"/>
+        </a:xfrm>
+      </p:grpSpPr>
+      <p:sp>
+        <p:nvSpPr>
+          <p:cNvPr id="2" name="Title 1"/>
+          <p:cNvSpPr>
+            <a:spLocks noGrp="1"/>
+          </p:cNvSpPr>
+          <p:nvPr>
+            <p:ph type="title"/>
+          </p:nvPr>
+        </p:nvSpPr>
+        <p:spPr/>
+        <p:txBody>
+          <a:bodyPr/>
+          <a:lstStyle/>
+          <a:p>
+            <a:r>
+              <a:t>What R Markdown Can Create</a:t>
+            </a:r>
+          </a:p>
+        </p:txBody>
+      </p:sp>
+      <p:sp>
+        <p:nvSpPr>
+          <p:cNvPr id="3" name="Content Placeholder 2"/>
+          <p:cNvSpPr>
+            <a:spLocks noGrp="1"/>
+          </p:cNvSpPr>
+          <p:nvPr>
+            <p:ph idx="1"/>
+          </p:nvPr>
+        </p:nvSpPr>
+        <p:spPr/>
+        <p:txBody>
+          <a:bodyPr/>
+          <a:lstStyle/>
+          <a:p>
+            <a:pPr lvl="1"/>
+            <a:r>
+              <a:t>HTML, pdf, Word, and PowerPoint documents</a:t>
+            </a:r>
+          </a:p>
+          <a:p>
+            <a:pPr lvl="1"/>
+            <a:r>
+              <a:t>interactive documents</a:t>
+            </a:r>
+          </a:p>
+          <a:p>
+            <a:pPr lvl="1"/>
+            <a:r>
+              <a:t>slide decks (not PowerPoint)</a:t>
+            </a:r>
+          </a:p>
+          <a:p>
+            <a:pPr lvl="1"/>
+            <a:r>
+              <a:t>websites, articles, and blogs</a:t>
+            </a:r>
+          </a:p>
+          <a:p>
+            <a:pPr lvl="1"/>
+            <a:r>
+              <a:t>books</a:t>
+            </a:r>
+          </a:p>
+          <a:p>
+            <a:pPr lvl="1"/>
+            <a:r>
+              <a:t>See the </a:t>
+            </a:r>
+            <a:r>
+              <a:rPr>
+                <a:hlinkClick r:id="rId2"/>
+              </a:rPr>
+              <a:t>Gallery</a:t>
+            </a:r>
+          </a:p>
+        </p:txBody>
+      </p:sp>
+    </p:spTree>
+  </p:cSld>
+  <p:clrMapOvr>
+    <a:masterClrMapping/>
+  </p:clrMapOvr>
+</p:sld>
+</file>
+
+<file path=ppt/slides/slide62.xml><?xml version="1.0" encoding="utf-8"?>
+<p:sld xmlns:a="http://schemas.openxmlformats.org/drawingml/2006/main" xmlns:r="http://schemas.openxmlformats.org/officeDocument/2006/relationships" xmlns:p="http://schemas.openxmlformats.org/presentationml/2006/main">
+  <p:cSld>
+    <p:spTree>
+      <p:nvGrpSpPr>
+        <p:cNvPr id="1" name=""/>
+        <p:cNvGrpSpPr/>
+        <p:nvPr/>
+      </p:nvGrpSpPr>
+      <p:grpSpPr>
+        <a:xfrm>
+          <a:off x="0" y="0"/>
+          <a:ext cx="0" cy="0"/>
+          <a:chOff x="0" y="0"/>
+          <a:chExt cx="0" cy="0"/>
+        </a:xfrm>
+      </p:grpSpPr>
+      <p:sp>
+        <p:nvSpPr>
+          <p:cNvPr id="2" name="Title 1"/>
+          <p:cNvSpPr>
+            <a:spLocks noGrp="1"/>
+          </p:cNvSpPr>
+          <p:nvPr>
+            <p:ph type="title"/>
+          </p:nvPr>
+        </p:nvSpPr>
+        <p:spPr/>
+        <p:txBody>
+          <a:bodyPr>
+            <a:normAutofit fontScale="90000"/>
+          </a:bodyPr>
+          <a:lstStyle/>
+          <a:p>
+            <a:r>
+              <a:t>How Does R Markdown Get Us to Reproducibility?</a:t>
+            </a:r>
+          </a:p>
+        </p:txBody>
+      </p:sp>
+      <p:sp>
+        <p:nvSpPr>
+          <p:cNvPr id="3" name="Content Placeholder 2"/>
+          <p:cNvSpPr>
+            <a:spLocks noGrp="1"/>
+          </p:cNvSpPr>
+          <p:nvPr>
+            <p:ph idx="1"/>
+          </p:nvPr>
+        </p:nvSpPr>
+        <p:spPr/>
+        <p:txBody>
+          <a:bodyPr/>
+          <a:lstStyle/>
+          <a:p>
+            <a:pPr lvl="1"/>
+            <a:r>
+              <a:t>Every step you take in shaping your data and creating the visualization will be contained in your R Markdown document. Your work documents itself!</a:t>
+            </a:r>
+          </a:p>
+          <a:p>
+            <a:pPr lvl="1"/>
+            <a:r>
+              <a:t>Your data manipulation tool = your visualization tool. No need to copy-paste results into final documents and then later wonder where it came from and how it was built.</a:t>
+            </a:r>
+          </a:p>
+        </p:txBody>
+      </p:sp>
+    </p:spTree>
+  </p:cSld>
+  <p:clrMapOvr>
+    <a:masterClrMapping/>
+  </p:clrMapOvr>
+</p:sld>
+</file>
+
+<file path=ppt/slides/slide63.xml><?xml version="1.0" encoding="utf-8"?>
+<p:sld xmlns:a="http://schemas.openxmlformats.org/drawingml/2006/main" xmlns:r="http://schemas.openxmlformats.org/officeDocument/2006/relationships" xmlns:p="http://schemas.openxmlformats.org/presentationml/2006/main">
+  <p:cSld>
+    <p:spTree>
+      <p:nvGrpSpPr>
+        <p:cNvPr id="1" name=""/>
+        <p:cNvGrpSpPr/>
+        <p:nvPr/>
+      </p:nvGrpSpPr>
+      <p:grpSpPr>
+        <a:xfrm>
+          <a:off x="0" y="0"/>
+          <a:ext cx="0" cy="0"/>
+          <a:chOff x="0" y="0"/>
+          <a:chExt cx="0" cy="0"/>
+        </a:xfrm>
+      </p:grpSpPr>
+      <p:sp>
+        <p:nvSpPr>
+          <p:cNvPr id="2" name="Title 1"/>
+          <p:cNvSpPr>
+            <a:spLocks noGrp="1"/>
+          </p:cNvSpPr>
+          <p:nvPr>
+            <p:ph type="title"/>
+          </p:nvPr>
+        </p:nvSpPr>
+        <p:spPr/>
+        <p:txBody>
+          <a:bodyPr/>
+          <a:lstStyle/>
+          <a:p>
+            <a:r>
+              <a:t>Let’s Create an Analysis in R Markdown</a:t>
+            </a:r>
+          </a:p>
+        </p:txBody>
+      </p:sp>
+      <p:pic>
+        <p:nvPicPr>
+          <p:cNvPr id="3" name="Picture 1" descr="images/Music-Demo-Cassette-Tape.png"/>
+          <p:cNvPicPr>
+            <a:picLocks noGrp="1" noChangeAspect="1"/>
+          </p:cNvPicPr>
+          <p:nvPr/>
+        </p:nvPicPr>
+        <p:blipFill>
+          <a:blip r:embed="rId3"/>
+          <a:stretch>
+            <a:fillRect/>
+          </a:stretch>
+        </p:blipFill>
+        <p:spPr bwMode="auto">
+          <a:xfrm>
+            <a:off x="2028825" y="1200150"/>
+            <a:ext cx="5095875" cy="3390900"/>
+          </a:xfrm>
+          <a:prstGeom prst="rect">
+            <a:avLst/>
+          </a:prstGeom>
+          <a:noFill/>
+          <a:ln w="9525">
+            <a:noFill/>
+            <a:headEnd/>
+            <a:tailEnd/>
+          </a:ln>
+        </p:spPr>
+      </p:pic>
+    </p:spTree>
+  </p:cSld>
+  <p:clrMapOvr>
+    <a:masterClrMapping/>
+  </p:clrMapOvr>
+</p:sld>
+</file>
+
+<file path=ppt/slides/slide64.xml><?xml version="1.0" encoding="utf-8"?>
+<p:sld xmlns:a="http://schemas.openxmlformats.org/drawingml/2006/main" xmlns:r="http://schemas.openxmlformats.org/officeDocument/2006/relationships" xmlns:p="http://schemas.openxmlformats.org/presentationml/2006/main">
+  <p:cSld>
+    <p:spTree>
+      <p:nvGrpSpPr>
+        <p:cNvPr id="1" name=""/>
+        <p:cNvGrpSpPr/>
+        <p:nvPr/>
+      </p:nvGrpSpPr>
+      <p:grpSpPr>
+        <a:xfrm>
+          <a:off x="0" y="0"/>
+          <a:ext cx="0" cy="0"/>
+          <a:chOff x="0" y="0"/>
+          <a:chExt cx="0" cy="0"/>
+        </a:xfrm>
+      </p:grpSpPr>
+      <p:sp>
+        <p:nvSpPr>
+          <p:cNvPr id="2" name="Title 1"/>
+          <p:cNvSpPr>
+            <a:spLocks noGrp="1"/>
+          </p:cNvSpPr>
+          <p:nvPr>
+            <p:ph type="title"/>
+          </p:nvPr>
+        </p:nvSpPr>
+        <p:spPr/>
+        <p:txBody>
+          <a:bodyPr/>
+          <a:lstStyle/>
+          <a:p>
+            <a:r>
+              <a:t>Why Move Toward a Reproducible Workflow?</a:t>
+            </a:r>
+          </a:p>
+        </p:txBody>
+      </p:sp>
+      <p:sp>
+        <p:nvSpPr>
+          <p:cNvPr id="3" name="Content Placeholder 2"/>
+          <p:cNvSpPr>
+            <a:spLocks noGrp="1"/>
+          </p:cNvSpPr>
+          <p:nvPr>
+            <p:ph idx="1"/>
+          </p:nvPr>
+        </p:nvSpPr>
+        <p:spPr/>
+        <p:txBody>
+          <a:bodyPr/>
+          <a:lstStyle/>
+          <a:p>
+            <a:pPr lvl="1"/>
+            <a:r>
+              <a:t>Easier to find and correct errors</a:t>
+            </a:r>
+          </a:p>
+          <a:p>
+            <a:pPr lvl="1"/>
+            <a:r>
+              <a:t>Helps you create comparison data later</a:t>
+            </a:r>
+          </a:p>
+          <a:p>
+            <a:pPr lvl="1"/>
+            <a:r>
+              <a:t>Helps others to check your logic, which helps validate your work</a:t>
+            </a:r>
+          </a:p>
+          <a:p>
+            <a:pPr lvl="1"/>
+            <a:r>
+              <a:t>Whether or not our data is ever questioned, we should always be prepared to back up our numbers.</a:t>
+            </a:r>
+          </a:p>
+        </p:txBody>
+      </p:sp>
+    </p:spTree>
+  </p:cSld>
+  <p:clrMapOvr>
+    <a:masterClrMapping/>
+  </p:clrMapOvr>
+</p:sld>
+</file>
+
+<file path=ppt/slides/slide65.xml><?xml version="1.0" encoding="utf-8"?>
+<p:sld xmlns:a="http://schemas.openxmlformats.org/drawingml/2006/main" xmlns:r="http://schemas.openxmlformats.org/officeDocument/2006/relationships" xmlns:p="http://schemas.openxmlformats.org/presentationml/2006/main">
+  <p:cSld>
+    <p:spTree>
+      <p:nvGrpSpPr>
+        <p:cNvPr id="1" name=""/>
+        <p:cNvGrpSpPr/>
+        <p:nvPr/>
+      </p:nvGrpSpPr>
+      <p:grpSpPr>
+        <a:xfrm>
+          <a:off x="0" y="0"/>
+          <a:ext cx="0" cy="0"/>
+          <a:chOff x="0" y="0"/>
+          <a:chExt cx="0" cy="0"/>
+        </a:xfrm>
+      </p:grpSpPr>
+      <p:sp>
+        <p:nvSpPr>
+          <p:cNvPr id="2" name="Title 1"/>
+          <p:cNvSpPr>
+            <a:spLocks noGrp="1"/>
+          </p:cNvSpPr>
+          <p:nvPr>
+            <p:ph type="title"/>
+          </p:nvPr>
+        </p:nvSpPr>
+        <p:spPr/>
+        <p:txBody>
+          <a:bodyPr/>
+          <a:lstStyle/>
+          <a:p>
+            <a:r>
+              <a:t>A Note about “Coding” and “Programming”</a:t>
+            </a:r>
+          </a:p>
+        </p:txBody>
+      </p:sp>
+      <p:pic>
+        <p:nvPicPr>
+          <p:cNvPr id="3" name="Picture 1" descr="images/whoami.png"/>
+          <p:cNvPicPr>
+            <a:picLocks noGrp="1" noChangeAspect="1"/>
+          </p:cNvPicPr>
+          <p:nvPr/>
+        </p:nvPicPr>
+        <p:blipFill>
+          <a:blip r:embed="rId3"/>
+          <a:stretch>
+            <a:fillRect/>
+          </a:stretch>
+        </p:blipFill>
+        <p:spPr bwMode="auto">
+          <a:xfrm>
+            <a:off x="2562225" y="1200150"/>
+            <a:ext cx="4010025" cy="3009900"/>
+          </a:xfrm>
+          <a:prstGeom prst="rect">
+            <a:avLst/>
+          </a:prstGeom>
+          <a:noFill/>
+          <a:ln w="9525">
+            <a:noFill/>
+            <a:headEnd/>
+            <a:tailEnd/>
+          </a:ln>
+        </p:spPr>
+      </p:pic>
+      <p:sp>
+        <p:nvSpPr>
+          <p:cNvPr id="4" name="TextBox 3"/>
+          <p:cNvSpPr txBox="1"/>
+          <p:nvPr/>
+        </p:nvSpPr>
+        <p:spPr>
+          <a:xfrm>
+            <a:off x="1485900" y="4210050"/>
+            <a:ext cx="6172200" cy="381000"/>
+          </a:xfrm>
+          <a:prstGeom prst="rect">
+            <a:avLst/>
+          </a:prstGeom>
+          <a:noFill/>
+        </p:spPr>
+        <p:txBody>
+          <a:bodyPr/>
+          <a:lstStyle/>
+          <a:p>
+            <a:pPr algn="ctr"/>
+            <a:r>
+              <a:rPr sz="1350"/>
+              <a:t>Identity crisis…?</a:t>
+            </a:r>
+          </a:p>
+        </p:txBody>
+      </p:sp>
+    </p:spTree>
+  </p:cSld>
+  <p:clrMapOvr>
+    <a:masterClrMapping/>
+  </p:clrMapOvr>
+</p:sld>
+</file>
+
+<file path=ppt/slides/slide66.xml><?xml version="1.0" encoding="utf-8"?>
+<p:sld xmlns:a="http://schemas.openxmlformats.org/drawingml/2006/main" xmlns:r="http://schemas.openxmlformats.org/officeDocument/2006/relationships" xmlns:p="http://schemas.openxmlformats.org/presentationml/2006/main">
+  <p:cSld>
+    <p:spTree>
+      <p:nvGrpSpPr>
+        <p:cNvPr id="1" name=""/>
+        <p:cNvGrpSpPr/>
+        <p:nvPr/>
+      </p:nvGrpSpPr>
+      <p:grpSpPr>
+        <a:xfrm>
+          <a:off x="0" y="0"/>
+          <a:ext cx="0" cy="0"/>
+          <a:chOff x="0" y="0"/>
+          <a:chExt cx="0" cy="0"/>
+        </a:xfrm>
+      </p:grpSpPr>
+      <p:sp>
+        <p:nvSpPr>
+          <p:cNvPr id="2" name="Title 1"/>
+          <p:cNvSpPr>
+            <a:spLocks noGrp="1"/>
+          </p:cNvSpPr>
+          <p:nvPr>
+            <p:ph type="title"/>
+          </p:nvPr>
+        </p:nvSpPr>
+        <p:spPr/>
+        <p:txBody>
+          <a:bodyPr/>
+          <a:lstStyle/>
+          <a:p>
+            <a:r>
+              <a:t>The R Community</a:t>
+            </a:r>
+          </a:p>
+        </p:txBody>
+      </p:sp>
+      <p:pic>
+        <p:nvPicPr>
+          <p:cNvPr id="3" name="Picture 1" descr="images/welcome_to_rstats_twitter_ArtworkBy@allison_horst.png"/>
+          <p:cNvPicPr>
+            <a:picLocks noGrp="1" noChangeAspect="1"/>
+          </p:cNvPicPr>
+          <p:nvPr/>
+        </p:nvPicPr>
+        <p:blipFill>
+          <a:blip r:embed="rId2"/>
+          <a:stretch>
+            <a:fillRect/>
+          </a:stretch>
+        </p:blipFill>
+        <p:spPr bwMode="auto">
+          <a:xfrm>
+            <a:off x="3009900" y="1200150"/>
+            <a:ext cx="3114675" cy="3009900"/>
+          </a:xfrm>
+          <a:prstGeom prst="rect">
+            <a:avLst/>
+          </a:prstGeom>
+          <a:noFill/>
+          <a:ln w="9525">
+            <a:noFill/>
+            <a:headEnd/>
+            <a:tailEnd/>
+          </a:ln>
+        </p:spPr>
+      </p:pic>
+      <p:sp>
+        <p:nvSpPr>
+          <p:cNvPr id="4" name="TextBox 3"/>
+          <p:cNvSpPr txBox="1"/>
+          <p:nvPr/>
+        </p:nvSpPr>
+        <p:spPr>
+          <a:xfrm>
+            <a:off x="1485900" y="4210050"/>
+            <a:ext cx="6172200" cy="381000"/>
+          </a:xfrm>
+          <a:prstGeom prst="rect">
+            <a:avLst/>
+          </a:prstGeom>
+          <a:noFill/>
+        </p:spPr>
+        <p:txBody>
+          <a:bodyPr/>
+          <a:lstStyle/>
+          <a:p>
+            <a:pPr algn="ctr"/>
+            <a:r>
+              <a:rPr sz="1350"/>
+              <a:t>Artwork by Allison Horst</a:t>
+            </a:r>
+          </a:p>
+        </p:txBody>
+      </p:sp>
+    </p:spTree>
+  </p:cSld>
+  <p:clrMapOvr>
+    <a:masterClrMapping/>
+  </p:clrMapOvr>
+</p:sld>
+</file>
+
+<file path=ppt/slides/slide67.xml><?xml version="1.0" encoding="utf-8"?>
+<p:sld xmlns:a="http://schemas.openxmlformats.org/drawingml/2006/main" xmlns:r="http://schemas.openxmlformats.org/officeDocument/2006/relationships" xmlns:p="http://schemas.openxmlformats.org/presentationml/2006/main">
+  <p:cSld>
+    <p:spTree>
+      <p:nvGrpSpPr>
+        <p:cNvPr id="1" name=""/>
+        <p:cNvGrpSpPr/>
+        <p:nvPr/>
+      </p:nvGrpSpPr>
+      <p:grpSpPr>
+        <a:xfrm>
+          <a:off x="0" y="0"/>
+          <a:ext cx="0" cy="0"/>
+          <a:chOff x="0" y="0"/>
+          <a:chExt cx="0" cy="0"/>
+        </a:xfrm>
+      </p:grpSpPr>
+      <p:sp>
+        <p:nvSpPr>
+          <p:cNvPr id="2" name="Title 1"/>
+          <p:cNvSpPr>
+            <a:spLocks noGrp="1"/>
+          </p:cNvSpPr>
+          <p:nvPr>
+            <p:ph type="title"/>
+          </p:nvPr>
+        </p:nvSpPr>
+        <p:spPr/>
+        <p:txBody>
+          <a:bodyPr/>
+          <a:lstStyle/>
+          <a:p>
+            <a:r>
+              <a:t>Disclaimer</a:t>
+            </a:r>
+          </a:p>
+        </p:txBody>
+      </p:sp>
+      <p:sp>
+        <p:nvSpPr>
+          <p:cNvPr id="3" name="Content Placeholder 2"/>
+          <p:cNvSpPr>
+            <a:spLocks noGrp="1"/>
+          </p:cNvSpPr>
+          <p:nvPr>
+            <p:ph idx="1"/>
+          </p:nvPr>
+        </p:nvSpPr>
+        <p:spPr/>
+        <p:txBody>
+          <a:bodyPr/>
+          <a:lstStyle/>
+          <a:p>
+            <a:pPr lvl="1"/>
+            <a:r>
+              <a:t>I work in a supportive workplace.</a:t>
+            </a:r>
+          </a:p>
+          <a:p>
+            <a:pPr lvl="1"/>
+            <a:r>
+              <a:t>I am part of a 3 1/2 person HMIS team.</a:t>
+            </a:r>
+          </a:p>
+        </p:txBody>
+      </p:sp>
+    </p:spTree>
+  </p:cSld>
+  <p:clrMapOvr>
+    <a:masterClrMapping/>
+  </p:clrMapOvr>
+</p:sld>
+</file>
+
+<file path=ppt/slides/slide68.xml><?xml version="1.0" encoding="utf-8"?>
+<p:sld xmlns:a="http://schemas.openxmlformats.org/drawingml/2006/main" xmlns:r="http://schemas.openxmlformats.org/officeDocument/2006/relationships" xmlns:p="http://schemas.openxmlformats.org/presentationml/2006/main">
+  <p:cSld>
+    <p:spTree>
+      <p:nvGrpSpPr>
+        <p:cNvPr id="1" name=""/>
+        <p:cNvGrpSpPr/>
+        <p:nvPr/>
+      </p:nvGrpSpPr>
+      <p:grpSpPr>
+        <a:xfrm>
+          <a:off x="0" y="0"/>
+          <a:ext cx="0" cy="0"/>
+          <a:chOff x="0" y="0"/>
+          <a:chExt cx="0" cy="0"/>
+        </a:xfrm>
+      </p:grpSpPr>
+      <p:sp>
+        <p:nvSpPr>
+          <p:cNvPr id="2" name="Title 1"/>
+          <p:cNvSpPr>
+            <a:spLocks noGrp="1"/>
+          </p:cNvSpPr>
+          <p:nvPr>
+            <p:ph type="title"/>
+          </p:nvPr>
+        </p:nvSpPr>
+        <p:spPr/>
+        <p:txBody>
+          <a:bodyPr/>
+          <a:lstStyle/>
+          <a:p>
+            <a:r>
+              <a:t>To Get Started in R</a:t>
+            </a:r>
+          </a:p>
+        </p:txBody>
+      </p:sp>
+      <p:sp>
+        <p:nvSpPr>
+          <p:cNvPr id="3" name="Content Placeholder 2"/>
+          <p:cNvSpPr>
+            <a:spLocks noGrp="1"/>
+          </p:cNvSpPr>
+          <p:nvPr>
+            <p:ph idx="1"/>
+          </p:nvPr>
+        </p:nvSpPr>
+        <p:spPr/>
+        <p:txBody>
+          <a:bodyPr/>
+          <a:lstStyle/>
+          <a:p>
+            <a:pPr marL="0" indent="0">
+              <a:buNone/>
+            </a:pPr>
+            <a:r>
+              <a:t>My three favorite ways:</a:t>
+            </a:r>
+          </a:p>
+          <a:p>
+            <a:pPr lvl="1"/>
+            <a:r>
+              <a:t>Get </a:t>
+            </a:r>
+            <a:r>
+              <a:rPr>
+                <a:hlinkClick r:id="rId2"/>
+              </a:rPr>
+              <a:t>R for Data Science</a:t>
+            </a:r>
+            <a:r>
+              <a:t> or access it for free online here: </a:t>
+            </a:r>
+            <a:r>
+              <a:rPr>
+                <a:hlinkClick r:id="rId2"/>
+              </a:rPr>
+              <a:t>https://r4ds.had.co.nz/</a:t>
+            </a:r>
+          </a:p>
+          <a:p>
+            <a:pPr lvl="1"/>
+            <a:r>
+              <a:t>Use the R package called </a:t>
+            </a:r>
+            <a:r>
+              <a:rPr>
+                <a:hlinkClick r:id="rId3"/>
+              </a:rPr>
+              <a:t>Swirl</a:t>
+            </a:r>
+            <a:r>
+              <a:t> by going here: </a:t>
+            </a:r>
+            <a:r>
+              <a:rPr>
+                <a:hlinkClick r:id="rId4"/>
+              </a:rPr>
+              <a:t>https://swirlstats.com/students.html</a:t>
+            </a:r>
+            <a:r>
+              <a:t> (also free)</a:t>
+            </a:r>
+          </a:p>
+          <a:p>
+            <a:pPr lvl="1"/>
+            <a:r>
+              <a:t>R-Ladies meetups</a:t>
+            </a:r>
+          </a:p>
+        </p:txBody>
+      </p:sp>
+    </p:spTree>
+  </p:cSld>
+  <p:clrMapOvr>
+    <a:masterClrMapping/>
+  </p:clrMapOvr>
+</p:sld>
+</file>
+
+<file path=ppt/slides/slide69.xml><?xml version="1.0" encoding="utf-8"?>
+<p:sld xmlns:a="http://schemas.openxmlformats.org/drawingml/2006/main" xmlns:r="http://schemas.openxmlformats.org/officeDocument/2006/relationships" xmlns:p="http://schemas.openxmlformats.org/presentationml/2006/main">
+  <p:cSld>
+    <p:spTree>
+      <p:nvGrpSpPr>
+        <p:cNvPr id="1" name=""/>
+        <p:cNvGrpSpPr/>
+        <p:nvPr/>
+      </p:nvGrpSpPr>
+      <p:grpSpPr>
+        <a:xfrm>
+          <a:off x="0" y="0"/>
+          <a:ext cx="0" cy="0"/>
+          <a:chOff x="0" y="0"/>
+          <a:chExt cx="0" cy="0"/>
+        </a:xfrm>
+      </p:grpSpPr>
+      <p:sp>
+        <p:nvSpPr>
+          <p:cNvPr id="2" name="Title 1"/>
+          <p:cNvSpPr>
+            <a:spLocks noGrp="1"/>
+          </p:cNvSpPr>
+          <p:nvPr>
+            <p:ph type="title"/>
+          </p:nvPr>
+        </p:nvSpPr>
+        <p:spPr/>
+        <p:txBody>
+          <a:bodyPr/>
+          <a:lstStyle/>
+          <a:p>
+            <a:r>
+              <a:t>We Can Work Together</a:t>
+            </a:r>
+          </a:p>
+        </p:txBody>
+      </p:sp>
+      <p:sp>
+        <p:nvSpPr>
+          <p:cNvPr id="3" name="Content Placeholder 2"/>
+          <p:cNvSpPr>
+            <a:spLocks noGrp="1"/>
+          </p:cNvSpPr>
+          <p:nvPr>
+            <p:ph idx="1"/>
+          </p:nvPr>
+        </p:nvSpPr>
+        <p:spPr/>
+        <p:txBody>
+          <a:bodyPr/>
+          <a:lstStyle/>
+          <a:p>
+            <a:pPr lvl="1"/>
+            <a:r>
+              <a:t>Most of my code is available on GitHub: </a:t>
+            </a:r>
+            <a:r>
+              <a:rPr>
+                <a:hlinkClick r:id="rId2"/>
+              </a:rPr>
+              <a:t>https://github.com/kiadso</a:t>
+            </a:r>
+            <a:r>
+              <a:t> You are welcome to use it to manipulate your own HMIS data (within the terms).</a:t>
+            </a:r>
+          </a:p>
+          <a:p>
+            <a:pPr lvl="1"/>
+            <a:r>
+              <a:t>These slides and more resources are available there as well: </a:t>
+            </a:r>
+            <a:r>
+              <a:rPr>
+                <a:hlinkClick r:id="rId3"/>
+              </a:rPr>
+              <a:t>https://github.com/kiadso/rmarkdown_talk</a:t>
+            </a:r>
+          </a:p>
+        </p:txBody>
+      </p:sp>
+    </p:spTree>
+  </p:cSld>
+  <p:clrMapOvr>
+    <a:masterClrMapping/>
+  </p:clrMapOvr>
+</p:sld>
+</file>
+
 <file path=ppt/slides/slide7.xml><?xml version="1.0" encoding="utf-8"?>
 <p:sld xmlns:a="http://schemas.openxmlformats.org/drawingml/2006/main" xmlns:r="http://schemas.openxmlformats.org/officeDocument/2006/relationships" xmlns:p="http://schemas.openxmlformats.org/presentationml/2006/main">
   <p:cSld>
@@ -7563,6 +10202,201 @@
             </a:pPr>
             <a:r>
               <a:t>Create visualization with the results</a:t>
+            </a:r>
+          </a:p>
+        </p:txBody>
+      </p:sp>
+    </p:spTree>
+  </p:cSld>
+  <p:clrMapOvr>
+    <a:masterClrMapping/>
+  </p:clrMapOvr>
+</p:sld>
+</file>
+
+<file path=ppt/slides/slide70.xml><?xml version="1.0" encoding="utf-8"?>
+<p:sld xmlns:a="http://schemas.openxmlformats.org/drawingml/2006/main" xmlns:r="http://schemas.openxmlformats.org/officeDocument/2006/relationships" xmlns:p="http://schemas.openxmlformats.org/presentationml/2006/main">
+  <p:cSld>
+    <p:spTree>
+      <p:nvGrpSpPr>
+        <p:cNvPr id="1" name=""/>
+        <p:cNvGrpSpPr/>
+        <p:nvPr/>
+      </p:nvGrpSpPr>
+      <p:grpSpPr>
+        <a:xfrm>
+          <a:off x="0" y="0"/>
+          <a:ext cx="0" cy="0"/>
+          <a:chOff x="0" y="0"/>
+          <a:chExt cx="0" cy="0"/>
+        </a:xfrm>
+      </p:grpSpPr>
+      <p:sp>
+        <p:nvSpPr>
+          <p:cNvPr id="2" name="Title 1"/>
+          <p:cNvSpPr>
+            <a:spLocks noGrp="1"/>
+          </p:cNvSpPr>
+          <p:nvPr>
+            <p:ph type="title"/>
+          </p:nvPr>
+        </p:nvSpPr>
+        <p:spPr/>
+        <p:txBody>
+          <a:bodyPr/>
+          <a:lstStyle/>
+          <a:p>
+            <a:r>
+              <a:t>Questions?</a:t>
+            </a:r>
+          </a:p>
+        </p:txBody>
+      </p:sp>
+      <p:sp>
+        <p:nvSpPr>
+          <p:cNvPr id="3" name="Content Placeholder 2"/>
+          <p:cNvSpPr>
+            <a:spLocks noGrp="1"/>
+          </p:cNvSpPr>
+          <p:nvPr>
+            <p:ph idx="1"/>
+          </p:nvPr>
+        </p:nvSpPr>
+        <p:spPr/>
+        <p:txBody>
+          <a:bodyPr/>
+          <a:lstStyle/>
+          <a:p>
+            <a:pPr marL="0" indent="0">
+              <a:buNone/>
+            </a:pPr>
+            <a:r>
+              <a:t>First: Let’s take two minutes to share your questions with your neighbor.</a:t>
+            </a:r>
+          </a:p>
+          <a:p>
+            <a:pPr marL="0" indent="0">
+              <a:buNone/>
+            </a:pPr>
+            <a:r>
+              <a:t>Then: Questions</a:t>
+            </a:r>
+          </a:p>
+        </p:txBody>
+      </p:sp>
+    </p:spTree>
+  </p:cSld>
+  <p:clrMapOvr>
+    <a:masterClrMapping/>
+  </p:clrMapOvr>
+</p:sld>
+</file>
+
+<file path=ppt/slides/slide71.xml><?xml version="1.0" encoding="utf-8"?>
+<p:sld xmlns:a="http://schemas.openxmlformats.org/drawingml/2006/main" xmlns:r="http://schemas.openxmlformats.org/officeDocument/2006/relationships" xmlns:p="http://schemas.openxmlformats.org/presentationml/2006/main">
+  <p:cSld>
+    <p:spTree>
+      <p:nvGrpSpPr>
+        <p:cNvPr id="1" name=""/>
+        <p:cNvGrpSpPr/>
+        <p:nvPr/>
+      </p:nvGrpSpPr>
+      <p:grpSpPr>
+        <a:xfrm>
+          <a:off x="0" y="0"/>
+          <a:ext cx="0" cy="0"/>
+          <a:chOff x="0" y="0"/>
+          <a:chExt cx="0" cy="0"/>
+        </a:xfrm>
+      </p:grpSpPr>
+      <p:sp>
+        <p:nvSpPr>
+          <p:cNvPr id="2" name="Title 1"/>
+          <p:cNvSpPr>
+            <a:spLocks noGrp="1"/>
+          </p:cNvSpPr>
+          <p:nvPr>
+            <p:ph type="title"/>
+          </p:nvPr>
+        </p:nvSpPr>
+        <p:spPr/>
+        <p:txBody>
+          <a:bodyPr/>
+          <a:lstStyle/>
+          <a:p>
+            <a:r>
+              <a:t>Contact Info</a:t>
+            </a:r>
+          </a:p>
+        </p:txBody>
+      </p:sp>
+      <p:sp>
+        <p:nvSpPr>
+          <p:cNvPr id="3" name="Content Placeholder 2"/>
+          <p:cNvSpPr>
+            <a:spLocks noGrp="1"/>
+          </p:cNvSpPr>
+          <p:nvPr>
+            <p:ph idx="1"/>
+          </p:nvPr>
+        </p:nvSpPr>
+        <p:spPr/>
+        <p:txBody>
+          <a:bodyPr/>
+          <a:lstStyle/>
+          <a:p>
+            <a:pPr marL="0" indent="0">
+              <a:buNone/>
+            </a:pPr>
+            <a:r>
+              <a:t>Genelle Denzin </a:t>
+            </a:r>
+            <a:r>
+              <a:rPr i="1"/>
+              <a:t>(she/hers)</a:t>
+            </a:r>
+          </a:p>
+          <a:p>
+            <a:pPr marL="0" indent="0">
+              <a:buNone/>
+            </a:pPr>
+            <a:r>
+              <a:t>HMIS Data Analyst</a:t>
+            </a:r>
+          </a:p>
+          <a:p>
+            <a:pPr marL="0" indent="0">
+              <a:buNone/>
+            </a:pPr>
+            <a:r>
+              <a:t>Coalition on Homelessness and Housing in Ohio (COHHIO)</a:t>
+            </a:r>
+          </a:p>
+          <a:p>
+            <a:pPr marL="0" indent="0">
+              <a:buNone/>
+            </a:pPr>
+            <a:r>
+              <a:rPr>
+                <a:hlinkClick r:id="rId2"/>
+              </a:rPr>
+              <a:t>genelledenzin@cohhio.org</a:t>
+            </a:r>
+          </a:p>
+          <a:p>
+            <a:pPr marL="0" indent="0">
+              <a:buNone/>
+            </a:pPr>
+            <a:r>
+              <a:t>Twitter: @gh_firefly</a:t>
+            </a:r>
+          </a:p>
+          <a:p>
+            <a:pPr marL="0" indent="0">
+              <a:buNone/>
+            </a:pPr>
+            <a:r>
+              <a:t>GitHub: kiadso</a:t>
             </a:r>
           </a:p>
         </p:txBody>
@@ -8720,6 +11554,24 @@
 </file>
 
 <file path=customXml/item1.xml><?xml version="1.0" encoding="utf-8"?>
+<?mso-contentType ?>
+<FormTemplates xmlns="http://schemas.microsoft.com/sharepoint/v3/contenttype/forms">
+  <Display>DocumentLibraryForm</Display>
+  <Edit>DocumentLibraryForm</Edit>
+  <New>DocumentLibraryForm</New>
+</FormTemplates>
+</file>
+
+<file path=customXml/item2.xml><?xml version="1.0" encoding="utf-8"?>
+<p:properties xmlns:p="http://schemas.microsoft.com/office/2006/metadata/properties" xmlns:xsi="http://www.w3.org/2001/XMLSchema-instance" xmlns:pc="http://schemas.microsoft.com/office/infopath/2007/PartnerControls">
+  <documentManagement>
+    <_Version xmlns="http://schemas.microsoft.com/sharepoint/v3/fields" xsi:nil="true"/>
+    <_Status xmlns="http://schemas.microsoft.com/sharepoint/v3/fields">Not Started</_Status>
+  </documentManagement>
+</p:properties>
+</file>
+
+<file path=customXml/item3.xml><?xml version="1.0" encoding="utf-8"?>
 <ct:contentTypeSchema xmlns:ct="http://schemas.microsoft.com/office/2006/metadata/contentType" xmlns:ma="http://schemas.microsoft.com/office/2006/metadata/properties/metaAttributes" ct:_="" ma:_="" ma:contentTypeName="Document" ma:contentTypeID="0x0101000DE64AEEDD9B7A4D93545ACBE97D4615" ma:contentTypeVersion="2" ma:contentTypeDescription="Create a new document." ma:contentTypeScope="" ma:versionID="f49002b78e3a4a71b814eef46a983816">
   <xsd:schema xmlns:xsd="http://www.w3.org/2001/XMLSchema" xmlns:xs="http://www.w3.org/2001/XMLSchema" xmlns:p="http://schemas.microsoft.com/office/2006/metadata/properties" xmlns:ns2="http://schemas.microsoft.com/sharepoint/v3/fields" targetNamespace="http://schemas.microsoft.com/office/2006/metadata/properties" ma:root="true" ma:fieldsID="38f6db2dd0d9a0cf6a8dc37be32b365b" ns2:_="">
     <xsd:import namespace="http://schemas.microsoft.com/sharepoint/v3/fields"/>
@@ -8863,25 +11715,25 @@
 </ct:contentTypeSchema>
 </file>
 
-<file path=customXml/item2.xml><?xml version="1.0" encoding="utf-8"?>
-<?mso-contentType ?>
-<FormTemplates xmlns="http://schemas.microsoft.com/sharepoint/v3/contenttype/forms">
-  <Display>DocumentLibraryForm</Display>
-  <Edit>DocumentLibraryForm</Edit>
-  <New>DocumentLibraryForm</New>
-</FormTemplates>
+<file path=customXml/itemProps1.xml><?xml version="1.0" encoding="utf-8"?>
+<ds:datastoreItem xmlns:ds="http://schemas.openxmlformats.org/officeDocument/2006/customXml" ds:itemID="{87D2A1B0-FF3E-4009-940D-AED0EB70AA20}">
+  <ds:schemaRefs>
+    <ds:schemaRef ds:uri="http://schemas.microsoft.com/sharepoint/v3/contenttype/forms"/>
+  </ds:schemaRefs>
+</ds:datastoreItem>
 </file>
 
-<file path=customXml/item3.xml><?xml version="1.0" encoding="utf-8"?>
-<p:properties xmlns:p="http://schemas.microsoft.com/office/2006/metadata/properties" xmlns:xsi="http://www.w3.org/2001/XMLSchema-instance" xmlns:pc="http://schemas.microsoft.com/office/infopath/2007/PartnerControls">
-  <documentManagement>
-    <_Version xmlns="http://schemas.microsoft.com/sharepoint/v3/fields" xsi:nil="true"/>
-    <_Status xmlns="http://schemas.microsoft.com/sharepoint/v3/fields">Not Started</_Status>
-  </documentManagement>
-</p:properties>
+<file path=customXml/itemProps2.xml><?xml version="1.0" encoding="utf-8"?>
+<ds:datastoreItem xmlns:ds="http://schemas.openxmlformats.org/officeDocument/2006/customXml" ds:itemID="{7B6F2769-7194-4217-93D3-3AF3A4742282}">
+  <ds:schemaRefs>
+    <ds:schemaRef ds:uri="http://schemas.microsoft.com/office/2006/metadata/properties"/>
+    <ds:schemaRef ds:uri="http://schemas.microsoft.com/office/infopath/2007/PartnerControls"/>
+    <ds:schemaRef ds:uri="http://schemas.microsoft.com/sharepoint/v3/fields"/>
+  </ds:schemaRefs>
+</ds:datastoreItem>
 </file>
 
-<file path=customXml/itemProps1.xml><?xml version="1.0" encoding="utf-8"?>
+<file path=customXml/itemProps3.xml><?xml version="1.0" encoding="utf-8"?>
 <ds:datastoreItem xmlns:ds="http://schemas.openxmlformats.org/officeDocument/2006/customXml" ds:itemID="{E4214858-785C-42F7-BE66-6D0E79395FC8}">
   <ds:schemaRefs>
     <ds:schemaRef ds:uri="http://schemas.microsoft.com/office/2006/metadata/contentType"/>
@@ -8897,22 +11749,4 @@
     <ds:schemaRef ds:uri="http://schemas.microsoft.com/internal/obd"/>
   </ds:schemaRefs>
 </ds:datastoreItem>
-</file>
-
-<file path=customXml/itemProps2.xml><?xml version="1.0" encoding="utf-8"?>
-<ds:datastoreItem xmlns:ds="http://schemas.openxmlformats.org/officeDocument/2006/customXml" ds:itemID="{87D2A1B0-FF3E-4009-940D-AED0EB70AA20}">
-  <ds:schemaRefs>
-    <ds:schemaRef ds:uri="http://schemas.microsoft.com/sharepoint/v3/contenttype/forms"/>
-  </ds:schemaRefs>
-</ds:datastoreItem>
-</file>
-
-<file path=customXml/itemProps3.xml><?xml version="1.0" encoding="utf-8"?>
-<ds:datastoreItem xmlns:ds="http://schemas.openxmlformats.org/officeDocument/2006/customXml" ds:itemID="{7B6F2769-7194-4217-93D3-3AF3A4742282}">
-  <ds:schemaRefs>
-    <ds:schemaRef ds:uri="http://schemas.microsoft.com/office/2006/metadata/properties"/>
-    <ds:schemaRef ds:uri="http://schemas.microsoft.com/office/infopath/2007/PartnerControls"/>
-    <ds:schemaRef ds:uri="http://schemas.microsoft.com/sharepoint/v3/fields"/>
-  </ds:schemaRefs>
-</ds:datastoreItem>
 </file>